--- a/4/9월16일.pptx
+++ b/4/9월16일.pptx
@@ -17,27 +17,29 @@
     <p:sldId id="266" r:id="rId11"/>
     <p:sldId id="267" r:id="rId12"/>
     <p:sldId id="269" r:id="rId13"/>
-    <p:sldId id="270" r:id="rId14"/>
-    <p:sldId id="271" r:id="rId15"/>
-    <p:sldId id="272" r:id="rId16"/>
-    <p:sldId id="273" r:id="rId17"/>
-    <p:sldId id="274" r:id="rId18"/>
-    <p:sldId id="275" r:id="rId19"/>
-    <p:sldId id="276" r:id="rId20"/>
-    <p:sldId id="277" r:id="rId21"/>
-    <p:sldId id="278" r:id="rId22"/>
-    <p:sldId id="279" r:id="rId23"/>
+    <p:sldId id="280" r:id="rId14"/>
+    <p:sldId id="281" r:id="rId15"/>
+    <p:sldId id="270" r:id="rId16"/>
+    <p:sldId id="271" r:id="rId17"/>
+    <p:sldId id="272" r:id="rId18"/>
+    <p:sldId id="273" r:id="rId19"/>
+    <p:sldId id="274" r:id="rId20"/>
+    <p:sldId id="275" r:id="rId21"/>
+    <p:sldId id="276" r:id="rId22"/>
+    <p:sldId id="277" r:id="rId23"/>
+    <p:sldId id="278" r:id="rId24"/>
+    <p:sldId id="279" r:id="rId25"/>
   </p:sldIdLst>
   <p:sldSz cx="12192000" cy="6858000"/>
   <p:notesSz cx="6858000" cy="9144000"/>
   <p:embeddedFontLst>
     <p:embeddedFont>
       <p:font typeface="나눔스퀘어" panose="020B0600000101010101" pitchFamily="50" charset="-127"/>
-      <p:regular r:id="rId24"/>
+      <p:regular r:id="rId26"/>
     </p:embeddedFont>
     <p:embeddedFont>
       <p:font typeface="나눔스퀘어 Bold" panose="020B0600000101010101" pitchFamily="50" charset="-127"/>
-      <p:bold r:id="rId25"/>
+      <p:bold r:id="rId27"/>
     </p:embeddedFont>
   </p:embeddedFontLst>
   <p:defaultTextStyle>
@@ -3716,6 +3718,2302 @@
         <p:spPr>
           <a:xfrm>
             <a:off x="1053784" y="1409078"/>
+            <a:ext cx="10272689" cy="4154984"/>
+          </a:xfrm>
+          <a:prstGeom prst="rect">
+            <a:avLst/>
+          </a:prstGeom>
+          <a:noFill/>
+        </p:spPr>
+        <p:txBody>
+          <a:bodyPr wrap="square" rtlCol="0">
+            <a:spAutoFit/>
+          </a:bodyPr>
+          <a:lstStyle/>
+          <a:p>
+            <a:r>
+              <a:rPr lang="en-US" altLang="ko-KR" sz="2400" b="1" dirty="0" err="1">
+                <a:solidFill>
+                  <a:srgbClr val="0070C0"/>
+                </a:solidFill>
+              </a:rPr>
+              <a:t>Math.floor</a:t>
+            </a:r>
+            <a:r>
+              <a:rPr lang="en-US" altLang="ko-KR" sz="2400" b="1" dirty="0">
+                <a:solidFill>
+                  <a:srgbClr val="0070C0"/>
+                </a:solidFill>
+              </a:rPr>
+              <a:t>(</a:t>
+            </a:r>
+            <a:r>
+              <a:rPr lang="en-US" altLang="ko-KR" sz="2400" b="1" dirty="0" err="1">
+                <a:solidFill>
+                  <a:srgbClr val="0070C0"/>
+                </a:solidFill>
+              </a:rPr>
+              <a:t>Math.random</a:t>
+            </a:r>
+            <a:r>
+              <a:rPr lang="en-US" altLang="ko-KR" sz="2400" b="1" dirty="0">
+                <a:solidFill>
+                  <a:srgbClr val="0070C0"/>
+                </a:solidFill>
+              </a:rPr>
+              <a:t>())</a:t>
+            </a:r>
+          </a:p>
+          <a:p>
+            <a:endParaRPr lang="en-US" altLang="ko-KR" sz="2000" dirty="0">
+              <a:solidFill>
+                <a:srgbClr val="0070C0"/>
+              </a:solidFill>
+            </a:endParaRPr>
+          </a:p>
+          <a:p>
+            <a:r>
+              <a:rPr lang="ko-KR" altLang="en-US" sz="2000" b="1" dirty="0"/>
+              <a:t>간단하게</a:t>
+            </a:r>
+            <a:r>
+              <a:rPr lang="en-US" altLang="ko-KR" sz="2000" b="1" dirty="0"/>
+              <a:t>!</a:t>
+            </a:r>
+          </a:p>
+          <a:p>
+            <a:endParaRPr lang="en-US" altLang="ko-KR" sz="2000" b="1" dirty="0"/>
+          </a:p>
+          <a:p>
+            <a:r>
+              <a:rPr lang="en-US" altLang="ko-KR" sz="2000" dirty="0"/>
+              <a:t>0</a:t>
+            </a:r>
+            <a:r>
+              <a:rPr lang="ko-KR" altLang="en-US" sz="2000" dirty="0"/>
+              <a:t>부터 시작 할 때</a:t>
+            </a:r>
+            <a:endParaRPr lang="en-US" altLang="ko-KR" sz="2000" dirty="0"/>
+          </a:p>
+          <a:p>
+            <a:endParaRPr lang="en-US" altLang="ko-KR" sz="2000" b="1" dirty="0"/>
+          </a:p>
+          <a:p>
+            <a:endParaRPr lang="en-US" altLang="ko-KR" sz="2000" b="1" dirty="0"/>
+          </a:p>
+          <a:p>
+            <a:endParaRPr lang="en-US" altLang="ko-KR" sz="2000" dirty="0"/>
+          </a:p>
+          <a:p>
+            <a:r>
+              <a:rPr lang="en-US" altLang="ko-KR" sz="2000" dirty="0"/>
+              <a:t>1</a:t>
+            </a:r>
+            <a:r>
+              <a:rPr lang="ko-KR" altLang="en-US" sz="2000" dirty="0"/>
+              <a:t>부터 시작 할 때</a:t>
+            </a:r>
+            <a:endParaRPr lang="en-US" altLang="ko-KR" sz="2000" dirty="0"/>
+          </a:p>
+          <a:p>
+            <a:endParaRPr lang="en-US" altLang="ko-KR" sz="2000" dirty="0"/>
+          </a:p>
+          <a:p>
+            <a:endParaRPr lang="en-US" altLang="ko-KR" sz="2000" dirty="0"/>
+          </a:p>
+          <a:p>
+            <a:endParaRPr lang="en-US" altLang="ko-KR" sz="2000" dirty="0"/>
+          </a:p>
+          <a:p>
+            <a:r>
+              <a:rPr lang="en-US" altLang="ko-KR" sz="2000" dirty="0"/>
+              <a:t>2</a:t>
+            </a:r>
+            <a:r>
+              <a:rPr lang="ko-KR" altLang="en-US" sz="2000" dirty="0"/>
+              <a:t>부터 시작 할 때</a:t>
+            </a:r>
+            <a:endParaRPr lang="en-US" altLang="ko-KR" sz="2000" dirty="0"/>
+          </a:p>
+        </p:txBody>
+      </p:sp>
+      <p:grpSp>
+        <p:nvGrpSpPr>
+          <p:cNvPr id="18" name="그룹 17">
+            <a:extLst>
+              <a:ext uri="{FF2B5EF4-FFF2-40B4-BE49-F238E27FC236}">
+                <a16:creationId xmlns:a16="http://schemas.microsoft.com/office/drawing/2014/main" id="{97AAAD2C-062A-43C9-B3D3-7E7FD3DD9701}"/>
+              </a:ext>
+            </a:extLst>
+          </p:cNvPr>
+          <p:cNvGrpSpPr/>
+          <p:nvPr/>
+        </p:nvGrpSpPr>
+        <p:grpSpPr>
+          <a:xfrm>
+            <a:off x="1402976" y="3075735"/>
+            <a:ext cx="9386047" cy="706530"/>
+            <a:chOff x="1497106" y="4992914"/>
+            <a:chExt cx="9386047" cy="1100993"/>
+          </a:xfrm>
+        </p:grpSpPr>
+        <p:sp>
+          <p:nvSpPr>
+            <p:cNvPr id="21" name="직사각형 20">
+              <a:extLst>
+                <a:ext uri="{FF2B5EF4-FFF2-40B4-BE49-F238E27FC236}">
+                  <a16:creationId xmlns:a16="http://schemas.microsoft.com/office/drawing/2014/main" id="{B061065A-268D-4E8B-A815-A8117BBA395E}"/>
+                </a:ext>
+              </a:extLst>
+            </p:cNvPr>
+            <p:cNvSpPr/>
+            <p:nvPr/>
+          </p:nvSpPr>
+          <p:spPr>
+            <a:xfrm>
+              <a:off x="1497106" y="4992914"/>
+              <a:ext cx="9386047" cy="1100993"/>
+            </a:xfrm>
+            <a:prstGeom prst="rect">
+              <a:avLst/>
+            </a:prstGeom>
+            <a:solidFill>
+              <a:schemeClr val="bg1">
+                <a:lumMod val="75000"/>
+              </a:schemeClr>
+            </a:solidFill>
+            <a:ln>
+              <a:noFill/>
+            </a:ln>
+          </p:spPr>
+          <p:style>
+            <a:lnRef idx="2">
+              <a:schemeClr val="accent1">
+                <a:shade val="50000"/>
+              </a:schemeClr>
+            </a:lnRef>
+            <a:fillRef idx="1">
+              <a:schemeClr val="accent1"/>
+            </a:fillRef>
+            <a:effectRef idx="0">
+              <a:schemeClr val="accent1"/>
+            </a:effectRef>
+            <a:fontRef idx="minor">
+              <a:schemeClr val="lt1"/>
+            </a:fontRef>
+          </p:style>
+          <p:txBody>
+            <a:bodyPr rtlCol="0" anchor="ctr"/>
+            <a:lstStyle/>
+            <a:p>
+              <a:pPr algn="ctr"/>
+              <a:endParaRPr lang="ko-KR" altLang="en-US" dirty="0"/>
+            </a:p>
+          </p:txBody>
+        </p:sp>
+        <p:sp>
+          <p:nvSpPr>
+            <p:cNvPr id="22" name="TextBox 21">
+              <a:extLst>
+                <a:ext uri="{FF2B5EF4-FFF2-40B4-BE49-F238E27FC236}">
+                  <a16:creationId xmlns:a16="http://schemas.microsoft.com/office/drawing/2014/main" id="{520EC2CD-61BD-4FBE-AB36-68D4EF84FF84}"/>
+                </a:ext>
+              </a:extLst>
+            </p:cNvPr>
+            <p:cNvSpPr txBox="1"/>
+            <p:nvPr/>
+          </p:nvSpPr>
+          <p:spPr>
+            <a:xfrm>
+              <a:off x="1497107" y="5189467"/>
+              <a:ext cx="9386046" cy="623495"/>
+            </a:xfrm>
+            <a:prstGeom prst="rect">
+              <a:avLst/>
+            </a:prstGeom>
+            <a:noFill/>
+          </p:spPr>
+          <p:txBody>
+            <a:bodyPr wrap="square" rtlCol="0">
+              <a:spAutoFit/>
+            </a:bodyPr>
+            <a:lstStyle/>
+            <a:p>
+              <a:r>
+                <a:rPr lang="en-US" altLang="ko-KR" sz="2000" b="1" dirty="0" err="1"/>
+                <a:t>Math.floor</a:t>
+              </a:r>
+              <a:r>
+                <a:rPr lang="en-US" altLang="ko-KR" sz="2000" b="1" dirty="0"/>
+                <a:t>(</a:t>
+              </a:r>
+              <a:r>
+                <a:rPr lang="en-US" altLang="ko-KR" sz="2000" b="1" dirty="0" err="1"/>
+                <a:t>Math.random</a:t>
+              </a:r>
+              <a:r>
+                <a:rPr lang="en-US" altLang="ko-KR" sz="2000" b="1" dirty="0"/>
+                <a:t>()*(</a:t>
+              </a:r>
+              <a:r>
+                <a:rPr lang="ko-KR" altLang="en-US" sz="2000" b="1" dirty="0"/>
+                <a:t>내가 원하는 수</a:t>
+              </a:r>
+              <a:r>
+                <a:rPr lang="en-US" altLang="ko-KR" sz="2000" b="1" dirty="0"/>
+                <a:t>+1));</a:t>
+              </a:r>
+              <a:endParaRPr lang="ko-KR" altLang="en-US" sz="1600" dirty="0"/>
+            </a:p>
+          </p:txBody>
+        </p:sp>
+      </p:grpSp>
+      <p:grpSp>
+        <p:nvGrpSpPr>
+          <p:cNvPr id="27" name="그룹 26">
+            <a:extLst>
+              <a:ext uri="{FF2B5EF4-FFF2-40B4-BE49-F238E27FC236}">
+                <a16:creationId xmlns:a16="http://schemas.microsoft.com/office/drawing/2014/main" id="{88D74736-C0A6-40ED-A9ED-2FC07CD373D6}"/>
+              </a:ext>
+            </a:extLst>
+          </p:cNvPr>
+          <p:cNvGrpSpPr/>
+          <p:nvPr/>
+        </p:nvGrpSpPr>
+        <p:grpSpPr>
+          <a:xfrm>
+            <a:off x="1402976" y="4359100"/>
+            <a:ext cx="9386047" cy="706530"/>
+            <a:chOff x="1497106" y="4992914"/>
+            <a:chExt cx="9386047" cy="1100993"/>
+          </a:xfrm>
+        </p:grpSpPr>
+        <p:sp>
+          <p:nvSpPr>
+            <p:cNvPr id="28" name="직사각형 27">
+              <a:extLst>
+                <a:ext uri="{FF2B5EF4-FFF2-40B4-BE49-F238E27FC236}">
+                  <a16:creationId xmlns:a16="http://schemas.microsoft.com/office/drawing/2014/main" id="{8F16ADFA-42E0-4D33-8DF5-FB7D9ECD9435}"/>
+                </a:ext>
+              </a:extLst>
+            </p:cNvPr>
+            <p:cNvSpPr/>
+            <p:nvPr/>
+          </p:nvSpPr>
+          <p:spPr>
+            <a:xfrm>
+              <a:off x="1497106" y="4992914"/>
+              <a:ext cx="9386047" cy="1100993"/>
+            </a:xfrm>
+            <a:prstGeom prst="rect">
+              <a:avLst/>
+            </a:prstGeom>
+            <a:solidFill>
+              <a:schemeClr val="bg1">
+                <a:lumMod val="75000"/>
+              </a:schemeClr>
+            </a:solidFill>
+            <a:ln>
+              <a:noFill/>
+            </a:ln>
+          </p:spPr>
+          <p:style>
+            <a:lnRef idx="2">
+              <a:schemeClr val="accent1">
+                <a:shade val="50000"/>
+              </a:schemeClr>
+            </a:lnRef>
+            <a:fillRef idx="1">
+              <a:schemeClr val="accent1"/>
+            </a:fillRef>
+            <a:effectRef idx="0">
+              <a:schemeClr val="accent1"/>
+            </a:effectRef>
+            <a:fontRef idx="minor">
+              <a:schemeClr val="lt1"/>
+            </a:fontRef>
+          </p:style>
+          <p:txBody>
+            <a:bodyPr rtlCol="0" anchor="ctr"/>
+            <a:lstStyle/>
+            <a:p>
+              <a:pPr algn="ctr"/>
+              <a:endParaRPr lang="ko-KR" altLang="en-US" dirty="0"/>
+            </a:p>
+          </p:txBody>
+        </p:sp>
+        <p:sp>
+          <p:nvSpPr>
+            <p:cNvPr id="29" name="TextBox 28">
+              <a:extLst>
+                <a:ext uri="{FF2B5EF4-FFF2-40B4-BE49-F238E27FC236}">
+                  <a16:creationId xmlns:a16="http://schemas.microsoft.com/office/drawing/2014/main" id="{EA62CCAE-8400-4FFA-9E7C-E9DF0EF2B9D9}"/>
+                </a:ext>
+              </a:extLst>
+            </p:cNvPr>
+            <p:cNvSpPr txBox="1"/>
+            <p:nvPr/>
+          </p:nvSpPr>
+          <p:spPr>
+            <a:xfrm>
+              <a:off x="1497107" y="5189467"/>
+              <a:ext cx="9386046" cy="623495"/>
+            </a:xfrm>
+            <a:prstGeom prst="rect">
+              <a:avLst/>
+            </a:prstGeom>
+            <a:noFill/>
+          </p:spPr>
+          <p:txBody>
+            <a:bodyPr wrap="square" rtlCol="0">
+              <a:spAutoFit/>
+            </a:bodyPr>
+            <a:lstStyle/>
+            <a:p>
+              <a:r>
+                <a:rPr lang="en-US" altLang="ko-KR" sz="2000" b="1" dirty="0" err="1"/>
+                <a:t>Math.floor</a:t>
+              </a:r>
+              <a:r>
+                <a:rPr lang="en-US" altLang="ko-KR" sz="2000" b="1" dirty="0"/>
+                <a:t>(</a:t>
+              </a:r>
+              <a:r>
+                <a:rPr lang="en-US" altLang="ko-KR" sz="2000" b="1" dirty="0" err="1"/>
+                <a:t>Math.random</a:t>
+              </a:r>
+              <a:r>
+                <a:rPr lang="en-US" altLang="ko-KR" sz="2000" b="1" dirty="0"/>
+                <a:t>()*(</a:t>
+              </a:r>
+              <a:r>
+                <a:rPr lang="ko-KR" altLang="en-US" sz="2000" b="1" dirty="0"/>
+                <a:t>내가 원하는 수</a:t>
+              </a:r>
+              <a:r>
+                <a:rPr lang="en-US" altLang="ko-KR" sz="2000" b="1" dirty="0"/>
+                <a:t>+1-1))+1;</a:t>
+              </a:r>
+              <a:endParaRPr lang="ko-KR" altLang="en-US" sz="1600" dirty="0"/>
+            </a:p>
+          </p:txBody>
+        </p:sp>
+      </p:grpSp>
+      <p:grpSp>
+        <p:nvGrpSpPr>
+          <p:cNvPr id="30" name="그룹 29">
+            <a:extLst>
+              <a:ext uri="{FF2B5EF4-FFF2-40B4-BE49-F238E27FC236}">
+                <a16:creationId xmlns:a16="http://schemas.microsoft.com/office/drawing/2014/main" id="{D0952956-2385-4CFE-A83E-243F4760B06F}"/>
+              </a:ext>
+            </a:extLst>
+          </p:cNvPr>
+          <p:cNvGrpSpPr/>
+          <p:nvPr/>
+        </p:nvGrpSpPr>
+        <p:grpSpPr>
+          <a:xfrm>
+            <a:off x="1402976" y="5518889"/>
+            <a:ext cx="9386047" cy="706530"/>
+            <a:chOff x="1497106" y="4992914"/>
+            <a:chExt cx="9386047" cy="1100993"/>
+          </a:xfrm>
+        </p:grpSpPr>
+        <p:sp>
+          <p:nvSpPr>
+            <p:cNvPr id="31" name="직사각형 30">
+              <a:extLst>
+                <a:ext uri="{FF2B5EF4-FFF2-40B4-BE49-F238E27FC236}">
+                  <a16:creationId xmlns:a16="http://schemas.microsoft.com/office/drawing/2014/main" id="{E6C80897-D5B2-4CD6-A43E-BF278D40000A}"/>
+                </a:ext>
+              </a:extLst>
+            </p:cNvPr>
+            <p:cNvSpPr/>
+            <p:nvPr/>
+          </p:nvSpPr>
+          <p:spPr>
+            <a:xfrm>
+              <a:off x="1497106" y="4992914"/>
+              <a:ext cx="9386047" cy="1100993"/>
+            </a:xfrm>
+            <a:prstGeom prst="rect">
+              <a:avLst/>
+            </a:prstGeom>
+            <a:solidFill>
+              <a:schemeClr val="bg1">
+                <a:lumMod val="75000"/>
+              </a:schemeClr>
+            </a:solidFill>
+            <a:ln>
+              <a:noFill/>
+            </a:ln>
+          </p:spPr>
+          <p:style>
+            <a:lnRef idx="2">
+              <a:schemeClr val="accent1">
+                <a:shade val="50000"/>
+              </a:schemeClr>
+            </a:lnRef>
+            <a:fillRef idx="1">
+              <a:schemeClr val="accent1"/>
+            </a:fillRef>
+            <a:effectRef idx="0">
+              <a:schemeClr val="accent1"/>
+            </a:effectRef>
+            <a:fontRef idx="minor">
+              <a:schemeClr val="lt1"/>
+            </a:fontRef>
+          </p:style>
+          <p:txBody>
+            <a:bodyPr rtlCol="0" anchor="ctr"/>
+            <a:lstStyle/>
+            <a:p>
+              <a:pPr algn="ctr"/>
+              <a:endParaRPr lang="ko-KR" altLang="en-US" dirty="0"/>
+            </a:p>
+          </p:txBody>
+        </p:sp>
+        <p:sp>
+          <p:nvSpPr>
+            <p:cNvPr id="32" name="TextBox 31">
+              <a:extLst>
+                <a:ext uri="{FF2B5EF4-FFF2-40B4-BE49-F238E27FC236}">
+                  <a16:creationId xmlns:a16="http://schemas.microsoft.com/office/drawing/2014/main" id="{53141442-7886-4DBB-B3C9-365B37E677EE}"/>
+                </a:ext>
+              </a:extLst>
+            </p:cNvPr>
+            <p:cNvSpPr txBox="1"/>
+            <p:nvPr/>
+          </p:nvSpPr>
+          <p:spPr>
+            <a:xfrm>
+              <a:off x="1497107" y="5189467"/>
+              <a:ext cx="9386046" cy="623495"/>
+            </a:xfrm>
+            <a:prstGeom prst="rect">
+              <a:avLst/>
+            </a:prstGeom>
+            <a:noFill/>
+          </p:spPr>
+          <p:txBody>
+            <a:bodyPr wrap="square" rtlCol="0">
+              <a:spAutoFit/>
+            </a:bodyPr>
+            <a:lstStyle/>
+            <a:p>
+              <a:r>
+                <a:rPr lang="en-US" altLang="ko-KR" sz="2000" b="1" dirty="0" err="1"/>
+                <a:t>Math.floor</a:t>
+              </a:r>
+              <a:r>
+                <a:rPr lang="en-US" altLang="ko-KR" sz="2000" b="1" dirty="0"/>
+                <a:t>(</a:t>
+              </a:r>
+              <a:r>
+                <a:rPr lang="en-US" altLang="ko-KR" sz="2000" b="1" dirty="0" err="1"/>
+                <a:t>Math.random</a:t>
+              </a:r>
+              <a:r>
+                <a:rPr lang="en-US" altLang="ko-KR" sz="2000" b="1" dirty="0"/>
+                <a:t>()*(</a:t>
+              </a:r>
+              <a:r>
+                <a:rPr lang="ko-KR" altLang="en-US" sz="2000" b="1" dirty="0"/>
+                <a:t>내가 원하는 수</a:t>
+              </a:r>
+              <a:r>
+                <a:rPr lang="en-US" altLang="ko-KR" sz="2000" b="1" dirty="0"/>
+                <a:t>+1-2))+2;</a:t>
+              </a:r>
+              <a:endParaRPr lang="ko-KR" altLang="en-US" sz="1600" dirty="0"/>
+            </a:p>
+          </p:txBody>
+        </p:sp>
+      </p:grpSp>
+      <p:pic>
+        <p:nvPicPr>
+          <p:cNvPr id="10" name="그림 9">
+            <a:extLst>
+              <a:ext uri="{FF2B5EF4-FFF2-40B4-BE49-F238E27FC236}">
+                <a16:creationId xmlns:a16="http://schemas.microsoft.com/office/drawing/2014/main" id="{3A4705F4-A246-48C9-A517-F280CA605DFF}"/>
+              </a:ext>
+            </a:extLst>
+          </p:cNvPr>
+          <p:cNvPicPr>
+            <a:picLocks noChangeAspect="1"/>
+          </p:cNvPicPr>
+          <p:nvPr/>
+        </p:nvPicPr>
+        <p:blipFill>
+          <a:blip r:embed="rId2"/>
+          <a:stretch>
+            <a:fillRect/>
+          </a:stretch>
+        </p:blipFill>
+        <p:spPr>
+          <a:xfrm>
+            <a:off x="4214753" y="1841762"/>
+            <a:ext cx="6943725" cy="1133475"/>
+          </a:xfrm>
+          <a:prstGeom prst="rect">
+            <a:avLst/>
+          </a:prstGeom>
+        </p:spPr>
+      </p:pic>
+      <p:pic>
+        <p:nvPicPr>
+          <p:cNvPr id="13" name="그림 12">
+            <a:extLst>
+              <a:ext uri="{FF2B5EF4-FFF2-40B4-BE49-F238E27FC236}">
+                <a16:creationId xmlns:a16="http://schemas.microsoft.com/office/drawing/2014/main" id="{28DDE4B1-F719-4EF0-83E6-47BD08C563A3}"/>
+              </a:ext>
+            </a:extLst>
+          </p:cNvPr>
+          <p:cNvPicPr>
+            <a:picLocks noChangeAspect="1"/>
+          </p:cNvPicPr>
+          <p:nvPr/>
+        </p:nvPicPr>
+        <p:blipFill>
+          <a:blip r:embed="rId3"/>
+          <a:stretch>
+            <a:fillRect/>
+          </a:stretch>
+        </p:blipFill>
+        <p:spPr>
+          <a:xfrm>
+            <a:off x="8362173" y="3373084"/>
+            <a:ext cx="2695575" cy="1257300"/>
+          </a:xfrm>
+          <a:prstGeom prst="rect">
+            <a:avLst/>
+          </a:prstGeom>
+          <a:ln>
+            <a:solidFill>
+              <a:srgbClr val="404040"/>
+            </a:solidFill>
+          </a:ln>
+        </p:spPr>
+      </p:pic>
+    </p:spTree>
+    <p:extLst>
+      <p:ext uri="{BB962C8B-B14F-4D97-AF65-F5344CB8AC3E}">
+        <p14:creationId xmlns:p14="http://schemas.microsoft.com/office/powerpoint/2010/main" val="2805943897"/>
+      </p:ext>
+    </p:extLst>
+  </p:cSld>
+  <p:clrMapOvr>
+    <a:masterClrMapping/>
+  </p:clrMapOvr>
+</p:sld>
+</file>
+
+<file path=ppt/slides/slide13.xml><?xml version="1.0" encoding="utf-8"?>
+<p:sld xmlns:a="http://schemas.openxmlformats.org/drawingml/2006/main" xmlns:r="http://schemas.openxmlformats.org/officeDocument/2006/relationships" xmlns:p="http://schemas.openxmlformats.org/presentationml/2006/main">
+  <p:cSld>
+    <p:spTree>
+      <p:nvGrpSpPr>
+        <p:cNvPr id="1" name=""/>
+        <p:cNvGrpSpPr/>
+        <p:nvPr/>
+      </p:nvGrpSpPr>
+      <p:grpSpPr>
+        <a:xfrm>
+          <a:off x="0" y="0"/>
+          <a:ext cx="0" cy="0"/>
+          <a:chOff x="0" y="0"/>
+          <a:chExt cx="0" cy="0"/>
+        </a:xfrm>
+      </p:grpSpPr>
+      <p:sp>
+        <p:nvSpPr>
+          <p:cNvPr id="4" name="TextBox 3"/>
+          <p:cNvSpPr txBox="1"/>
+          <p:nvPr/>
+        </p:nvSpPr>
+        <p:spPr>
+          <a:xfrm>
+            <a:off x="449943" y="629558"/>
+            <a:ext cx="2693366" cy="400110"/>
+          </a:xfrm>
+          <a:prstGeom prst="rect">
+            <a:avLst/>
+          </a:prstGeom>
+          <a:noFill/>
+        </p:spPr>
+        <p:txBody>
+          <a:bodyPr wrap="none" rtlCol="0">
+            <a:spAutoFit/>
+          </a:bodyPr>
+          <a:lstStyle/>
+          <a:p>
+            <a:r>
+              <a:rPr lang="en-US" altLang="ko-KR" sz="2000" b="1" dirty="0"/>
+              <a:t>04-2. </a:t>
+            </a:r>
+            <a:r>
+              <a:rPr lang="ko-KR" altLang="en-US" sz="2000" b="1" dirty="0"/>
+              <a:t>내장 객체 </a:t>
+            </a:r>
+            <a:r>
+              <a:rPr lang="ko-KR" altLang="en-US" sz="1400" b="1" dirty="0"/>
+              <a:t>교재 </a:t>
+            </a:r>
+            <a:r>
+              <a:rPr lang="en-US" altLang="ko-KR" sz="1400" b="1" dirty="0"/>
+              <a:t>97</a:t>
+            </a:r>
+            <a:r>
+              <a:rPr lang="ko-KR" altLang="en-US" sz="1400" b="1" dirty="0"/>
+              <a:t>쪽</a:t>
+            </a:r>
+            <a:endParaRPr lang="ko-KR" altLang="en-US" sz="2000" b="1" dirty="0"/>
+          </a:p>
+        </p:txBody>
+      </p:sp>
+      <p:sp>
+        <p:nvSpPr>
+          <p:cNvPr id="11" name="직사각형 10"/>
+          <p:cNvSpPr/>
+          <p:nvPr/>
+        </p:nvSpPr>
+        <p:spPr>
+          <a:xfrm>
+            <a:off x="11872686" y="536576"/>
+            <a:ext cx="319314" cy="508000"/>
+          </a:xfrm>
+          <a:prstGeom prst="rect">
+            <a:avLst/>
+          </a:prstGeom>
+          <a:solidFill>
+            <a:srgbClr val="0070C0"/>
+          </a:solidFill>
+          <a:ln>
+            <a:noFill/>
+          </a:ln>
+        </p:spPr>
+        <p:style>
+          <a:lnRef idx="2">
+            <a:schemeClr val="accent1">
+              <a:shade val="50000"/>
+            </a:schemeClr>
+          </a:lnRef>
+          <a:fillRef idx="1">
+            <a:schemeClr val="accent1"/>
+          </a:fillRef>
+          <a:effectRef idx="0">
+            <a:schemeClr val="accent1"/>
+          </a:effectRef>
+          <a:fontRef idx="minor">
+            <a:schemeClr val="lt1"/>
+          </a:fontRef>
+        </p:style>
+        <p:txBody>
+          <a:bodyPr rtlCol="0" anchor="ctr"/>
+          <a:lstStyle/>
+          <a:p>
+            <a:pPr algn="ctr"/>
+            <a:endParaRPr lang="ko-KR" altLang="en-US"/>
+          </a:p>
+        </p:txBody>
+      </p:sp>
+      <p:sp>
+        <p:nvSpPr>
+          <p:cNvPr id="14" name="타원 13"/>
+          <p:cNvSpPr/>
+          <p:nvPr/>
+        </p:nvSpPr>
+        <p:spPr>
+          <a:xfrm>
+            <a:off x="561638" y="1064986"/>
+            <a:ext cx="72000" cy="72000"/>
+          </a:xfrm>
+          <a:prstGeom prst="ellipse">
+            <a:avLst/>
+          </a:prstGeom>
+          <a:solidFill>
+            <a:srgbClr val="002060"/>
+          </a:solidFill>
+          <a:ln>
+            <a:noFill/>
+          </a:ln>
+        </p:spPr>
+        <p:style>
+          <a:lnRef idx="2">
+            <a:schemeClr val="accent1">
+              <a:shade val="50000"/>
+            </a:schemeClr>
+          </a:lnRef>
+          <a:fillRef idx="1">
+            <a:schemeClr val="accent1"/>
+          </a:fillRef>
+          <a:effectRef idx="0">
+            <a:schemeClr val="accent1"/>
+          </a:effectRef>
+          <a:fontRef idx="minor">
+            <a:schemeClr val="lt1"/>
+          </a:fontRef>
+        </p:style>
+        <p:txBody>
+          <a:bodyPr rtlCol="0" anchor="ctr"/>
+          <a:lstStyle/>
+          <a:p>
+            <a:pPr algn="ctr"/>
+            <a:endParaRPr lang="ko-KR" altLang="en-US" sz="1600"/>
+          </a:p>
+        </p:txBody>
+      </p:sp>
+      <p:sp>
+        <p:nvSpPr>
+          <p:cNvPr id="15" name="타원 14"/>
+          <p:cNvSpPr/>
+          <p:nvPr/>
+        </p:nvSpPr>
+        <p:spPr>
+          <a:xfrm>
+            <a:off x="723122" y="1064986"/>
+            <a:ext cx="72000" cy="72000"/>
+          </a:xfrm>
+          <a:prstGeom prst="ellipse">
+            <a:avLst/>
+          </a:prstGeom>
+          <a:solidFill>
+            <a:srgbClr val="0070C0"/>
+          </a:solidFill>
+          <a:ln>
+            <a:noFill/>
+          </a:ln>
+        </p:spPr>
+        <p:style>
+          <a:lnRef idx="2">
+            <a:schemeClr val="accent1">
+              <a:shade val="50000"/>
+            </a:schemeClr>
+          </a:lnRef>
+          <a:fillRef idx="1">
+            <a:schemeClr val="accent1"/>
+          </a:fillRef>
+          <a:effectRef idx="0">
+            <a:schemeClr val="accent1"/>
+          </a:effectRef>
+          <a:fontRef idx="minor">
+            <a:schemeClr val="lt1"/>
+          </a:fontRef>
+        </p:style>
+        <p:txBody>
+          <a:bodyPr rtlCol="0" anchor="ctr"/>
+          <a:lstStyle/>
+          <a:p>
+            <a:pPr algn="ctr"/>
+            <a:endParaRPr lang="ko-KR" altLang="en-US" sz="1600"/>
+          </a:p>
+        </p:txBody>
+      </p:sp>
+      <p:sp>
+        <p:nvSpPr>
+          <p:cNvPr id="16" name="타원 15"/>
+          <p:cNvSpPr/>
+          <p:nvPr/>
+        </p:nvSpPr>
+        <p:spPr>
+          <a:xfrm>
+            <a:off x="884606" y="1064986"/>
+            <a:ext cx="72000" cy="72000"/>
+          </a:xfrm>
+          <a:prstGeom prst="ellipse">
+            <a:avLst/>
+          </a:prstGeom>
+          <a:solidFill>
+            <a:srgbClr val="00B0F0"/>
+          </a:solidFill>
+          <a:ln>
+            <a:noFill/>
+          </a:ln>
+        </p:spPr>
+        <p:style>
+          <a:lnRef idx="2">
+            <a:schemeClr val="accent1">
+              <a:shade val="50000"/>
+            </a:schemeClr>
+          </a:lnRef>
+          <a:fillRef idx="1">
+            <a:schemeClr val="accent1"/>
+          </a:fillRef>
+          <a:effectRef idx="0">
+            <a:schemeClr val="accent1"/>
+          </a:effectRef>
+          <a:fontRef idx="minor">
+            <a:schemeClr val="lt1"/>
+          </a:fontRef>
+        </p:style>
+        <p:txBody>
+          <a:bodyPr rtlCol="0" anchor="ctr"/>
+          <a:lstStyle/>
+          <a:p>
+            <a:pPr algn="ctr"/>
+            <a:endParaRPr lang="ko-KR" altLang="en-US" sz="1600"/>
+          </a:p>
+        </p:txBody>
+      </p:sp>
+      <p:sp>
+        <p:nvSpPr>
+          <p:cNvPr id="23" name="TextBox 22"/>
+          <p:cNvSpPr txBox="1"/>
+          <p:nvPr/>
+        </p:nvSpPr>
+        <p:spPr>
+          <a:xfrm>
+            <a:off x="7105382" y="609794"/>
+            <a:ext cx="742511" cy="276999"/>
+          </a:xfrm>
+          <a:prstGeom prst="rect">
+            <a:avLst/>
+          </a:prstGeom>
+          <a:noFill/>
+        </p:spPr>
+        <p:txBody>
+          <a:bodyPr wrap="none" rtlCol="0" anchor="ctr">
+            <a:spAutoFit/>
+          </a:bodyPr>
+          <a:lstStyle/>
+          <a:p>
+            <a:pPr algn="ctr"/>
+            <a:r>
+              <a:rPr lang="ko-KR" altLang="en-US" sz="1200" b="1" dirty="0">
+                <a:solidFill>
+                  <a:srgbClr val="404040"/>
+                </a:solidFill>
+                <a:latin typeface="나눔스퀘어 Bold" panose="020B0600000101010101" pitchFamily="50" charset="-127"/>
+                <a:ea typeface="나눔스퀘어 Bold" panose="020B0600000101010101" pitchFamily="50" charset="-127"/>
+              </a:rPr>
+              <a:t>내장객체</a:t>
+            </a:r>
+          </a:p>
+        </p:txBody>
+      </p:sp>
+      <p:sp>
+        <p:nvSpPr>
+          <p:cNvPr id="24" name="TextBox 23"/>
+          <p:cNvSpPr txBox="1"/>
+          <p:nvPr/>
+        </p:nvSpPr>
+        <p:spPr>
+          <a:xfrm>
+            <a:off x="7937367" y="609794"/>
+            <a:ext cx="1021434" cy="276999"/>
+          </a:xfrm>
+          <a:prstGeom prst="rect">
+            <a:avLst/>
+          </a:prstGeom>
+          <a:noFill/>
+        </p:spPr>
+        <p:txBody>
+          <a:bodyPr wrap="none" rtlCol="0" anchor="ctr">
+            <a:spAutoFit/>
+          </a:bodyPr>
+          <a:lstStyle/>
+          <a:p>
+            <a:pPr algn="ctr"/>
+            <a:r>
+              <a:rPr lang="ko-KR" altLang="en-US" sz="1200" b="1" dirty="0">
+                <a:solidFill>
+                  <a:srgbClr val="404040"/>
+                </a:solidFill>
+                <a:latin typeface="나눔스퀘어 Bold" panose="020B0600000101010101" pitchFamily="50" charset="-127"/>
+                <a:ea typeface="나눔스퀘어 Bold" panose="020B0600000101010101" pitchFamily="50" charset="-127"/>
+              </a:rPr>
+              <a:t>날짜정보객체</a:t>
+            </a:r>
+          </a:p>
+        </p:txBody>
+      </p:sp>
+      <p:sp>
+        <p:nvSpPr>
+          <p:cNvPr id="25" name="TextBox 24"/>
+          <p:cNvSpPr txBox="1"/>
+          <p:nvPr/>
+        </p:nvSpPr>
+        <p:spPr>
+          <a:xfrm>
+            <a:off x="9050024" y="609794"/>
+            <a:ext cx="742511" cy="276999"/>
+          </a:xfrm>
+          <a:prstGeom prst="rect">
+            <a:avLst/>
+          </a:prstGeom>
+          <a:noFill/>
+        </p:spPr>
+        <p:txBody>
+          <a:bodyPr wrap="none" rtlCol="0" anchor="ctr">
+            <a:spAutoFit/>
+          </a:bodyPr>
+          <a:lstStyle/>
+          <a:p>
+            <a:pPr algn="ctr"/>
+            <a:r>
+              <a:rPr lang="ko-KR" altLang="en-US" sz="1200" b="1" dirty="0">
+                <a:solidFill>
+                  <a:srgbClr val="0070C0"/>
+                </a:solidFill>
+                <a:latin typeface="나눔스퀘어 Bold" panose="020B0600000101010101" pitchFamily="50" charset="-127"/>
+                <a:ea typeface="나눔스퀘어 Bold" panose="020B0600000101010101" pitchFamily="50" charset="-127"/>
+              </a:rPr>
+              <a:t>수학객체</a:t>
+            </a:r>
+          </a:p>
+        </p:txBody>
+      </p:sp>
+      <p:sp>
+        <p:nvSpPr>
+          <p:cNvPr id="26" name="TextBox 25"/>
+          <p:cNvSpPr txBox="1"/>
+          <p:nvPr/>
+        </p:nvSpPr>
+        <p:spPr>
+          <a:xfrm>
+            <a:off x="9883758" y="609794"/>
+            <a:ext cx="742511" cy="276999"/>
+          </a:xfrm>
+          <a:prstGeom prst="rect">
+            <a:avLst/>
+          </a:prstGeom>
+          <a:noFill/>
+        </p:spPr>
+        <p:txBody>
+          <a:bodyPr wrap="none" rtlCol="0" anchor="ctr">
+            <a:spAutoFit/>
+          </a:bodyPr>
+          <a:lstStyle/>
+          <a:p>
+            <a:pPr algn="ctr"/>
+            <a:r>
+              <a:rPr lang="ko-KR" altLang="en-US" sz="1200" b="1">
+                <a:solidFill>
+                  <a:schemeClr val="tx1">
+                    <a:lumMod val="75000"/>
+                    <a:lumOff val="25000"/>
+                  </a:schemeClr>
+                </a:solidFill>
+                <a:latin typeface="나눔스퀘어 Bold" panose="020B0600000101010101" pitchFamily="50" charset="-127"/>
+                <a:ea typeface="나눔스퀘어 Bold" panose="020B0600000101010101" pitchFamily="50" charset="-127"/>
+              </a:rPr>
+              <a:t>배열객체</a:t>
+            </a:r>
+            <a:endParaRPr lang="ko-KR" altLang="en-US" sz="1200" b="1" dirty="0">
+              <a:solidFill>
+                <a:schemeClr val="tx1">
+                  <a:lumMod val="75000"/>
+                  <a:lumOff val="25000"/>
+                </a:schemeClr>
+              </a:solidFill>
+              <a:latin typeface="나눔스퀘어 Bold" panose="020B0600000101010101" pitchFamily="50" charset="-127"/>
+              <a:ea typeface="나눔스퀘어 Bold" panose="020B0600000101010101" pitchFamily="50" charset="-127"/>
+            </a:endParaRPr>
+          </a:p>
+        </p:txBody>
+      </p:sp>
+      <p:sp>
+        <p:nvSpPr>
+          <p:cNvPr id="17" name="TextBox 16"/>
+          <p:cNvSpPr txBox="1"/>
+          <p:nvPr/>
+        </p:nvSpPr>
+        <p:spPr>
+          <a:xfrm>
+            <a:off x="6550570" y="609794"/>
+            <a:ext cx="463589" cy="276999"/>
+          </a:xfrm>
+          <a:prstGeom prst="rect">
+            <a:avLst/>
+          </a:prstGeom>
+          <a:noFill/>
+        </p:spPr>
+        <p:txBody>
+          <a:bodyPr wrap="none" rtlCol="0" anchor="ctr">
+            <a:spAutoFit/>
+          </a:bodyPr>
+          <a:lstStyle/>
+          <a:p>
+            <a:pPr algn="ctr"/>
+            <a:r>
+              <a:rPr lang="ko-KR" altLang="en-US" sz="1200" dirty="0">
+                <a:solidFill>
+                  <a:srgbClr val="404040"/>
+                </a:solidFill>
+                <a:latin typeface="나눔스퀘어 Bold" panose="020B0600000101010101" pitchFamily="50" charset="-127"/>
+                <a:ea typeface="나눔스퀘어 Bold" panose="020B0600000101010101" pitchFamily="50" charset="-127"/>
+              </a:rPr>
+              <a:t>객체</a:t>
+            </a:r>
+          </a:p>
+        </p:txBody>
+      </p:sp>
+      <p:sp>
+        <p:nvSpPr>
+          <p:cNvPr id="12" name="TextBox 11">
+            <a:extLst>
+              <a:ext uri="{FF2B5EF4-FFF2-40B4-BE49-F238E27FC236}">
+                <a16:creationId xmlns:a16="http://schemas.microsoft.com/office/drawing/2014/main" id="{431B9121-5F84-4C60-B0B5-CB3540122CD1}"/>
+              </a:ext>
+            </a:extLst>
+          </p:cNvPr>
+          <p:cNvSpPr txBox="1"/>
+          <p:nvPr/>
+        </p:nvSpPr>
+        <p:spPr>
+          <a:xfrm>
+            <a:off x="10717492" y="609794"/>
+            <a:ext cx="881973" cy="276999"/>
+          </a:xfrm>
+          <a:prstGeom prst="rect">
+            <a:avLst/>
+          </a:prstGeom>
+          <a:noFill/>
+        </p:spPr>
+        <p:txBody>
+          <a:bodyPr wrap="none" rtlCol="0" anchor="ctr">
+            <a:spAutoFit/>
+          </a:bodyPr>
+          <a:lstStyle/>
+          <a:p>
+            <a:pPr algn="ctr"/>
+            <a:r>
+              <a:rPr lang="ko-KR" altLang="en-US" sz="1200" b="1" dirty="0">
+                <a:solidFill>
+                  <a:schemeClr val="tx1">
+                    <a:lumMod val="75000"/>
+                    <a:lumOff val="25000"/>
+                  </a:schemeClr>
+                </a:solidFill>
+                <a:latin typeface="나눔스퀘어 Bold" panose="020B0600000101010101" pitchFamily="50" charset="-127"/>
+                <a:ea typeface="나눔스퀘어 Bold" panose="020B0600000101010101" pitchFamily="50" charset="-127"/>
+              </a:rPr>
+              <a:t>문자열객체</a:t>
+            </a:r>
+          </a:p>
+        </p:txBody>
+      </p:sp>
+      <p:sp>
+        <p:nvSpPr>
+          <p:cNvPr id="2" name="TextBox 1">
+            <a:extLst>
+              <a:ext uri="{FF2B5EF4-FFF2-40B4-BE49-F238E27FC236}">
+                <a16:creationId xmlns:a16="http://schemas.microsoft.com/office/drawing/2014/main" id="{3AF81018-0136-494A-A7FA-291D51039CF8}"/>
+              </a:ext>
+            </a:extLst>
+          </p:cNvPr>
+          <p:cNvSpPr txBox="1"/>
+          <p:nvPr/>
+        </p:nvSpPr>
+        <p:spPr>
+          <a:xfrm>
+            <a:off x="1053784" y="1409078"/>
+            <a:ext cx="10272689" cy="4154984"/>
+          </a:xfrm>
+          <a:prstGeom prst="rect">
+            <a:avLst/>
+          </a:prstGeom>
+          <a:noFill/>
+        </p:spPr>
+        <p:txBody>
+          <a:bodyPr wrap="square" rtlCol="0">
+            <a:spAutoFit/>
+          </a:bodyPr>
+          <a:lstStyle/>
+          <a:p>
+            <a:r>
+              <a:rPr lang="en-US" altLang="ko-KR" sz="2400" b="1" dirty="0" err="1">
+                <a:solidFill>
+                  <a:srgbClr val="0070C0"/>
+                </a:solidFill>
+              </a:rPr>
+              <a:t>Math.celi</a:t>
+            </a:r>
+            <a:r>
+              <a:rPr lang="en-US" altLang="ko-KR" sz="2400" b="1" dirty="0">
+                <a:solidFill>
+                  <a:srgbClr val="0070C0"/>
+                </a:solidFill>
+              </a:rPr>
+              <a:t>(</a:t>
+            </a:r>
+            <a:r>
+              <a:rPr lang="en-US" altLang="ko-KR" sz="2400" b="1" dirty="0" err="1">
+                <a:solidFill>
+                  <a:srgbClr val="0070C0"/>
+                </a:solidFill>
+              </a:rPr>
+              <a:t>Math.random</a:t>
+            </a:r>
+            <a:r>
+              <a:rPr lang="en-US" altLang="ko-KR" sz="2400" b="1" dirty="0">
+                <a:solidFill>
+                  <a:srgbClr val="0070C0"/>
+                </a:solidFill>
+              </a:rPr>
+              <a:t>())</a:t>
+            </a:r>
+          </a:p>
+          <a:p>
+            <a:endParaRPr lang="en-US" altLang="ko-KR" sz="2000" dirty="0">
+              <a:solidFill>
+                <a:srgbClr val="0070C0"/>
+              </a:solidFill>
+            </a:endParaRPr>
+          </a:p>
+          <a:p>
+            <a:r>
+              <a:rPr lang="ko-KR" altLang="en-US" sz="2000" b="1" dirty="0"/>
+              <a:t>간단하게</a:t>
+            </a:r>
+            <a:r>
+              <a:rPr lang="en-US" altLang="ko-KR" sz="2000" b="1" dirty="0"/>
+              <a:t>!</a:t>
+            </a:r>
+          </a:p>
+          <a:p>
+            <a:endParaRPr lang="en-US" altLang="ko-KR" sz="2000" b="1" dirty="0"/>
+          </a:p>
+          <a:p>
+            <a:r>
+              <a:rPr lang="en-US" altLang="ko-KR" sz="2000" dirty="0"/>
+              <a:t>1</a:t>
+            </a:r>
+            <a:r>
+              <a:rPr lang="ko-KR" altLang="en-US" sz="2000" dirty="0"/>
+              <a:t>부터 시작 할 때</a:t>
+            </a:r>
+            <a:endParaRPr lang="en-US" altLang="ko-KR" sz="2000" dirty="0"/>
+          </a:p>
+          <a:p>
+            <a:endParaRPr lang="en-US" altLang="ko-KR" sz="2000" b="1" dirty="0"/>
+          </a:p>
+          <a:p>
+            <a:endParaRPr lang="en-US" altLang="ko-KR" sz="2000" b="1" dirty="0"/>
+          </a:p>
+          <a:p>
+            <a:endParaRPr lang="en-US" altLang="ko-KR" sz="2000" dirty="0"/>
+          </a:p>
+          <a:p>
+            <a:r>
+              <a:rPr lang="en-US" altLang="ko-KR" sz="2000" dirty="0"/>
+              <a:t>0</a:t>
+            </a:r>
+            <a:r>
+              <a:rPr lang="ko-KR" altLang="en-US" sz="2000" dirty="0"/>
+              <a:t>부터 시작 할 때</a:t>
+            </a:r>
+            <a:endParaRPr lang="en-US" altLang="ko-KR" sz="2000" dirty="0"/>
+          </a:p>
+          <a:p>
+            <a:endParaRPr lang="en-US" altLang="ko-KR" sz="2000" dirty="0"/>
+          </a:p>
+          <a:p>
+            <a:endParaRPr lang="en-US" altLang="ko-KR" sz="2000" dirty="0"/>
+          </a:p>
+          <a:p>
+            <a:endParaRPr lang="en-US" altLang="ko-KR" sz="2000" dirty="0"/>
+          </a:p>
+          <a:p>
+            <a:r>
+              <a:rPr lang="ko-KR" altLang="en-US" sz="2000" dirty="0"/>
+              <a:t>최솟값 </a:t>
+            </a:r>
+            <a:r>
+              <a:rPr lang="ko-KR" altLang="en-US" sz="2000" dirty="0" err="1"/>
+              <a:t>지정하고싶을</a:t>
+            </a:r>
+            <a:r>
+              <a:rPr lang="ko-KR" altLang="en-US" sz="2000" dirty="0"/>
+              <a:t> 때</a:t>
+            </a:r>
+            <a:endParaRPr lang="en-US" altLang="ko-KR" sz="2000" dirty="0"/>
+          </a:p>
+        </p:txBody>
+      </p:sp>
+      <p:grpSp>
+        <p:nvGrpSpPr>
+          <p:cNvPr id="18" name="그룹 17">
+            <a:extLst>
+              <a:ext uri="{FF2B5EF4-FFF2-40B4-BE49-F238E27FC236}">
+                <a16:creationId xmlns:a16="http://schemas.microsoft.com/office/drawing/2014/main" id="{97AAAD2C-062A-43C9-B3D3-7E7FD3DD9701}"/>
+              </a:ext>
+            </a:extLst>
+          </p:cNvPr>
+          <p:cNvGrpSpPr/>
+          <p:nvPr/>
+        </p:nvGrpSpPr>
+        <p:grpSpPr>
+          <a:xfrm>
+            <a:off x="1402976" y="3075735"/>
+            <a:ext cx="9386047" cy="706530"/>
+            <a:chOff x="1497106" y="4992914"/>
+            <a:chExt cx="9386047" cy="1100993"/>
+          </a:xfrm>
+        </p:grpSpPr>
+        <p:sp>
+          <p:nvSpPr>
+            <p:cNvPr id="21" name="직사각형 20">
+              <a:extLst>
+                <a:ext uri="{FF2B5EF4-FFF2-40B4-BE49-F238E27FC236}">
+                  <a16:creationId xmlns:a16="http://schemas.microsoft.com/office/drawing/2014/main" id="{B061065A-268D-4E8B-A815-A8117BBA395E}"/>
+                </a:ext>
+              </a:extLst>
+            </p:cNvPr>
+            <p:cNvSpPr/>
+            <p:nvPr/>
+          </p:nvSpPr>
+          <p:spPr>
+            <a:xfrm>
+              <a:off x="1497106" y="4992914"/>
+              <a:ext cx="9386047" cy="1100993"/>
+            </a:xfrm>
+            <a:prstGeom prst="rect">
+              <a:avLst/>
+            </a:prstGeom>
+            <a:solidFill>
+              <a:schemeClr val="bg1">
+                <a:lumMod val="75000"/>
+              </a:schemeClr>
+            </a:solidFill>
+            <a:ln>
+              <a:noFill/>
+            </a:ln>
+          </p:spPr>
+          <p:style>
+            <a:lnRef idx="2">
+              <a:schemeClr val="accent1">
+                <a:shade val="50000"/>
+              </a:schemeClr>
+            </a:lnRef>
+            <a:fillRef idx="1">
+              <a:schemeClr val="accent1"/>
+            </a:fillRef>
+            <a:effectRef idx="0">
+              <a:schemeClr val="accent1"/>
+            </a:effectRef>
+            <a:fontRef idx="minor">
+              <a:schemeClr val="lt1"/>
+            </a:fontRef>
+          </p:style>
+          <p:txBody>
+            <a:bodyPr rtlCol="0" anchor="ctr"/>
+            <a:lstStyle/>
+            <a:p>
+              <a:pPr algn="ctr"/>
+              <a:endParaRPr lang="ko-KR" altLang="en-US" dirty="0"/>
+            </a:p>
+          </p:txBody>
+        </p:sp>
+        <p:sp>
+          <p:nvSpPr>
+            <p:cNvPr id="22" name="TextBox 21">
+              <a:extLst>
+                <a:ext uri="{FF2B5EF4-FFF2-40B4-BE49-F238E27FC236}">
+                  <a16:creationId xmlns:a16="http://schemas.microsoft.com/office/drawing/2014/main" id="{520EC2CD-61BD-4FBE-AB36-68D4EF84FF84}"/>
+                </a:ext>
+              </a:extLst>
+            </p:cNvPr>
+            <p:cNvSpPr txBox="1"/>
+            <p:nvPr/>
+          </p:nvSpPr>
+          <p:spPr>
+            <a:xfrm>
+              <a:off x="1497107" y="5189467"/>
+              <a:ext cx="9386046" cy="623495"/>
+            </a:xfrm>
+            <a:prstGeom prst="rect">
+              <a:avLst/>
+            </a:prstGeom>
+            <a:noFill/>
+          </p:spPr>
+          <p:txBody>
+            <a:bodyPr wrap="square" rtlCol="0">
+              <a:spAutoFit/>
+            </a:bodyPr>
+            <a:lstStyle/>
+            <a:p>
+              <a:r>
+                <a:rPr lang="en-US" altLang="ko-KR" sz="2000" b="1" dirty="0" err="1"/>
+                <a:t>Math.celi</a:t>
+              </a:r>
+              <a:r>
+                <a:rPr lang="en-US" altLang="ko-KR" sz="2000" b="1" dirty="0"/>
+                <a:t>(</a:t>
+              </a:r>
+              <a:r>
+                <a:rPr lang="en-US" altLang="ko-KR" sz="2000" b="1" dirty="0" err="1"/>
+                <a:t>Math.random</a:t>
+              </a:r>
+              <a:r>
+                <a:rPr lang="en-US" altLang="ko-KR" sz="2000" b="1" dirty="0"/>
+                <a:t>()*(</a:t>
+              </a:r>
+              <a:r>
+                <a:rPr lang="ko-KR" altLang="en-US" sz="2000" b="1" dirty="0"/>
+                <a:t>내가 원하는 수</a:t>
+              </a:r>
+              <a:r>
+                <a:rPr lang="en-US" altLang="ko-KR" sz="2000" b="1" dirty="0"/>
+                <a:t>));</a:t>
+              </a:r>
+              <a:endParaRPr lang="ko-KR" altLang="en-US" sz="1600" dirty="0"/>
+            </a:p>
+          </p:txBody>
+        </p:sp>
+      </p:grpSp>
+      <p:grpSp>
+        <p:nvGrpSpPr>
+          <p:cNvPr id="27" name="그룹 26">
+            <a:extLst>
+              <a:ext uri="{FF2B5EF4-FFF2-40B4-BE49-F238E27FC236}">
+                <a16:creationId xmlns:a16="http://schemas.microsoft.com/office/drawing/2014/main" id="{88D74736-C0A6-40ED-A9ED-2FC07CD373D6}"/>
+              </a:ext>
+            </a:extLst>
+          </p:cNvPr>
+          <p:cNvGrpSpPr/>
+          <p:nvPr/>
+        </p:nvGrpSpPr>
+        <p:grpSpPr>
+          <a:xfrm>
+            <a:off x="1402976" y="4359100"/>
+            <a:ext cx="9386047" cy="706530"/>
+            <a:chOff x="1497106" y="4992914"/>
+            <a:chExt cx="9386047" cy="1100993"/>
+          </a:xfrm>
+        </p:grpSpPr>
+        <p:sp>
+          <p:nvSpPr>
+            <p:cNvPr id="28" name="직사각형 27">
+              <a:extLst>
+                <a:ext uri="{FF2B5EF4-FFF2-40B4-BE49-F238E27FC236}">
+                  <a16:creationId xmlns:a16="http://schemas.microsoft.com/office/drawing/2014/main" id="{8F16ADFA-42E0-4D33-8DF5-FB7D9ECD9435}"/>
+                </a:ext>
+              </a:extLst>
+            </p:cNvPr>
+            <p:cNvSpPr/>
+            <p:nvPr/>
+          </p:nvSpPr>
+          <p:spPr>
+            <a:xfrm>
+              <a:off x="1497106" y="4992914"/>
+              <a:ext cx="9386047" cy="1100993"/>
+            </a:xfrm>
+            <a:prstGeom prst="rect">
+              <a:avLst/>
+            </a:prstGeom>
+            <a:solidFill>
+              <a:schemeClr val="bg1">
+                <a:lumMod val="75000"/>
+              </a:schemeClr>
+            </a:solidFill>
+            <a:ln>
+              <a:noFill/>
+            </a:ln>
+          </p:spPr>
+          <p:style>
+            <a:lnRef idx="2">
+              <a:schemeClr val="accent1">
+                <a:shade val="50000"/>
+              </a:schemeClr>
+            </a:lnRef>
+            <a:fillRef idx="1">
+              <a:schemeClr val="accent1"/>
+            </a:fillRef>
+            <a:effectRef idx="0">
+              <a:schemeClr val="accent1"/>
+            </a:effectRef>
+            <a:fontRef idx="minor">
+              <a:schemeClr val="lt1"/>
+            </a:fontRef>
+          </p:style>
+          <p:txBody>
+            <a:bodyPr rtlCol="0" anchor="ctr"/>
+            <a:lstStyle/>
+            <a:p>
+              <a:pPr algn="ctr"/>
+              <a:endParaRPr lang="ko-KR" altLang="en-US" dirty="0"/>
+            </a:p>
+          </p:txBody>
+        </p:sp>
+        <p:sp>
+          <p:nvSpPr>
+            <p:cNvPr id="29" name="TextBox 28">
+              <a:extLst>
+                <a:ext uri="{FF2B5EF4-FFF2-40B4-BE49-F238E27FC236}">
+                  <a16:creationId xmlns:a16="http://schemas.microsoft.com/office/drawing/2014/main" id="{EA62CCAE-8400-4FFA-9E7C-E9DF0EF2B9D9}"/>
+                </a:ext>
+              </a:extLst>
+            </p:cNvPr>
+            <p:cNvSpPr txBox="1"/>
+            <p:nvPr/>
+          </p:nvSpPr>
+          <p:spPr>
+            <a:xfrm>
+              <a:off x="1497107" y="5189467"/>
+              <a:ext cx="9386046" cy="623495"/>
+            </a:xfrm>
+            <a:prstGeom prst="rect">
+              <a:avLst/>
+            </a:prstGeom>
+            <a:noFill/>
+          </p:spPr>
+          <p:txBody>
+            <a:bodyPr wrap="square" rtlCol="0">
+              <a:spAutoFit/>
+            </a:bodyPr>
+            <a:lstStyle/>
+            <a:p>
+              <a:r>
+                <a:rPr lang="en-US" altLang="ko-KR" sz="2000" b="1" dirty="0" err="1"/>
+                <a:t>Math.floor</a:t>
+              </a:r>
+              <a:r>
+                <a:rPr lang="en-US" altLang="ko-KR" sz="2000" b="1" dirty="0"/>
+                <a:t>(</a:t>
+              </a:r>
+              <a:r>
+                <a:rPr lang="en-US" altLang="ko-KR" sz="2000" b="1" dirty="0" err="1"/>
+                <a:t>Math.random</a:t>
+              </a:r>
+              <a:r>
+                <a:rPr lang="en-US" altLang="ko-KR" sz="2000" b="1" dirty="0"/>
+                <a:t>()*(</a:t>
+              </a:r>
+              <a:r>
+                <a:rPr lang="ko-KR" altLang="en-US" sz="2000" b="1" dirty="0"/>
+                <a:t>내가 원하는 수</a:t>
+              </a:r>
+              <a:r>
+                <a:rPr lang="en-US" altLang="ko-KR" sz="2000" b="1" dirty="0"/>
+                <a:t>))-1;</a:t>
+              </a:r>
+              <a:endParaRPr lang="ko-KR" altLang="en-US" sz="1600" dirty="0"/>
+            </a:p>
+          </p:txBody>
+        </p:sp>
+      </p:grpSp>
+      <p:grpSp>
+        <p:nvGrpSpPr>
+          <p:cNvPr id="30" name="그룹 29">
+            <a:extLst>
+              <a:ext uri="{FF2B5EF4-FFF2-40B4-BE49-F238E27FC236}">
+                <a16:creationId xmlns:a16="http://schemas.microsoft.com/office/drawing/2014/main" id="{D0952956-2385-4CFE-A83E-243F4760B06F}"/>
+              </a:ext>
+            </a:extLst>
+          </p:cNvPr>
+          <p:cNvGrpSpPr/>
+          <p:nvPr/>
+        </p:nvGrpSpPr>
+        <p:grpSpPr>
+          <a:xfrm>
+            <a:off x="1402976" y="5518889"/>
+            <a:ext cx="9386047" cy="706530"/>
+            <a:chOff x="1497106" y="4992914"/>
+            <a:chExt cx="9386047" cy="1100993"/>
+          </a:xfrm>
+        </p:grpSpPr>
+        <p:sp>
+          <p:nvSpPr>
+            <p:cNvPr id="31" name="직사각형 30">
+              <a:extLst>
+                <a:ext uri="{FF2B5EF4-FFF2-40B4-BE49-F238E27FC236}">
+                  <a16:creationId xmlns:a16="http://schemas.microsoft.com/office/drawing/2014/main" id="{E6C80897-D5B2-4CD6-A43E-BF278D40000A}"/>
+                </a:ext>
+              </a:extLst>
+            </p:cNvPr>
+            <p:cNvSpPr/>
+            <p:nvPr/>
+          </p:nvSpPr>
+          <p:spPr>
+            <a:xfrm>
+              <a:off x="1497106" y="4992914"/>
+              <a:ext cx="9386047" cy="1100993"/>
+            </a:xfrm>
+            <a:prstGeom prst="rect">
+              <a:avLst/>
+            </a:prstGeom>
+            <a:solidFill>
+              <a:schemeClr val="bg1">
+                <a:lumMod val="75000"/>
+              </a:schemeClr>
+            </a:solidFill>
+            <a:ln>
+              <a:noFill/>
+            </a:ln>
+          </p:spPr>
+          <p:style>
+            <a:lnRef idx="2">
+              <a:schemeClr val="accent1">
+                <a:shade val="50000"/>
+              </a:schemeClr>
+            </a:lnRef>
+            <a:fillRef idx="1">
+              <a:schemeClr val="accent1"/>
+            </a:fillRef>
+            <a:effectRef idx="0">
+              <a:schemeClr val="accent1"/>
+            </a:effectRef>
+            <a:fontRef idx="minor">
+              <a:schemeClr val="lt1"/>
+            </a:fontRef>
+          </p:style>
+          <p:txBody>
+            <a:bodyPr rtlCol="0" anchor="ctr"/>
+            <a:lstStyle/>
+            <a:p>
+              <a:pPr algn="ctr"/>
+              <a:endParaRPr lang="ko-KR" altLang="en-US" dirty="0"/>
+            </a:p>
+          </p:txBody>
+        </p:sp>
+        <p:sp>
+          <p:nvSpPr>
+            <p:cNvPr id="32" name="TextBox 31">
+              <a:extLst>
+                <a:ext uri="{FF2B5EF4-FFF2-40B4-BE49-F238E27FC236}">
+                  <a16:creationId xmlns:a16="http://schemas.microsoft.com/office/drawing/2014/main" id="{53141442-7886-4DBB-B3C9-365B37E677EE}"/>
+                </a:ext>
+              </a:extLst>
+            </p:cNvPr>
+            <p:cNvSpPr txBox="1"/>
+            <p:nvPr/>
+          </p:nvSpPr>
+          <p:spPr>
+            <a:xfrm>
+              <a:off x="1497107" y="5189467"/>
+              <a:ext cx="9386046" cy="623495"/>
+            </a:xfrm>
+            <a:prstGeom prst="rect">
+              <a:avLst/>
+            </a:prstGeom>
+            <a:noFill/>
+          </p:spPr>
+          <p:txBody>
+            <a:bodyPr wrap="square" rtlCol="0">
+              <a:spAutoFit/>
+            </a:bodyPr>
+            <a:lstStyle/>
+            <a:p>
+              <a:r>
+                <a:rPr lang="en-US" altLang="ko-KR" sz="2000" b="1" dirty="0" err="1"/>
+                <a:t>Math.floor</a:t>
+              </a:r>
+              <a:r>
+                <a:rPr lang="en-US" altLang="ko-KR" sz="2000" b="1" dirty="0"/>
+                <a:t>(</a:t>
+              </a:r>
+              <a:r>
+                <a:rPr lang="en-US" altLang="ko-KR" sz="2000" b="1" dirty="0" err="1"/>
+                <a:t>Math.random</a:t>
+              </a:r>
+              <a:r>
+                <a:rPr lang="en-US" altLang="ko-KR" sz="2000" b="1" dirty="0"/>
+                <a:t>()*(</a:t>
+              </a:r>
+              <a:r>
+                <a:rPr lang="ko-KR" altLang="en-US" sz="2000" b="1" dirty="0"/>
+                <a:t>내가 원하는 수</a:t>
+              </a:r>
+              <a:r>
+                <a:rPr lang="en-US" altLang="ko-KR" sz="2000" b="1" dirty="0"/>
+                <a:t>-1+</a:t>
+              </a:r>
+              <a:r>
+                <a:rPr lang="ko-KR" altLang="en-US" sz="2000" b="1" dirty="0"/>
+                <a:t>최솟값</a:t>
+              </a:r>
+              <a:r>
+                <a:rPr lang="en-US" altLang="ko-KR" sz="2000" b="1" dirty="0"/>
+                <a:t>))+(</a:t>
+              </a:r>
+              <a:r>
+                <a:rPr lang="ko-KR" altLang="en-US" sz="2000" b="1" dirty="0"/>
+                <a:t>최솟값</a:t>
+              </a:r>
+              <a:r>
+                <a:rPr lang="en-US" altLang="ko-KR" sz="2000" b="1" dirty="0"/>
+                <a:t>-1);</a:t>
+              </a:r>
+              <a:endParaRPr lang="ko-KR" altLang="en-US" sz="1600" dirty="0"/>
+            </a:p>
+          </p:txBody>
+        </p:sp>
+      </p:grpSp>
+      <p:pic>
+        <p:nvPicPr>
+          <p:cNvPr id="3" name="그림 2">
+            <a:extLst>
+              <a:ext uri="{FF2B5EF4-FFF2-40B4-BE49-F238E27FC236}">
+                <a16:creationId xmlns:a16="http://schemas.microsoft.com/office/drawing/2014/main" id="{9E18FAE3-AC2A-49CA-AE16-C5BA0617122A}"/>
+              </a:ext>
+            </a:extLst>
+          </p:cNvPr>
+          <p:cNvPicPr>
+            <a:picLocks noChangeAspect="1"/>
+          </p:cNvPicPr>
+          <p:nvPr/>
+        </p:nvPicPr>
+        <p:blipFill>
+          <a:blip r:embed="rId2"/>
+          <a:stretch>
+            <a:fillRect/>
+          </a:stretch>
+        </p:blipFill>
+        <p:spPr>
+          <a:xfrm>
+            <a:off x="4092948" y="1927976"/>
+            <a:ext cx="6696075" cy="1066800"/>
+          </a:xfrm>
+          <a:prstGeom prst="rect">
+            <a:avLst/>
+          </a:prstGeom>
+        </p:spPr>
+      </p:pic>
+      <p:pic>
+        <p:nvPicPr>
+          <p:cNvPr id="5" name="그림 4">
+            <a:extLst>
+              <a:ext uri="{FF2B5EF4-FFF2-40B4-BE49-F238E27FC236}">
+                <a16:creationId xmlns:a16="http://schemas.microsoft.com/office/drawing/2014/main" id="{03A63438-ECEE-41C1-BF88-3EEFC56886AB}"/>
+              </a:ext>
+            </a:extLst>
+          </p:cNvPr>
+          <p:cNvPicPr>
+            <a:picLocks noChangeAspect="1"/>
+          </p:cNvPicPr>
+          <p:nvPr/>
+        </p:nvPicPr>
+        <p:blipFill>
+          <a:blip r:embed="rId3"/>
+          <a:stretch>
+            <a:fillRect/>
+          </a:stretch>
+        </p:blipFill>
+        <p:spPr>
+          <a:xfrm>
+            <a:off x="8305093" y="3299557"/>
+            <a:ext cx="2619375" cy="685800"/>
+          </a:xfrm>
+          <a:prstGeom prst="rect">
+            <a:avLst/>
+          </a:prstGeom>
+          <a:ln>
+            <a:solidFill>
+              <a:srgbClr val="404040"/>
+            </a:solidFill>
+          </a:ln>
+        </p:spPr>
+      </p:pic>
+      <p:sp>
+        <p:nvSpPr>
+          <p:cNvPr id="6" name="폭발: 14pt 5">
+            <a:extLst>
+              <a:ext uri="{FF2B5EF4-FFF2-40B4-BE49-F238E27FC236}">
+                <a16:creationId xmlns:a16="http://schemas.microsoft.com/office/drawing/2014/main" id="{DB59770E-9C8E-4D11-A52E-964E19B6C31B}"/>
+              </a:ext>
+            </a:extLst>
+          </p:cNvPr>
+          <p:cNvSpPr/>
+          <p:nvPr/>
+        </p:nvSpPr>
+        <p:spPr>
+          <a:xfrm>
+            <a:off x="8785054" y="4790968"/>
+            <a:ext cx="3281078" cy="1491324"/>
+          </a:xfrm>
+          <a:prstGeom prst="irregularSeal2">
+            <a:avLst/>
+          </a:prstGeom>
+        </p:spPr>
+        <p:style>
+          <a:lnRef idx="2">
+            <a:schemeClr val="accent1">
+              <a:shade val="50000"/>
+            </a:schemeClr>
+          </a:lnRef>
+          <a:fillRef idx="1">
+            <a:schemeClr val="accent1"/>
+          </a:fillRef>
+          <a:effectRef idx="0">
+            <a:schemeClr val="accent1"/>
+          </a:effectRef>
+          <a:fontRef idx="minor">
+            <a:schemeClr val="lt1"/>
+          </a:fontRef>
+        </p:style>
+        <p:txBody>
+          <a:bodyPr rtlCol="0" anchor="ctr"/>
+          <a:lstStyle/>
+          <a:p>
+            <a:pPr algn="ctr"/>
+            <a:r>
+              <a:rPr lang="en-US" altLang="ko-KR" dirty="0"/>
+              <a:t>Ceil</a:t>
+            </a:r>
+            <a:r>
+              <a:rPr lang="ko-KR" altLang="en-US" dirty="0"/>
+              <a:t>는</a:t>
+            </a:r>
+            <a:endParaRPr lang="en-US" altLang="ko-KR" dirty="0"/>
+          </a:p>
+          <a:p>
+            <a:pPr algn="ctr"/>
+            <a:r>
+              <a:rPr lang="ko-KR" altLang="en-US" dirty="0" err="1"/>
+              <a:t>비권장</a:t>
+            </a:r>
+            <a:r>
+              <a:rPr lang="en-US" altLang="ko-KR" dirty="0"/>
+              <a:t>……</a:t>
+            </a:r>
+            <a:endParaRPr lang="ko-KR" altLang="en-US" dirty="0"/>
+          </a:p>
+        </p:txBody>
+      </p:sp>
+      <p:pic>
+        <p:nvPicPr>
+          <p:cNvPr id="7" name="그림 6">
+            <a:extLst>
+              <a:ext uri="{FF2B5EF4-FFF2-40B4-BE49-F238E27FC236}">
+                <a16:creationId xmlns:a16="http://schemas.microsoft.com/office/drawing/2014/main" id="{EB2F7510-3C31-4914-A192-CED4BEE711BB}"/>
+              </a:ext>
+            </a:extLst>
+          </p:cNvPr>
+          <p:cNvPicPr>
+            <a:picLocks noChangeAspect="1"/>
+          </p:cNvPicPr>
+          <p:nvPr/>
+        </p:nvPicPr>
+        <p:blipFill>
+          <a:blip r:embed="rId4"/>
+          <a:stretch>
+            <a:fillRect/>
+          </a:stretch>
+        </p:blipFill>
+        <p:spPr>
+          <a:xfrm>
+            <a:off x="2296074" y="6154803"/>
+            <a:ext cx="6705600" cy="523875"/>
+          </a:xfrm>
+          <a:prstGeom prst="rect">
+            <a:avLst/>
+          </a:prstGeom>
+        </p:spPr>
+      </p:pic>
+    </p:spTree>
+    <p:extLst>
+      <p:ext uri="{BB962C8B-B14F-4D97-AF65-F5344CB8AC3E}">
+        <p14:creationId xmlns:p14="http://schemas.microsoft.com/office/powerpoint/2010/main" val="2146745008"/>
+      </p:ext>
+    </p:extLst>
+  </p:cSld>
+  <p:clrMapOvr>
+    <a:masterClrMapping/>
+  </p:clrMapOvr>
+</p:sld>
+</file>
+
+<file path=ppt/slides/slide14.xml><?xml version="1.0" encoding="utf-8"?>
+<p:sld xmlns:a="http://schemas.openxmlformats.org/drawingml/2006/main" xmlns:r="http://schemas.openxmlformats.org/officeDocument/2006/relationships" xmlns:p="http://schemas.openxmlformats.org/presentationml/2006/main">
+  <p:cSld>
+    <p:spTree>
+      <p:nvGrpSpPr>
+        <p:cNvPr id="1" name=""/>
+        <p:cNvGrpSpPr/>
+        <p:nvPr/>
+      </p:nvGrpSpPr>
+      <p:grpSpPr>
+        <a:xfrm>
+          <a:off x="0" y="0"/>
+          <a:ext cx="0" cy="0"/>
+          <a:chOff x="0" y="0"/>
+          <a:chExt cx="0" cy="0"/>
+        </a:xfrm>
+      </p:grpSpPr>
+      <p:sp>
+        <p:nvSpPr>
+          <p:cNvPr id="4" name="TextBox 3"/>
+          <p:cNvSpPr txBox="1"/>
+          <p:nvPr/>
+        </p:nvSpPr>
+        <p:spPr>
+          <a:xfrm>
+            <a:off x="449943" y="629558"/>
+            <a:ext cx="2693366" cy="400110"/>
+          </a:xfrm>
+          <a:prstGeom prst="rect">
+            <a:avLst/>
+          </a:prstGeom>
+          <a:noFill/>
+        </p:spPr>
+        <p:txBody>
+          <a:bodyPr wrap="none" rtlCol="0">
+            <a:spAutoFit/>
+          </a:bodyPr>
+          <a:lstStyle/>
+          <a:p>
+            <a:r>
+              <a:rPr lang="en-US" altLang="ko-KR" sz="2000" b="1" dirty="0"/>
+              <a:t>04-2. </a:t>
+            </a:r>
+            <a:r>
+              <a:rPr lang="ko-KR" altLang="en-US" sz="2000" b="1" dirty="0"/>
+              <a:t>내장 객체 </a:t>
+            </a:r>
+            <a:r>
+              <a:rPr lang="ko-KR" altLang="en-US" sz="1400" b="1" dirty="0"/>
+              <a:t>교재 </a:t>
+            </a:r>
+            <a:r>
+              <a:rPr lang="en-US" altLang="ko-KR" sz="1400" b="1" dirty="0"/>
+              <a:t>97</a:t>
+            </a:r>
+            <a:r>
+              <a:rPr lang="ko-KR" altLang="en-US" sz="1400" b="1" dirty="0"/>
+              <a:t>쪽</a:t>
+            </a:r>
+            <a:endParaRPr lang="ko-KR" altLang="en-US" sz="2000" b="1" dirty="0"/>
+          </a:p>
+        </p:txBody>
+      </p:sp>
+      <p:sp>
+        <p:nvSpPr>
+          <p:cNvPr id="11" name="직사각형 10"/>
+          <p:cNvSpPr/>
+          <p:nvPr/>
+        </p:nvSpPr>
+        <p:spPr>
+          <a:xfrm>
+            <a:off x="11872686" y="536576"/>
+            <a:ext cx="319314" cy="508000"/>
+          </a:xfrm>
+          <a:prstGeom prst="rect">
+            <a:avLst/>
+          </a:prstGeom>
+          <a:solidFill>
+            <a:srgbClr val="0070C0"/>
+          </a:solidFill>
+          <a:ln>
+            <a:noFill/>
+          </a:ln>
+        </p:spPr>
+        <p:style>
+          <a:lnRef idx="2">
+            <a:schemeClr val="accent1">
+              <a:shade val="50000"/>
+            </a:schemeClr>
+          </a:lnRef>
+          <a:fillRef idx="1">
+            <a:schemeClr val="accent1"/>
+          </a:fillRef>
+          <a:effectRef idx="0">
+            <a:schemeClr val="accent1"/>
+          </a:effectRef>
+          <a:fontRef idx="minor">
+            <a:schemeClr val="lt1"/>
+          </a:fontRef>
+        </p:style>
+        <p:txBody>
+          <a:bodyPr rtlCol="0" anchor="ctr"/>
+          <a:lstStyle/>
+          <a:p>
+            <a:pPr algn="ctr"/>
+            <a:endParaRPr lang="ko-KR" altLang="en-US"/>
+          </a:p>
+        </p:txBody>
+      </p:sp>
+      <p:sp>
+        <p:nvSpPr>
+          <p:cNvPr id="14" name="타원 13"/>
+          <p:cNvSpPr/>
+          <p:nvPr/>
+        </p:nvSpPr>
+        <p:spPr>
+          <a:xfrm>
+            <a:off x="561638" y="1064986"/>
+            <a:ext cx="72000" cy="72000"/>
+          </a:xfrm>
+          <a:prstGeom prst="ellipse">
+            <a:avLst/>
+          </a:prstGeom>
+          <a:solidFill>
+            <a:srgbClr val="002060"/>
+          </a:solidFill>
+          <a:ln>
+            <a:noFill/>
+          </a:ln>
+        </p:spPr>
+        <p:style>
+          <a:lnRef idx="2">
+            <a:schemeClr val="accent1">
+              <a:shade val="50000"/>
+            </a:schemeClr>
+          </a:lnRef>
+          <a:fillRef idx="1">
+            <a:schemeClr val="accent1"/>
+          </a:fillRef>
+          <a:effectRef idx="0">
+            <a:schemeClr val="accent1"/>
+          </a:effectRef>
+          <a:fontRef idx="minor">
+            <a:schemeClr val="lt1"/>
+          </a:fontRef>
+        </p:style>
+        <p:txBody>
+          <a:bodyPr rtlCol="0" anchor="ctr"/>
+          <a:lstStyle/>
+          <a:p>
+            <a:pPr algn="ctr"/>
+            <a:endParaRPr lang="ko-KR" altLang="en-US" sz="1600"/>
+          </a:p>
+        </p:txBody>
+      </p:sp>
+      <p:sp>
+        <p:nvSpPr>
+          <p:cNvPr id="15" name="타원 14"/>
+          <p:cNvSpPr/>
+          <p:nvPr/>
+        </p:nvSpPr>
+        <p:spPr>
+          <a:xfrm>
+            <a:off x="723122" y="1064986"/>
+            <a:ext cx="72000" cy="72000"/>
+          </a:xfrm>
+          <a:prstGeom prst="ellipse">
+            <a:avLst/>
+          </a:prstGeom>
+          <a:solidFill>
+            <a:srgbClr val="0070C0"/>
+          </a:solidFill>
+          <a:ln>
+            <a:noFill/>
+          </a:ln>
+        </p:spPr>
+        <p:style>
+          <a:lnRef idx="2">
+            <a:schemeClr val="accent1">
+              <a:shade val="50000"/>
+            </a:schemeClr>
+          </a:lnRef>
+          <a:fillRef idx="1">
+            <a:schemeClr val="accent1"/>
+          </a:fillRef>
+          <a:effectRef idx="0">
+            <a:schemeClr val="accent1"/>
+          </a:effectRef>
+          <a:fontRef idx="minor">
+            <a:schemeClr val="lt1"/>
+          </a:fontRef>
+        </p:style>
+        <p:txBody>
+          <a:bodyPr rtlCol="0" anchor="ctr"/>
+          <a:lstStyle/>
+          <a:p>
+            <a:pPr algn="ctr"/>
+            <a:endParaRPr lang="ko-KR" altLang="en-US" sz="1600"/>
+          </a:p>
+        </p:txBody>
+      </p:sp>
+      <p:sp>
+        <p:nvSpPr>
+          <p:cNvPr id="16" name="타원 15"/>
+          <p:cNvSpPr/>
+          <p:nvPr/>
+        </p:nvSpPr>
+        <p:spPr>
+          <a:xfrm>
+            <a:off x="884606" y="1064986"/>
+            <a:ext cx="72000" cy="72000"/>
+          </a:xfrm>
+          <a:prstGeom prst="ellipse">
+            <a:avLst/>
+          </a:prstGeom>
+          <a:solidFill>
+            <a:srgbClr val="00B0F0"/>
+          </a:solidFill>
+          <a:ln>
+            <a:noFill/>
+          </a:ln>
+        </p:spPr>
+        <p:style>
+          <a:lnRef idx="2">
+            <a:schemeClr val="accent1">
+              <a:shade val="50000"/>
+            </a:schemeClr>
+          </a:lnRef>
+          <a:fillRef idx="1">
+            <a:schemeClr val="accent1"/>
+          </a:fillRef>
+          <a:effectRef idx="0">
+            <a:schemeClr val="accent1"/>
+          </a:effectRef>
+          <a:fontRef idx="minor">
+            <a:schemeClr val="lt1"/>
+          </a:fontRef>
+        </p:style>
+        <p:txBody>
+          <a:bodyPr rtlCol="0" anchor="ctr"/>
+          <a:lstStyle/>
+          <a:p>
+            <a:pPr algn="ctr"/>
+            <a:endParaRPr lang="ko-KR" altLang="en-US" sz="1600"/>
+          </a:p>
+        </p:txBody>
+      </p:sp>
+      <p:sp>
+        <p:nvSpPr>
+          <p:cNvPr id="23" name="TextBox 22"/>
+          <p:cNvSpPr txBox="1"/>
+          <p:nvPr/>
+        </p:nvSpPr>
+        <p:spPr>
+          <a:xfrm>
+            <a:off x="7105382" y="609794"/>
+            <a:ext cx="742511" cy="276999"/>
+          </a:xfrm>
+          <a:prstGeom prst="rect">
+            <a:avLst/>
+          </a:prstGeom>
+          <a:noFill/>
+        </p:spPr>
+        <p:txBody>
+          <a:bodyPr wrap="none" rtlCol="0" anchor="ctr">
+            <a:spAutoFit/>
+          </a:bodyPr>
+          <a:lstStyle/>
+          <a:p>
+            <a:pPr algn="ctr"/>
+            <a:r>
+              <a:rPr lang="ko-KR" altLang="en-US" sz="1200" b="1" dirty="0">
+                <a:solidFill>
+                  <a:srgbClr val="404040"/>
+                </a:solidFill>
+                <a:latin typeface="나눔스퀘어 Bold" panose="020B0600000101010101" pitchFamily="50" charset="-127"/>
+                <a:ea typeface="나눔스퀘어 Bold" panose="020B0600000101010101" pitchFamily="50" charset="-127"/>
+              </a:rPr>
+              <a:t>내장객체</a:t>
+            </a:r>
+          </a:p>
+        </p:txBody>
+      </p:sp>
+      <p:sp>
+        <p:nvSpPr>
+          <p:cNvPr id="24" name="TextBox 23"/>
+          <p:cNvSpPr txBox="1"/>
+          <p:nvPr/>
+        </p:nvSpPr>
+        <p:spPr>
+          <a:xfrm>
+            <a:off x="7937367" y="609794"/>
+            <a:ext cx="1021434" cy="276999"/>
+          </a:xfrm>
+          <a:prstGeom prst="rect">
+            <a:avLst/>
+          </a:prstGeom>
+          <a:noFill/>
+        </p:spPr>
+        <p:txBody>
+          <a:bodyPr wrap="none" rtlCol="0" anchor="ctr">
+            <a:spAutoFit/>
+          </a:bodyPr>
+          <a:lstStyle/>
+          <a:p>
+            <a:pPr algn="ctr"/>
+            <a:r>
+              <a:rPr lang="ko-KR" altLang="en-US" sz="1200" b="1" dirty="0">
+                <a:solidFill>
+                  <a:srgbClr val="404040"/>
+                </a:solidFill>
+                <a:latin typeface="나눔스퀘어 Bold" panose="020B0600000101010101" pitchFamily="50" charset="-127"/>
+                <a:ea typeface="나눔스퀘어 Bold" panose="020B0600000101010101" pitchFamily="50" charset="-127"/>
+              </a:rPr>
+              <a:t>날짜정보객체</a:t>
+            </a:r>
+          </a:p>
+        </p:txBody>
+      </p:sp>
+      <p:sp>
+        <p:nvSpPr>
+          <p:cNvPr id="25" name="TextBox 24"/>
+          <p:cNvSpPr txBox="1"/>
+          <p:nvPr/>
+        </p:nvSpPr>
+        <p:spPr>
+          <a:xfrm>
+            <a:off x="9050024" y="609794"/>
+            <a:ext cx="742511" cy="276999"/>
+          </a:xfrm>
+          <a:prstGeom prst="rect">
+            <a:avLst/>
+          </a:prstGeom>
+          <a:noFill/>
+        </p:spPr>
+        <p:txBody>
+          <a:bodyPr wrap="none" rtlCol="0" anchor="ctr">
+            <a:spAutoFit/>
+          </a:bodyPr>
+          <a:lstStyle/>
+          <a:p>
+            <a:pPr algn="ctr"/>
+            <a:r>
+              <a:rPr lang="ko-KR" altLang="en-US" sz="1200" b="1" dirty="0">
+                <a:solidFill>
+                  <a:srgbClr val="0070C0"/>
+                </a:solidFill>
+                <a:latin typeface="나눔스퀘어 Bold" panose="020B0600000101010101" pitchFamily="50" charset="-127"/>
+                <a:ea typeface="나눔스퀘어 Bold" panose="020B0600000101010101" pitchFamily="50" charset="-127"/>
+              </a:rPr>
+              <a:t>수학객체</a:t>
+            </a:r>
+          </a:p>
+        </p:txBody>
+      </p:sp>
+      <p:sp>
+        <p:nvSpPr>
+          <p:cNvPr id="26" name="TextBox 25"/>
+          <p:cNvSpPr txBox="1"/>
+          <p:nvPr/>
+        </p:nvSpPr>
+        <p:spPr>
+          <a:xfrm>
+            <a:off x="9883758" y="609794"/>
+            <a:ext cx="742511" cy="276999"/>
+          </a:xfrm>
+          <a:prstGeom prst="rect">
+            <a:avLst/>
+          </a:prstGeom>
+          <a:noFill/>
+        </p:spPr>
+        <p:txBody>
+          <a:bodyPr wrap="none" rtlCol="0" anchor="ctr">
+            <a:spAutoFit/>
+          </a:bodyPr>
+          <a:lstStyle/>
+          <a:p>
+            <a:pPr algn="ctr"/>
+            <a:r>
+              <a:rPr lang="ko-KR" altLang="en-US" sz="1200" b="1">
+                <a:solidFill>
+                  <a:schemeClr val="tx1">
+                    <a:lumMod val="75000"/>
+                    <a:lumOff val="25000"/>
+                  </a:schemeClr>
+                </a:solidFill>
+                <a:latin typeface="나눔스퀘어 Bold" panose="020B0600000101010101" pitchFamily="50" charset="-127"/>
+                <a:ea typeface="나눔스퀘어 Bold" panose="020B0600000101010101" pitchFamily="50" charset="-127"/>
+              </a:rPr>
+              <a:t>배열객체</a:t>
+            </a:r>
+            <a:endParaRPr lang="ko-KR" altLang="en-US" sz="1200" b="1" dirty="0">
+              <a:solidFill>
+                <a:schemeClr val="tx1">
+                  <a:lumMod val="75000"/>
+                  <a:lumOff val="25000"/>
+                </a:schemeClr>
+              </a:solidFill>
+              <a:latin typeface="나눔스퀘어 Bold" panose="020B0600000101010101" pitchFamily="50" charset="-127"/>
+              <a:ea typeface="나눔스퀘어 Bold" panose="020B0600000101010101" pitchFamily="50" charset="-127"/>
+            </a:endParaRPr>
+          </a:p>
+        </p:txBody>
+      </p:sp>
+      <p:sp>
+        <p:nvSpPr>
+          <p:cNvPr id="17" name="TextBox 16"/>
+          <p:cNvSpPr txBox="1"/>
+          <p:nvPr/>
+        </p:nvSpPr>
+        <p:spPr>
+          <a:xfrm>
+            <a:off x="6550570" y="609794"/>
+            <a:ext cx="463589" cy="276999"/>
+          </a:xfrm>
+          <a:prstGeom prst="rect">
+            <a:avLst/>
+          </a:prstGeom>
+          <a:noFill/>
+        </p:spPr>
+        <p:txBody>
+          <a:bodyPr wrap="none" rtlCol="0" anchor="ctr">
+            <a:spAutoFit/>
+          </a:bodyPr>
+          <a:lstStyle/>
+          <a:p>
+            <a:pPr algn="ctr"/>
+            <a:r>
+              <a:rPr lang="ko-KR" altLang="en-US" sz="1200" dirty="0">
+                <a:solidFill>
+                  <a:srgbClr val="404040"/>
+                </a:solidFill>
+                <a:latin typeface="나눔스퀘어 Bold" panose="020B0600000101010101" pitchFamily="50" charset="-127"/>
+                <a:ea typeface="나눔스퀘어 Bold" panose="020B0600000101010101" pitchFamily="50" charset="-127"/>
+              </a:rPr>
+              <a:t>객체</a:t>
+            </a:r>
+          </a:p>
+        </p:txBody>
+      </p:sp>
+      <p:sp>
+        <p:nvSpPr>
+          <p:cNvPr id="12" name="TextBox 11">
+            <a:extLst>
+              <a:ext uri="{FF2B5EF4-FFF2-40B4-BE49-F238E27FC236}">
+                <a16:creationId xmlns:a16="http://schemas.microsoft.com/office/drawing/2014/main" id="{431B9121-5F84-4C60-B0B5-CB3540122CD1}"/>
+              </a:ext>
+            </a:extLst>
+          </p:cNvPr>
+          <p:cNvSpPr txBox="1"/>
+          <p:nvPr/>
+        </p:nvSpPr>
+        <p:spPr>
+          <a:xfrm>
+            <a:off x="10717492" y="609794"/>
+            <a:ext cx="881973" cy="276999"/>
+          </a:xfrm>
+          <a:prstGeom prst="rect">
+            <a:avLst/>
+          </a:prstGeom>
+          <a:noFill/>
+        </p:spPr>
+        <p:txBody>
+          <a:bodyPr wrap="none" rtlCol="0" anchor="ctr">
+            <a:spAutoFit/>
+          </a:bodyPr>
+          <a:lstStyle/>
+          <a:p>
+            <a:pPr algn="ctr"/>
+            <a:r>
+              <a:rPr lang="ko-KR" altLang="en-US" sz="1200" b="1" dirty="0">
+                <a:solidFill>
+                  <a:schemeClr val="tx1">
+                    <a:lumMod val="75000"/>
+                    <a:lumOff val="25000"/>
+                  </a:schemeClr>
+                </a:solidFill>
+                <a:latin typeface="나눔스퀘어 Bold" panose="020B0600000101010101" pitchFamily="50" charset="-127"/>
+                <a:ea typeface="나눔스퀘어 Bold" panose="020B0600000101010101" pitchFamily="50" charset="-127"/>
+              </a:rPr>
+              <a:t>문자열객체</a:t>
+            </a:r>
+          </a:p>
+        </p:txBody>
+      </p:sp>
+      <p:sp>
+        <p:nvSpPr>
+          <p:cNvPr id="2" name="TextBox 1">
+            <a:extLst>
+              <a:ext uri="{FF2B5EF4-FFF2-40B4-BE49-F238E27FC236}">
+                <a16:creationId xmlns:a16="http://schemas.microsoft.com/office/drawing/2014/main" id="{3AF81018-0136-494A-A7FA-291D51039CF8}"/>
+              </a:ext>
+            </a:extLst>
+          </p:cNvPr>
+          <p:cNvSpPr txBox="1"/>
+          <p:nvPr/>
+        </p:nvSpPr>
+        <p:spPr>
+          <a:xfrm>
+            <a:off x="1053784" y="1409078"/>
             <a:ext cx="10272689" cy="461665"/>
           </a:xfrm>
           <a:prstGeom prst="rect">
@@ -4140,7 +6438,7 @@
 </p:sld>
 </file>
 
-<file path=ppt/slides/slide13.xml><?xml version="1.0" encoding="utf-8"?>
+<file path=ppt/slides/slide15.xml><?xml version="1.0" encoding="utf-8"?>
 <p:sld xmlns:a="http://schemas.openxmlformats.org/drawingml/2006/main" xmlns:r="http://schemas.openxmlformats.org/officeDocument/2006/relationships" xmlns:p="http://schemas.openxmlformats.org/presentationml/2006/main">
   <p:cSld>
     <p:spTree>
@@ -5611,7 +7909,7 @@
 </p:sld>
 </file>
 
-<file path=ppt/slides/slide14.xml><?xml version="1.0" encoding="utf-8"?>
+<file path=ppt/slides/slide16.xml><?xml version="1.0" encoding="utf-8"?>
 <p:sld xmlns:a="http://schemas.openxmlformats.org/drawingml/2006/main" xmlns:r="http://schemas.openxmlformats.org/officeDocument/2006/relationships" xmlns:p="http://schemas.openxmlformats.org/presentationml/2006/main">
   <p:cSld>
     <p:spTree>
@@ -6586,7 +8884,7 @@
 </p:sld>
 </file>
 
-<file path=ppt/slides/slide15.xml><?xml version="1.0" encoding="utf-8"?>
+<file path=ppt/slides/slide17.xml><?xml version="1.0" encoding="utf-8"?>
 <p:sld xmlns:a="http://schemas.openxmlformats.org/drawingml/2006/main" xmlns:r="http://schemas.openxmlformats.org/officeDocument/2006/relationships" xmlns:p="http://schemas.openxmlformats.org/presentationml/2006/main">
   <p:cSld>
     <p:spTree>
@@ -7639,7 +9937,7 @@
 </p:sld>
 </file>
 
-<file path=ppt/slides/slide16.xml><?xml version="1.0" encoding="utf-8"?>
+<file path=ppt/slides/slide18.xml><?xml version="1.0" encoding="utf-8"?>
 <p:sld xmlns:a="http://schemas.openxmlformats.org/drawingml/2006/main" xmlns:r="http://schemas.openxmlformats.org/officeDocument/2006/relationships" xmlns:p="http://schemas.openxmlformats.org/presentationml/2006/main">
   <p:cSld>
     <p:spTree>
@@ -8638,7 +10936,7 @@
 </p:sld>
 </file>
 
-<file path=ppt/slides/slide17.xml><?xml version="1.0" encoding="utf-8"?>
+<file path=ppt/slides/slide19.xml><?xml version="1.0" encoding="utf-8"?>
 <p:sld xmlns:a="http://schemas.openxmlformats.org/drawingml/2006/main" xmlns:r="http://schemas.openxmlformats.org/officeDocument/2006/relationships" xmlns:p="http://schemas.openxmlformats.org/presentationml/2006/main">
   <p:cSld>
     <p:spTree>
@@ -9645,1954 +11943,6 @@
     <p:extLst>
       <p:ext uri="{BB962C8B-B14F-4D97-AF65-F5344CB8AC3E}">
         <p14:creationId xmlns:p14="http://schemas.microsoft.com/office/powerpoint/2010/main" val="3847407729"/>
-      </p:ext>
-    </p:extLst>
-  </p:cSld>
-  <p:clrMapOvr>
-    <a:masterClrMapping/>
-  </p:clrMapOvr>
-</p:sld>
-</file>
-
-<file path=ppt/slides/slide18.xml><?xml version="1.0" encoding="utf-8"?>
-<p:sld xmlns:a="http://schemas.openxmlformats.org/drawingml/2006/main" xmlns:r="http://schemas.openxmlformats.org/officeDocument/2006/relationships" xmlns:p="http://schemas.openxmlformats.org/presentationml/2006/main">
-  <p:cSld>
-    <p:spTree>
-      <p:nvGrpSpPr>
-        <p:cNvPr id="1" name=""/>
-        <p:cNvGrpSpPr/>
-        <p:nvPr/>
-      </p:nvGrpSpPr>
-      <p:grpSpPr>
-        <a:xfrm>
-          <a:off x="0" y="0"/>
-          <a:ext cx="0" cy="0"/>
-          <a:chOff x="0" y="0"/>
-          <a:chExt cx="0" cy="0"/>
-        </a:xfrm>
-      </p:grpSpPr>
-      <p:sp>
-        <p:nvSpPr>
-          <p:cNvPr id="4" name="TextBox 3"/>
-          <p:cNvSpPr txBox="1"/>
-          <p:nvPr/>
-        </p:nvSpPr>
-        <p:spPr>
-          <a:xfrm>
-            <a:off x="449943" y="629558"/>
-            <a:ext cx="2800767" cy="400110"/>
-          </a:xfrm>
-          <a:prstGeom prst="rect">
-            <a:avLst/>
-          </a:prstGeom>
-          <a:noFill/>
-        </p:spPr>
-        <p:txBody>
-          <a:bodyPr wrap="none" rtlCol="0">
-            <a:spAutoFit/>
-          </a:bodyPr>
-          <a:lstStyle/>
-          <a:p>
-            <a:r>
-              <a:rPr lang="en-US" altLang="ko-KR" sz="2000" b="1" dirty="0"/>
-              <a:t>04-2. </a:t>
-            </a:r>
-            <a:r>
-              <a:rPr lang="ko-KR" altLang="en-US" sz="2000" b="1" dirty="0"/>
-              <a:t>내장 객체 </a:t>
-            </a:r>
-            <a:r>
-              <a:rPr lang="ko-KR" altLang="en-US" sz="1400" b="1" dirty="0"/>
-              <a:t>교재 </a:t>
-            </a:r>
-            <a:r>
-              <a:rPr lang="en-US" altLang="ko-KR" sz="1400" b="1" dirty="0"/>
-              <a:t>106</a:t>
-            </a:r>
-            <a:r>
-              <a:rPr lang="ko-KR" altLang="en-US" sz="1400" b="1" dirty="0"/>
-              <a:t>쪽</a:t>
-            </a:r>
-            <a:endParaRPr lang="ko-KR" altLang="en-US" sz="2000" b="1" dirty="0"/>
-          </a:p>
-        </p:txBody>
-      </p:sp>
-      <p:sp>
-        <p:nvSpPr>
-          <p:cNvPr id="11" name="직사각형 10"/>
-          <p:cNvSpPr/>
-          <p:nvPr/>
-        </p:nvSpPr>
-        <p:spPr>
-          <a:xfrm>
-            <a:off x="11872686" y="536576"/>
-            <a:ext cx="319314" cy="508000"/>
-          </a:xfrm>
-          <a:prstGeom prst="rect">
-            <a:avLst/>
-          </a:prstGeom>
-          <a:solidFill>
-            <a:srgbClr val="0070C0"/>
-          </a:solidFill>
-          <a:ln>
-            <a:noFill/>
-          </a:ln>
-        </p:spPr>
-        <p:style>
-          <a:lnRef idx="2">
-            <a:schemeClr val="accent1">
-              <a:shade val="50000"/>
-            </a:schemeClr>
-          </a:lnRef>
-          <a:fillRef idx="1">
-            <a:schemeClr val="accent1"/>
-          </a:fillRef>
-          <a:effectRef idx="0">
-            <a:schemeClr val="accent1"/>
-          </a:effectRef>
-          <a:fontRef idx="minor">
-            <a:schemeClr val="lt1"/>
-          </a:fontRef>
-        </p:style>
-        <p:txBody>
-          <a:bodyPr rtlCol="0" anchor="ctr"/>
-          <a:lstStyle/>
-          <a:p>
-            <a:pPr algn="ctr"/>
-            <a:endParaRPr lang="ko-KR" altLang="en-US"/>
-          </a:p>
-        </p:txBody>
-      </p:sp>
-      <p:sp>
-        <p:nvSpPr>
-          <p:cNvPr id="14" name="타원 13"/>
-          <p:cNvSpPr/>
-          <p:nvPr/>
-        </p:nvSpPr>
-        <p:spPr>
-          <a:xfrm>
-            <a:off x="561638" y="1064986"/>
-            <a:ext cx="72000" cy="72000"/>
-          </a:xfrm>
-          <a:prstGeom prst="ellipse">
-            <a:avLst/>
-          </a:prstGeom>
-          <a:solidFill>
-            <a:srgbClr val="002060"/>
-          </a:solidFill>
-          <a:ln>
-            <a:noFill/>
-          </a:ln>
-        </p:spPr>
-        <p:style>
-          <a:lnRef idx="2">
-            <a:schemeClr val="accent1">
-              <a:shade val="50000"/>
-            </a:schemeClr>
-          </a:lnRef>
-          <a:fillRef idx="1">
-            <a:schemeClr val="accent1"/>
-          </a:fillRef>
-          <a:effectRef idx="0">
-            <a:schemeClr val="accent1"/>
-          </a:effectRef>
-          <a:fontRef idx="minor">
-            <a:schemeClr val="lt1"/>
-          </a:fontRef>
-        </p:style>
-        <p:txBody>
-          <a:bodyPr rtlCol="0" anchor="ctr"/>
-          <a:lstStyle/>
-          <a:p>
-            <a:pPr algn="ctr"/>
-            <a:endParaRPr lang="ko-KR" altLang="en-US" sz="1600"/>
-          </a:p>
-        </p:txBody>
-      </p:sp>
-      <p:sp>
-        <p:nvSpPr>
-          <p:cNvPr id="15" name="타원 14"/>
-          <p:cNvSpPr/>
-          <p:nvPr/>
-        </p:nvSpPr>
-        <p:spPr>
-          <a:xfrm>
-            <a:off x="723122" y="1064986"/>
-            <a:ext cx="72000" cy="72000"/>
-          </a:xfrm>
-          <a:prstGeom prst="ellipse">
-            <a:avLst/>
-          </a:prstGeom>
-          <a:solidFill>
-            <a:srgbClr val="0070C0"/>
-          </a:solidFill>
-          <a:ln>
-            <a:noFill/>
-          </a:ln>
-        </p:spPr>
-        <p:style>
-          <a:lnRef idx="2">
-            <a:schemeClr val="accent1">
-              <a:shade val="50000"/>
-            </a:schemeClr>
-          </a:lnRef>
-          <a:fillRef idx="1">
-            <a:schemeClr val="accent1"/>
-          </a:fillRef>
-          <a:effectRef idx="0">
-            <a:schemeClr val="accent1"/>
-          </a:effectRef>
-          <a:fontRef idx="minor">
-            <a:schemeClr val="lt1"/>
-          </a:fontRef>
-        </p:style>
-        <p:txBody>
-          <a:bodyPr rtlCol="0" anchor="ctr"/>
-          <a:lstStyle/>
-          <a:p>
-            <a:pPr algn="ctr"/>
-            <a:endParaRPr lang="ko-KR" altLang="en-US" sz="1600"/>
-          </a:p>
-        </p:txBody>
-      </p:sp>
-      <p:sp>
-        <p:nvSpPr>
-          <p:cNvPr id="16" name="타원 15"/>
-          <p:cNvSpPr/>
-          <p:nvPr/>
-        </p:nvSpPr>
-        <p:spPr>
-          <a:xfrm>
-            <a:off x="884606" y="1064986"/>
-            <a:ext cx="72000" cy="72000"/>
-          </a:xfrm>
-          <a:prstGeom prst="ellipse">
-            <a:avLst/>
-          </a:prstGeom>
-          <a:solidFill>
-            <a:srgbClr val="00B0F0"/>
-          </a:solidFill>
-          <a:ln>
-            <a:noFill/>
-          </a:ln>
-        </p:spPr>
-        <p:style>
-          <a:lnRef idx="2">
-            <a:schemeClr val="accent1">
-              <a:shade val="50000"/>
-            </a:schemeClr>
-          </a:lnRef>
-          <a:fillRef idx="1">
-            <a:schemeClr val="accent1"/>
-          </a:fillRef>
-          <a:effectRef idx="0">
-            <a:schemeClr val="accent1"/>
-          </a:effectRef>
-          <a:fontRef idx="minor">
-            <a:schemeClr val="lt1"/>
-          </a:fontRef>
-        </p:style>
-        <p:txBody>
-          <a:bodyPr rtlCol="0" anchor="ctr"/>
-          <a:lstStyle/>
-          <a:p>
-            <a:pPr algn="ctr"/>
-            <a:endParaRPr lang="ko-KR" altLang="en-US" sz="1600"/>
-          </a:p>
-        </p:txBody>
-      </p:sp>
-      <p:sp>
-        <p:nvSpPr>
-          <p:cNvPr id="23" name="TextBox 22"/>
-          <p:cNvSpPr txBox="1"/>
-          <p:nvPr/>
-        </p:nvSpPr>
-        <p:spPr>
-          <a:xfrm>
-            <a:off x="7105382" y="609794"/>
-            <a:ext cx="742511" cy="276999"/>
-          </a:xfrm>
-          <a:prstGeom prst="rect">
-            <a:avLst/>
-          </a:prstGeom>
-          <a:noFill/>
-        </p:spPr>
-        <p:txBody>
-          <a:bodyPr wrap="none" rtlCol="0" anchor="ctr">
-            <a:spAutoFit/>
-          </a:bodyPr>
-          <a:lstStyle/>
-          <a:p>
-            <a:pPr algn="ctr"/>
-            <a:r>
-              <a:rPr lang="ko-KR" altLang="en-US" sz="1200" b="1" dirty="0">
-                <a:solidFill>
-                  <a:srgbClr val="404040"/>
-                </a:solidFill>
-                <a:latin typeface="나눔스퀘어 Bold" panose="020B0600000101010101" pitchFamily="50" charset="-127"/>
-                <a:ea typeface="나눔스퀘어 Bold" panose="020B0600000101010101" pitchFamily="50" charset="-127"/>
-              </a:rPr>
-              <a:t>내장객체</a:t>
-            </a:r>
-          </a:p>
-        </p:txBody>
-      </p:sp>
-      <p:sp>
-        <p:nvSpPr>
-          <p:cNvPr id="24" name="TextBox 23"/>
-          <p:cNvSpPr txBox="1"/>
-          <p:nvPr/>
-        </p:nvSpPr>
-        <p:spPr>
-          <a:xfrm>
-            <a:off x="7937367" y="609794"/>
-            <a:ext cx="1021434" cy="276999"/>
-          </a:xfrm>
-          <a:prstGeom prst="rect">
-            <a:avLst/>
-          </a:prstGeom>
-          <a:noFill/>
-        </p:spPr>
-        <p:txBody>
-          <a:bodyPr wrap="none" rtlCol="0" anchor="ctr">
-            <a:spAutoFit/>
-          </a:bodyPr>
-          <a:lstStyle/>
-          <a:p>
-            <a:pPr algn="ctr"/>
-            <a:r>
-              <a:rPr lang="ko-KR" altLang="en-US" sz="1200" b="1" dirty="0">
-                <a:solidFill>
-                  <a:srgbClr val="404040"/>
-                </a:solidFill>
-                <a:latin typeface="나눔스퀘어 Bold" panose="020B0600000101010101" pitchFamily="50" charset="-127"/>
-                <a:ea typeface="나눔스퀘어 Bold" panose="020B0600000101010101" pitchFamily="50" charset="-127"/>
-              </a:rPr>
-              <a:t>날짜정보객체</a:t>
-            </a:r>
-          </a:p>
-        </p:txBody>
-      </p:sp>
-      <p:sp>
-        <p:nvSpPr>
-          <p:cNvPr id="25" name="TextBox 24"/>
-          <p:cNvSpPr txBox="1"/>
-          <p:nvPr/>
-        </p:nvSpPr>
-        <p:spPr>
-          <a:xfrm>
-            <a:off x="9050024" y="609794"/>
-            <a:ext cx="742511" cy="276999"/>
-          </a:xfrm>
-          <a:prstGeom prst="rect">
-            <a:avLst/>
-          </a:prstGeom>
-          <a:noFill/>
-        </p:spPr>
-        <p:txBody>
-          <a:bodyPr wrap="none" rtlCol="0" anchor="ctr">
-            <a:spAutoFit/>
-          </a:bodyPr>
-          <a:lstStyle/>
-          <a:p>
-            <a:pPr algn="ctr"/>
-            <a:r>
-              <a:rPr lang="ko-KR" altLang="en-US" sz="1200" b="1" dirty="0">
-                <a:solidFill>
-                  <a:srgbClr val="404040"/>
-                </a:solidFill>
-                <a:latin typeface="나눔스퀘어 Bold" panose="020B0600000101010101" pitchFamily="50" charset="-127"/>
-                <a:ea typeface="나눔스퀘어 Bold" panose="020B0600000101010101" pitchFamily="50" charset="-127"/>
-              </a:rPr>
-              <a:t>수학객체</a:t>
-            </a:r>
-          </a:p>
-        </p:txBody>
-      </p:sp>
-      <p:sp>
-        <p:nvSpPr>
-          <p:cNvPr id="26" name="TextBox 25"/>
-          <p:cNvSpPr txBox="1"/>
-          <p:nvPr/>
-        </p:nvSpPr>
-        <p:spPr>
-          <a:xfrm>
-            <a:off x="9883758" y="609794"/>
-            <a:ext cx="742511" cy="276999"/>
-          </a:xfrm>
-          <a:prstGeom prst="rect">
-            <a:avLst/>
-          </a:prstGeom>
-          <a:noFill/>
-        </p:spPr>
-        <p:txBody>
-          <a:bodyPr wrap="none" rtlCol="0" anchor="ctr">
-            <a:spAutoFit/>
-          </a:bodyPr>
-          <a:lstStyle/>
-          <a:p>
-            <a:pPr algn="ctr"/>
-            <a:r>
-              <a:rPr lang="ko-KR" altLang="en-US" sz="1200" b="1">
-                <a:solidFill>
-                  <a:schemeClr val="tx1">
-                    <a:lumMod val="75000"/>
-                    <a:lumOff val="25000"/>
-                  </a:schemeClr>
-                </a:solidFill>
-                <a:latin typeface="나눔스퀘어 Bold" panose="020B0600000101010101" pitchFamily="50" charset="-127"/>
-                <a:ea typeface="나눔스퀘어 Bold" panose="020B0600000101010101" pitchFamily="50" charset="-127"/>
-              </a:rPr>
-              <a:t>배열객체</a:t>
-            </a:r>
-            <a:endParaRPr lang="ko-KR" altLang="en-US" sz="1200" b="1" dirty="0">
-              <a:solidFill>
-                <a:schemeClr val="tx1">
-                  <a:lumMod val="75000"/>
-                  <a:lumOff val="25000"/>
-                </a:schemeClr>
-              </a:solidFill>
-              <a:latin typeface="나눔스퀘어 Bold" panose="020B0600000101010101" pitchFamily="50" charset="-127"/>
-              <a:ea typeface="나눔스퀘어 Bold" panose="020B0600000101010101" pitchFamily="50" charset="-127"/>
-            </a:endParaRPr>
-          </a:p>
-        </p:txBody>
-      </p:sp>
-      <p:sp>
-        <p:nvSpPr>
-          <p:cNvPr id="17" name="TextBox 16"/>
-          <p:cNvSpPr txBox="1"/>
-          <p:nvPr/>
-        </p:nvSpPr>
-        <p:spPr>
-          <a:xfrm>
-            <a:off x="6550570" y="609794"/>
-            <a:ext cx="463589" cy="276999"/>
-          </a:xfrm>
-          <a:prstGeom prst="rect">
-            <a:avLst/>
-          </a:prstGeom>
-          <a:noFill/>
-        </p:spPr>
-        <p:txBody>
-          <a:bodyPr wrap="none" rtlCol="0" anchor="ctr">
-            <a:spAutoFit/>
-          </a:bodyPr>
-          <a:lstStyle/>
-          <a:p>
-            <a:pPr algn="ctr"/>
-            <a:r>
-              <a:rPr lang="ko-KR" altLang="en-US" sz="1200" dirty="0">
-                <a:solidFill>
-                  <a:srgbClr val="404040"/>
-                </a:solidFill>
-                <a:latin typeface="나눔스퀘어 Bold" panose="020B0600000101010101" pitchFamily="50" charset="-127"/>
-                <a:ea typeface="나눔스퀘어 Bold" panose="020B0600000101010101" pitchFamily="50" charset="-127"/>
-              </a:rPr>
-              <a:t>객체</a:t>
-            </a:r>
-          </a:p>
-        </p:txBody>
-      </p:sp>
-      <p:sp>
-        <p:nvSpPr>
-          <p:cNvPr id="12" name="TextBox 11">
-            <a:extLst>
-              <a:ext uri="{FF2B5EF4-FFF2-40B4-BE49-F238E27FC236}">
-                <a16:creationId xmlns:a16="http://schemas.microsoft.com/office/drawing/2014/main" id="{431B9121-5F84-4C60-B0B5-CB3540122CD1}"/>
-              </a:ext>
-            </a:extLst>
-          </p:cNvPr>
-          <p:cNvSpPr txBox="1"/>
-          <p:nvPr/>
-        </p:nvSpPr>
-        <p:spPr>
-          <a:xfrm>
-            <a:off x="10717492" y="609794"/>
-            <a:ext cx="881973" cy="276999"/>
-          </a:xfrm>
-          <a:prstGeom prst="rect">
-            <a:avLst/>
-          </a:prstGeom>
-          <a:noFill/>
-        </p:spPr>
-        <p:txBody>
-          <a:bodyPr wrap="none" rtlCol="0" anchor="ctr">
-            <a:spAutoFit/>
-          </a:bodyPr>
-          <a:lstStyle/>
-          <a:p>
-            <a:pPr algn="ctr"/>
-            <a:r>
-              <a:rPr lang="ko-KR" altLang="en-US" sz="1200" b="1" dirty="0">
-                <a:solidFill>
-                  <a:srgbClr val="0070C0"/>
-                </a:solidFill>
-                <a:latin typeface="나눔스퀘어 Bold" panose="020B0600000101010101" pitchFamily="50" charset="-127"/>
-                <a:ea typeface="나눔스퀘어 Bold" panose="020B0600000101010101" pitchFamily="50" charset="-127"/>
-              </a:rPr>
-              <a:t>문자열객체</a:t>
-            </a:r>
-          </a:p>
-        </p:txBody>
-      </p:sp>
-      <p:sp>
-        <p:nvSpPr>
-          <p:cNvPr id="2" name="TextBox 1">
-            <a:extLst>
-              <a:ext uri="{FF2B5EF4-FFF2-40B4-BE49-F238E27FC236}">
-                <a16:creationId xmlns:a16="http://schemas.microsoft.com/office/drawing/2014/main" id="{3AF81018-0136-494A-A7FA-291D51039CF8}"/>
-              </a:ext>
-            </a:extLst>
-          </p:cNvPr>
-          <p:cNvSpPr txBox="1"/>
-          <p:nvPr/>
-        </p:nvSpPr>
-        <p:spPr>
-          <a:xfrm>
-            <a:off x="1053784" y="1409078"/>
-            <a:ext cx="10272689" cy="707886"/>
-          </a:xfrm>
-          <a:prstGeom prst="rect">
-            <a:avLst/>
-          </a:prstGeom>
-          <a:noFill/>
-        </p:spPr>
-        <p:txBody>
-          <a:bodyPr wrap="square" rtlCol="0">
-            <a:spAutoFit/>
-          </a:bodyPr>
-          <a:lstStyle/>
-          <a:p>
-            <a:r>
-              <a:rPr lang="ko-KR" altLang="en-US" sz="2000" b="1" dirty="0"/>
-              <a:t>문자형 객체의 메서드 및 속성</a:t>
-            </a:r>
-            <a:endParaRPr lang="en-US" altLang="ko-KR" sz="2000" b="1" dirty="0"/>
-          </a:p>
-          <a:p>
-            <a:r>
-              <a:rPr lang="en-US" altLang="ko-KR" sz="2000" dirty="0"/>
-              <a:t>	105-106</a:t>
-            </a:r>
-            <a:r>
-              <a:rPr lang="ko-KR" altLang="en-US" sz="2000" dirty="0"/>
-              <a:t>쪽 표</a:t>
-            </a:r>
-            <a:endParaRPr lang="en-US" altLang="ko-KR" sz="2000" dirty="0"/>
-          </a:p>
-        </p:txBody>
-      </p:sp>
-      <p:sp>
-        <p:nvSpPr>
-          <p:cNvPr id="27" name="TextBox 26">
-            <a:extLst>
-              <a:ext uri="{FF2B5EF4-FFF2-40B4-BE49-F238E27FC236}">
-                <a16:creationId xmlns:a16="http://schemas.microsoft.com/office/drawing/2014/main" id="{AE5C639F-8AA2-42A9-B8B2-3147527BE7B3}"/>
-              </a:ext>
-            </a:extLst>
-          </p:cNvPr>
-          <p:cNvSpPr txBox="1"/>
-          <p:nvPr/>
-        </p:nvSpPr>
-        <p:spPr>
-          <a:xfrm>
-            <a:off x="1053784" y="2265541"/>
-            <a:ext cx="10272689" cy="400110"/>
-          </a:xfrm>
-          <a:prstGeom prst="rect">
-            <a:avLst/>
-          </a:prstGeom>
-          <a:noFill/>
-        </p:spPr>
-        <p:txBody>
-          <a:bodyPr wrap="square" rtlCol="0">
-            <a:spAutoFit/>
-          </a:bodyPr>
-          <a:lstStyle/>
-          <a:p>
-            <a:r>
-              <a:rPr lang="ko-KR" altLang="en-US" sz="2000" b="1" dirty="0">
-                <a:solidFill>
-                  <a:srgbClr val="0070C0"/>
-                </a:solidFill>
-              </a:rPr>
-              <a:t>문자형 객체 메서드 및 속성 예제 </a:t>
-            </a:r>
-            <a:r>
-              <a:rPr lang="en-US" altLang="ko-KR" sz="2000" b="1" dirty="0">
-                <a:solidFill>
-                  <a:srgbClr val="0070C0"/>
-                </a:solidFill>
-              </a:rPr>
-              <a:t>string_ob1_test.html</a:t>
-            </a:r>
-            <a:endParaRPr lang="en-US" altLang="ko-KR" b="1" dirty="0"/>
-          </a:p>
-        </p:txBody>
-      </p:sp>
-      <p:pic>
-        <p:nvPicPr>
-          <p:cNvPr id="3" name="그림 2">
-            <a:extLst>
-              <a:ext uri="{FF2B5EF4-FFF2-40B4-BE49-F238E27FC236}">
-                <a16:creationId xmlns:a16="http://schemas.microsoft.com/office/drawing/2014/main" id="{F2DF20C1-A940-4521-B271-F4F8FB4675E6}"/>
-              </a:ext>
-            </a:extLst>
-          </p:cNvPr>
-          <p:cNvPicPr>
-            <a:picLocks noChangeAspect="1"/>
-          </p:cNvPicPr>
-          <p:nvPr/>
-        </p:nvPicPr>
-        <p:blipFill rotWithShape="1">
-          <a:blip r:embed="rId2"/>
-          <a:srcRect b="38358"/>
-          <a:stretch/>
-        </p:blipFill>
-        <p:spPr>
-          <a:xfrm>
-            <a:off x="795122" y="2665651"/>
-            <a:ext cx="5210514" cy="3308429"/>
-          </a:xfrm>
-          <a:prstGeom prst="rect">
-            <a:avLst/>
-          </a:prstGeom>
-        </p:spPr>
-      </p:pic>
-      <p:grpSp>
-        <p:nvGrpSpPr>
-          <p:cNvPr id="33" name="그룹 32">
-            <a:extLst>
-              <a:ext uri="{FF2B5EF4-FFF2-40B4-BE49-F238E27FC236}">
-                <a16:creationId xmlns:a16="http://schemas.microsoft.com/office/drawing/2014/main" id="{13B4271B-3CAD-45A9-9B8E-1159B8B4B50A}"/>
-              </a:ext>
-            </a:extLst>
-          </p:cNvPr>
-          <p:cNvGrpSpPr/>
-          <p:nvPr/>
-        </p:nvGrpSpPr>
-        <p:grpSpPr>
-          <a:xfrm>
-            <a:off x="6336755" y="2665651"/>
-            <a:ext cx="4689748" cy="3494060"/>
-            <a:chOff x="1589942" y="4992914"/>
-            <a:chExt cx="9889991" cy="1082863"/>
-          </a:xfrm>
-        </p:grpSpPr>
-        <p:sp>
-          <p:nvSpPr>
-            <p:cNvPr id="34" name="직사각형 33">
-              <a:extLst>
-                <a:ext uri="{FF2B5EF4-FFF2-40B4-BE49-F238E27FC236}">
-                  <a16:creationId xmlns:a16="http://schemas.microsoft.com/office/drawing/2014/main" id="{70CFEDD6-49DA-4668-8497-910F146F170C}"/>
-                </a:ext>
-              </a:extLst>
-            </p:cNvPr>
-            <p:cNvSpPr/>
-            <p:nvPr/>
-          </p:nvSpPr>
-          <p:spPr>
-            <a:xfrm>
-              <a:off x="1589942" y="4992914"/>
-              <a:ext cx="9386047" cy="1082863"/>
-            </a:xfrm>
-            <a:prstGeom prst="rect">
-              <a:avLst/>
-            </a:prstGeom>
-            <a:solidFill>
-              <a:schemeClr val="bg1">
-                <a:lumMod val="75000"/>
-              </a:schemeClr>
-            </a:solidFill>
-            <a:ln>
-              <a:noFill/>
-            </a:ln>
-          </p:spPr>
-          <p:style>
-            <a:lnRef idx="2">
-              <a:schemeClr val="accent1">
-                <a:shade val="50000"/>
-              </a:schemeClr>
-            </a:lnRef>
-            <a:fillRef idx="1">
-              <a:schemeClr val="accent1"/>
-            </a:fillRef>
-            <a:effectRef idx="0">
-              <a:schemeClr val="accent1"/>
-            </a:effectRef>
-            <a:fontRef idx="minor">
-              <a:schemeClr val="lt1"/>
-            </a:fontRef>
-          </p:style>
-          <p:txBody>
-            <a:bodyPr rtlCol="0" anchor="ctr"/>
-            <a:lstStyle/>
-            <a:p>
-              <a:pPr algn="ctr"/>
-              <a:endParaRPr lang="ko-KR" altLang="en-US" dirty="0"/>
-            </a:p>
-          </p:txBody>
-        </p:sp>
-        <p:sp>
-          <p:nvSpPr>
-            <p:cNvPr id="35" name="TextBox 34">
-              <a:extLst>
-                <a:ext uri="{FF2B5EF4-FFF2-40B4-BE49-F238E27FC236}">
-                  <a16:creationId xmlns:a16="http://schemas.microsoft.com/office/drawing/2014/main" id="{161A28B1-DC4F-4309-B363-23A88D685370}"/>
-                </a:ext>
-              </a:extLst>
-            </p:cNvPr>
-            <p:cNvSpPr txBox="1"/>
-            <p:nvPr/>
-          </p:nvSpPr>
-          <p:spPr>
-            <a:xfrm>
-              <a:off x="1810237" y="5050955"/>
-              <a:ext cx="9669696" cy="181231"/>
-            </a:xfrm>
-            <a:prstGeom prst="rect">
-              <a:avLst/>
-            </a:prstGeom>
-            <a:noFill/>
-          </p:spPr>
-          <p:txBody>
-            <a:bodyPr wrap="square" rtlCol="0">
-              <a:spAutoFit/>
-            </a:bodyPr>
-            <a:lstStyle/>
-            <a:p>
-              <a:r>
-                <a:rPr lang="en-US" altLang="ko-KR" b="1" dirty="0"/>
-                <a:t>.</a:t>
-              </a:r>
-              <a:r>
-                <a:rPr lang="en-US" altLang="ko-KR" b="1" dirty="0" err="1"/>
-                <a:t>charAt</a:t>
-              </a:r>
-              <a:r>
-                <a:rPr lang="en-US" altLang="ko-KR" b="1" dirty="0"/>
-                <a:t>(</a:t>
-              </a:r>
-              <a:r>
-                <a:rPr lang="ko-KR" altLang="en-US" b="1" dirty="0"/>
-                <a:t>인덱스 번호</a:t>
-              </a:r>
-              <a:r>
-                <a:rPr lang="en-US" altLang="ko-KR" b="1" dirty="0"/>
-                <a:t>)</a:t>
-              </a:r>
-              <a:endParaRPr lang="en-US" altLang="ko-KR" dirty="0"/>
-            </a:p>
-            <a:p>
-              <a:pPr lvl="1"/>
-              <a:r>
-                <a:rPr lang="ko-KR" altLang="en-US" sz="1400" dirty="0"/>
-                <a:t>인덱스 번호에 지정된 문자를 불러온다</a:t>
-              </a:r>
-              <a:endParaRPr lang="en-US" altLang="ko-KR" sz="1400" dirty="0"/>
-            </a:p>
-          </p:txBody>
-        </p:sp>
-        <p:sp>
-          <p:nvSpPr>
-            <p:cNvPr id="40" name="TextBox 39">
-              <a:extLst>
-                <a:ext uri="{FF2B5EF4-FFF2-40B4-BE49-F238E27FC236}">
-                  <a16:creationId xmlns:a16="http://schemas.microsoft.com/office/drawing/2014/main" id="{549F6EF3-B11A-4689-8E21-7DA3B43D7A41}"/>
-                </a:ext>
-              </a:extLst>
-            </p:cNvPr>
-            <p:cNvSpPr txBox="1"/>
-            <p:nvPr/>
-          </p:nvSpPr>
-          <p:spPr>
-            <a:xfrm>
-              <a:off x="1810237" y="5237359"/>
-              <a:ext cx="9669696" cy="248000"/>
-            </a:xfrm>
-            <a:prstGeom prst="rect">
-              <a:avLst/>
-            </a:prstGeom>
-            <a:noFill/>
-          </p:spPr>
-          <p:txBody>
-            <a:bodyPr wrap="square" rtlCol="0">
-              <a:spAutoFit/>
-            </a:bodyPr>
-            <a:lstStyle/>
-            <a:p>
-              <a:r>
-                <a:rPr lang="en-US" altLang="ko-KR" b="1" dirty="0"/>
-                <a:t>.match(“</a:t>
-              </a:r>
-              <a:r>
-                <a:rPr lang="ko-KR" altLang="en-US" b="1" dirty="0"/>
-                <a:t>문자열</a:t>
-              </a:r>
-              <a:r>
-                <a:rPr lang="en-US" altLang="ko-KR" b="1" dirty="0"/>
-                <a:t>”)</a:t>
-              </a:r>
-              <a:endParaRPr lang="en-US" altLang="ko-KR" dirty="0"/>
-            </a:p>
-            <a:p>
-              <a:pPr lvl="1"/>
-              <a:r>
-                <a:rPr lang="ko-KR" altLang="en-US" sz="1400" dirty="0"/>
-                <a:t>일치하는 문자열 맨 왼쪽부터 찾아서 반환</a:t>
-              </a:r>
-              <a:endParaRPr lang="en-US" altLang="ko-KR" sz="1400" dirty="0"/>
-            </a:p>
-            <a:p>
-              <a:pPr lvl="1"/>
-              <a:r>
-                <a:rPr lang="ko-KR" altLang="en-US" sz="1400" dirty="0"/>
-                <a:t>일치하는 문자 열 없을 때 </a:t>
-              </a:r>
-              <a:r>
-                <a:rPr lang="en-US" altLang="ko-KR" sz="1400" dirty="0"/>
-                <a:t>null</a:t>
-              </a:r>
-              <a:r>
-                <a:rPr lang="ko-KR" altLang="en-US" sz="1400" dirty="0"/>
-                <a:t>반환</a:t>
-              </a:r>
-              <a:endParaRPr lang="en-US" altLang="ko-KR" sz="1400" dirty="0"/>
-            </a:p>
-          </p:txBody>
-        </p:sp>
-        <p:sp>
-          <p:nvSpPr>
-            <p:cNvPr id="41" name="TextBox 40">
-              <a:extLst>
-                <a:ext uri="{FF2B5EF4-FFF2-40B4-BE49-F238E27FC236}">
-                  <a16:creationId xmlns:a16="http://schemas.microsoft.com/office/drawing/2014/main" id="{F469BB15-2BDE-4ED9-87FC-CD0A7475363F}"/>
-                </a:ext>
-              </a:extLst>
-            </p:cNvPr>
-            <p:cNvSpPr txBox="1"/>
-            <p:nvPr/>
-          </p:nvSpPr>
-          <p:spPr>
-            <a:xfrm>
-              <a:off x="1810237" y="5505580"/>
-              <a:ext cx="9669696" cy="181231"/>
-            </a:xfrm>
-            <a:prstGeom prst="rect">
-              <a:avLst/>
-            </a:prstGeom>
-            <a:noFill/>
-          </p:spPr>
-          <p:txBody>
-            <a:bodyPr wrap="square" rtlCol="0">
-              <a:spAutoFit/>
-            </a:bodyPr>
-            <a:lstStyle/>
-            <a:p>
-              <a:r>
-                <a:rPr lang="en-US" altLang="ko-KR" b="1" dirty="0"/>
-                <a:t>.</a:t>
-              </a:r>
-              <a:r>
-                <a:rPr lang="en-US" altLang="ko-KR" b="1" dirty="0" err="1"/>
-                <a:t>substr</a:t>
-              </a:r>
-              <a:r>
-                <a:rPr lang="en-US" altLang="ko-KR" b="1" dirty="0"/>
-                <a:t>(</a:t>
-              </a:r>
-              <a:r>
-                <a:rPr lang="ko-KR" altLang="en-US" b="1" dirty="0"/>
-                <a:t>인덱스번호</a:t>
-              </a:r>
-              <a:r>
-                <a:rPr lang="en-US" altLang="ko-KR" b="1" dirty="0"/>
-                <a:t>, </a:t>
-              </a:r>
-              <a:r>
-                <a:rPr lang="ko-KR" altLang="en-US" b="1" dirty="0"/>
-                <a:t>문자개수</a:t>
-              </a:r>
-              <a:r>
-                <a:rPr lang="en-US" altLang="ko-KR" b="1" dirty="0"/>
-                <a:t>)</a:t>
-              </a:r>
-              <a:endParaRPr lang="en-US" altLang="ko-KR" dirty="0"/>
-            </a:p>
-            <a:p>
-              <a:pPr lvl="1"/>
-              <a:r>
-                <a:rPr lang="ko-KR" altLang="en-US" sz="1400" dirty="0"/>
-                <a:t>인덱스번호부터 지정한 문자 개수만큼 문자열 반환</a:t>
-              </a:r>
-              <a:endParaRPr lang="en-US" altLang="ko-KR" sz="1400" dirty="0"/>
-            </a:p>
-          </p:txBody>
-        </p:sp>
-        <p:sp>
-          <p:nvSpPr>
-            <p:cNvPr id="42" name="TextBox 41">
-              <a:extLst>
-                <a:ext uri="{FF2B5EF4-FFF2-40B4-BE49-F238E27FC236}">
-                  <a16:creationId xmlns:a16="http://schemas.microsoft.com/office/drawing/2014/main" id="{A56C8842-C6AD-4704-9A19-640213F96C43}"/>
-                </a:ext>
-              </a:extLst>
-            </p:cNvPr>
-            <p:cNvSpPr txBox="1"/>
-            <p:nvPr/>
-          </p:nvSpPr>
-          <p:spPr>
-            <a:xfrm>
-              <a:off x="1810237" y="5689180"/>
-              <a:ext cx="9669696" cy="181231"/>
-            </a:xfrm>
-            <a:prstGeom prst="rect">
-              <a:avLst/>
-            </a:prstGeom>
-            <a:noFill/>
-          </p:spPr>
-          <p:txBody>
-            <a:bodyPr wrap="square" rtlCol="0">
-              <a:spAutoFit/>
-            </a:bodyPr>
-            <a:lstStyle/>
-            <a:p>
-              <a:r>
-                <a:rPr lang="en-US" altLang="ko-KR" b="1" dirty="0"/>
-                <a:t>.substring(</a:t>
-              </a:r>
-              <a:r>
-                <a:rPr lang="ko-KR" altLang="en-US" b="1" dirty="0"/>
-                <a:t>인덱스번호</a:t>
-              </a:r>
-              <a:r>
-                <a:rPr lang="en-US" altLang="ko-KR" b="1" dirty="0"/>
-                <a:t>, </a:t>
-              </a:r>
-              <a:r>
-                <a:rPr lang="ko-KR" altLang="en-US" b="1" dirty="0"/>
-                <a:t>인덱스번호</a:t>
-              </a:r>
-              <a:r>
-                <a:rPr lang="en-US" altLang="ko-KR" b="1" dirty="0"/>
-                <a:t>)</a:t>
-              </a:r>
-              <a:endParaRPr lang="en-US" altLang="ko-KR" dirty="0"/>
-            </a:p>
-            <a:p>
-              <a:pPr lvl="1"/>
-              <a:r>
-                <a:rPr lang="ko-KR" altLang="en-US" sz="1400" dirty="0"/>
-                <a:t>두 인덱스번호 사이의 문자열 반환</a:t>
-              </a:r>
-              <a:endParaRPr lang="en-US" altLang="ko-KR" sz="1400" dirty="0"/>
-            </a:p>
-          </p:txBody>
-        </p:sp>
-        <p:sp>
-          <p:nvSpPr>
-            <p:cNvPr id="45" name="TextBox 44">
-              <a:extLst>
-                <a:ext uri="{FF2B5EF4-FFF2-40B4-BE49-F238E27FC236}">
-                  <a16:creationId xmlns:a16="http://schemas.microsoft.com/office/drawing/2014/main" id="{4C188605-DA79-4134-ACE3-4E7CB7C88306}"/>
-                </a:ext>
-              </a:extLst>
-            </p:cNvPr>
-            <p:cNvSpPr txBox="1"/>
-            <p:nvPr/>
-          </p:nvSpPr>
-          <p:spPr>
-            <a:xfrm>
-              <a:off x="1810237" y="5855493"/>
-              <a:ext cx="9669696" cy="181231"/>
-            </a:xfrm>
-            <a:prstGeom prst="rect">
-              <a:avLst/>
-            </a:prstGeom>
-            <a:noFill/>
-          </p:spPr>
-          <p:txBody>
-            <a:bodyPr wrap="square" rtlCol="0">
-              <a:spAutoFit/>
-            </a:bodyPr>
-            <a:lstStyle/>
-            <a:p>
-              <a:r>
-                <a:rPr lang="en-US" altLang="ko-KR" b="1" dirty="0"/>
-                <a:t>.</a:t>
-              </a:r>
-              <a:r>
-                <a:rPr lang="en-US" altLang="ko-KR" b="1" dirty="0" err="1"/>
-                <a:t>toLowerCase</a:t>
-              </a:r>
-              <a:r>
-                <a:rPr lang="en-US" altLang="ko-KR" b="1" dirty="0"/>
-                <a:t>()</a:t>
-              </a:r>
-              <a:endParaRPr lang="en-US" altLang="ko-KR" dirty="0"/>
-            </a:p>
-            <a:p>
-              <a:pPr lvl="1"/>
-              <a:r>
-                <a:rPr lang="ko-KR" altLang="en-US" sz="1400" dirty="0"/>
-                <a:t>소문자 문자열로 반환</a:t>
-              </a:r>
-              <a:endParaRPr lang="en-US" altLang="ko-KR" sz="1400" dirty="0"/>
-            </a:p>
-          </p:txBody>
-        </p:sp>
-      </p:grpSp>
-    </p:spTree>
-    <p:extLst>
-      <p:ext uri="{BB962C8B-B14F-4D97-AF65-F5344CB8AC3E}">
-        <p14:creationId xmlns:p14="http://schemas.microsoft.com/office/powerpoint/2010/main" val="1643996743"/>
-      </p:ext>
-    </p:extLst>
-  </p:cSld>
-  <p:clrMapOvr>
-    <a:masterClrMapping/>
-  </p:clrMapOvr>
-</p:sld>
-</file>
-
-<file path=ppt/slides/slide19.xml><?xml version="1.0" encoding="utf-8"?>
-<p:sld xmlns:a="http://schemas.openxmlformats.org/drawingml/2006/main" xmlns:r="http://schemas.openxmlformats.org/officeDocument/2006/relationships" xmlns:p="http://schemas.openxmlformats.org/presentationml/2006/main">
-  <p:cSld>
-    <p:spTree>
-      <p:nvGrpSpPr>
-        <p:cNvPr id="1" name=""/>
-        <p:cNvGrpSpPr/>
-        <p:nvPr/>
-      </p:nvGrpSpPr>
-      <p:grpSpPr>
-        <a:xfrm>
-          <a:off x="0" y="0"/>
-          <a:ext cx="0" cy="0"/>
-          <a:chOff x="0" y="0"/>
-          <a:chExt cx="0" cy="0"/>
-        </a:xfrm>
-      </p:grpSpPr>
-      <p:sp>
-        <p:nvSpPr>
-          <p:cNvPr id="4" name="TextBox 3"/>
-          <p:cNvSpPr txBox="1"/>
-          <p:nvPr/>
-        </p:nvSpPr>
-        <p:spPr>
-          <a:xfrm>
-            <a:off x="449943" y="629558"/>
-            <a:ext cx="2800767" cy="400110"/>
-          </a:xfrm>
-          <a:prstGeom prst="rect">
-            <a:avLst/>
-          </a:prstGeom>
-          <a:noFill/>
-        </p:spPr>
-        <p:txBody>
-          <a:bodyPr wrap="none" rtlCol="0">
-            <a:spAutoFit/>
-          </a:bodyPr>
-          <a:lstStyle/>
-          <a:p>
-            <a:r>
-              <a:rPr lang="en-US" altLang="ko-KR" sz="2000" b="1" dirty="0"/>
-              <a:t>04-2. </a:t>
-            </a:r>
-            <a:r>
-              <a:rPr lang="ko-KR" altLang="en-US" sz="2000" b="1" dirty="0"/>
-              <a:t>내장 객체 </a:t>
-            </a:r>
-            <a:r>
-              <a:rPr lang="ko-KR" altLang="en-US" sz="1400" b="1" dirty="0"/>
-              <a:t>교재 </a:t>
-            </a:r>
-            <a:r>
-              <a:rPr lang="en-US" altLang="ko-KR" sz="1400" b="1" dirty="0"/>
-              <a:t>106</a:t>
-            </a:r>
-            <a:r>
-              <a:rPr lang="ko-KR" altLang="en-US" sz="1400" b="1" dirty="0"/>
-              <a:t>쪽</a:t>
-            </a:r>
-            <a:endParaRPr lang="ko-KR" altLang="en-US" sz="2000" b="1" dirty="0"/>
-          </a:p>
-        </p:txBody>
-      </p:sp>
-      <p:sp>
-        <p:nvSpPr>
-          <p:cNvPr id="11" name="직사각형 10"/>
-          <p:cNvSpPr/>
-          <p:nvPr/>
-        </p:nvSpPr>
-        <p:spPr>
-          <a:xfrm>
-            <a:off x="11872686" y="536576"/>
-            <a:ext cx="319314" cy="508000"/>
-          </a:xfrm>
-          <a:prstGeom prst="rect">
-            <a:avLst/>
-          </a:prstGeom>
-          <a:solidFill>
-            <a:srgbClr val="0070C0"/>
-          </a:solidFill>
-          <a:ln>
-            <a:noFill/>
-          </a:ln>
-        </p:spPr>
-        <p:style>
-          <a:lnRef idx="2">
-            <a:schemeClr val="accent1">
-              <a:shade val="50000"/>
-            </a:schemeClr>
-          </a:lnRef>
-          <a:fillRef idx="1">
-            <a:schemeClr val="accent1"/>
-          </a:fillRef>
-          <a:effectRef idx="0">
-            <a:schemeClr val="accent1"/>
-          </a:effectRef>
-          <a:fontRef idx="minor">
-            <a:schemeClr val="lt1"/>
-          </a:fontRef>
-        </p:style>
-        <p:txBody>
-          <a:bodyPr rtlCol="0" anchor="ctr"/>
-          <a:lstStyle/>
-          <a:p>
-            <a:pPr algn="ctr"/>
-            <a:endParaRPr lang="ko-KR" altLang="en-US"/>
-          </a:p>
-        </p:txBody>
-      </p:sp>
-      <p:sp>
-        <p:nvSpPr>
-          <p:cNvPr id="14" name="타원 13"/>
-          <p:cNvSpPr/>
-          <p:nvPr/>
-        </p:nvSpPr>
-        <p:spPr>
-          <a:xfrm>
-            <a:off x="561638" y="1064986"/>
-            <a:ext cx="72000" cy="72000"/>
-          </a:xfrm>
-          <a:prstGeom prst="ellipse">
-            <a:avLst/>
-          </a:prstGeom>
-          <a:solidFill>
-            <a:srgbClr val="002060"/>
-          </a:solidFill>
-          <a:ln>
-            <a:noFill/>
-          </a:ln>
-        </p:spPr>
-        <p:style>
-          <a:lnRef idx="2">
-            <a:schemeClr val="accent1">
-              <a:shade val="50000"/>
-            </a:schemeClr>
-          </a:lnRef>
-          <a:fillRef idx="1">
-            <a:schemeClr val="accent1"/>
-          </a:fillRef>
-          <a:effectRef idx="0">
-            <a:schemeClr val="accent1"/>
-          </a:effectRef>
-          <a:fontRef idx="minor">
-            <a:schemeClr val="lt1"/>
-          </a:fontRef>
-        </p:style>
-        <p:txBody>
-          <a:bodyPr rtlCol="0" anchor="ctr"/>
-          <a:lstStyle/>
-          <a:p>
-            <a:pPr algn="ctr"/>
-            <a:endParaRPr lang="ko-KR" altLang="en-US" sz="1600"/>
-          </a:p>
-        </p:txBody>
-      </p:sp>
-      <p:sp>
-        <p:nvSpPr>
-          <p:cNvPr id="15" name="타원 14"/>
-          <p:cNvSpPr/>
-          <p:nvPr/>
-        </p:nvSpPr>
-        <p:spPr>
-          <a:xfrm>
-            <a:off x="723122" y="1064986"/>
-            <a:ext cx="72000" cy="72000"/>
-          </a:xfrm>
-          <a:prstGeom prst="ellipse">
-            <a:avLst/>
-          </a:prstGeom>
-          <a:solidFill>
-            <a:srgbClr val="0070C0"/>
-          </a:solidFill>
-          <a:ln>
-            <a:noFill/>
-          </a:ln>
-        </p:spPr>
-        <p:style>
-          <a:lnRef idx="2">
-            <a:schemeClr val="accent1">
-              <a:shade val="50000"/>
-            </a:schemeClr>
-          </a:lnRef>
-          <a:fillRef idx="1">
-            <a:schemeClr val="accent1"/>
-          </a:fillRef>
-          <a:effectRef idx="0">
-            <a:schemeClr val="accent1"/>
-          </a:effectRef>
-          <a:fontRef idx="minor">
-            <a:schemeClr val="lt1"/>
-          </a:fontRef>
-        </p:style>
-        <p:txBody>
-          <a:bodyPr rtlCol="0" anchor="ctr"/>
-          <a:lstStyle/>
-          <a:p>
-            <a:pPr algn="ctr"/>
-            <a:endParaRPr lang="ko-KR" altLang="en-US" sz="1600"/>
-          </a:p>
-        </p:txBody>
-      </p:sp>
-      <p:sp>
-        <p:nvSpPr>
-          <p:cNvPr id="16" name="타원 15"/>
-          <p:cNvSpPr/>
-          <p:nvPr/>
-        </p:nvSpPr>
-        <p:spPr>
-          <a:xfrm>
-            <a:off x="884606" y="1064986"/>
-            <a:ext cx="72000" cy="72000"/>
-          </a:xfrm>
-          <a:prstGeom prst="ellipse">
-            <a:avLst/>
-          </a:prstGeom>
-          <a:solidFill>
-            <a:srgbClr val="00B0F0"/>
-          </a:solidFill>
-          <a:ln>
-            <a:noFill/>
-          </a:ln>
-        </p:spPr>
-        <p:style>
-          <a:lnRef idx="2">
-            <a:schemeClr val="accent1">
-              <a:shade val="50000"/>
-            </a:schemeClr>
-          </a:lnRef>
-          <a:fillRef idx="1">
-            <a:schemeClr val="accent1"/>
-          </a:fillRef>
-          <a:effectRef idx="0">
-            <a:schemeClr val="accent1"/>
-          </a:effectRef>
-          <a:fontRef idx="minor">
-            <a:schemeClr val="lt1"/>
-          </a:fontRef>
-        </p:style>
-        <p:txBody>
-          <a:bodyPr rtlCol="0" anchor="ctr"/>
-          <a:lstStyle/>
-          <a:p>
-            <a:pPr algn="ctr"/>
-            <a:endParaRPr lang="ko-KR" altLang="en-US" sz="1600"/>
-          </a:p>
-        </p:txBody>
-      </p:sp>
-      <p:sp>
-        <p:nvSpPr>
-          <p:cNvPr id="23" name="TextBox 22"/>
-          <p:cNvSpPr txBox="1"/>
-          <p:nvPr/>
-        </p:nvSpPr>
-        <p:spPr>
-          <a:xfrm>
-            <a:off x="7105382" y="609794"/>
-            <a:ext cx="742511" cy="276999"/>
-          </a:xfrm>
-          <a:prstGeom prst="rect">
-            <a:avLst/>
-          </a:prstGeom>
-          <a:noFill/>
-        </p:spPr>
-        <p:txBody>
-          <a:bodyPr wrap="none" rtlCol="0" anchor="ctr">
-            <a:spAutoFit/>
-          </a:bodyPr>
-          <a:lstStyle/>
-          <a:p>
-            <a:pPr algn="ctr"/>
-            <a:r>
-              <a:rPr lang="ko-KR" altLang="en-US" sz="1200" b="1" dirty="0">
-                <a:solidFill>
-                  <a:srgbClr val="404040"/>
-                </a:solidFill>
-                <a:latin typeface="나눔스퀘어 Bold" panose="020B0600000101010101" pitchFamily="50" charset="-127"/>
-                <a:ea typeface="나눔스퀘어 Bold" panose="020B0600000101010101" pitchFamily="50" charset="-127"/>
-              </a:rPr>
-              <a:t>내장객체</a:t>
-            </a:r>
-          </a:p>
-        </p:txBody>
-      </p:sp>
-      <p:sp>
-        <p:nvSpPr>
-          <p:cNvPr id="24" name="TextBox 23"/>
-          <p:cNvSpPr txBox="1"/>
-          <p:nvPr/>
-        </p:nvSpPr>
-        <p:spPr>
-          <a:xfrm>
-            <a:off x="7937367" y="609794"/>
-            <a:ext cx="1021434" cy="276999"/>
-          </a:xfrm>
-          <a:prstGeom prst="rect">
-            <a:avLst/>
-          </a:prstGeom>
-          <a:noFill/>
-        </p:spPr>
-        <p:txBody>
-          <a:bodyPr wrap="none" rtlCol="0" anchor="ctr">
-            <a:spAutoFit/>
-          </a:bodyPr>
-          <a:lstStyle/>
-          <a:p>
-            <a:pPr algn="ctr"/>
-            <a:r>
-              <a:rPr lang="ko-KR" altLang="en-US" sz="1200" b="1" dirty="0">
-                <a:solidFill>
-                  <a:srgbClr val="404040"/>
-                </a:solidFill>
-                <a:latin typeface="나눔스퀘어 Bold" panose="020B0600000101010101" pitchFamily="50" charset="-127"/>
-                <a:ea typeface="나눔스퀘어 Bold" panose="020B0600000101010101" pitchFamily="50" charset="-127"/>
-              </a:rPr>
-              <a:t>날짜정보객체</a:t>
-            </a:r>
-          </a:p>
-        </p:txBody>
-      </p:sp>
-      <p:sp>
-        <p:nvSpPr>
-          <p:cNvPr id="25" name="TextBox 24"/>
-          <p:cNvSpPr txBox="1"/>
-          <p:nvPr/>
-        </p:nvSpPr>
-        <p:spPr>
-          <a:xfrm>
-            <a:off x="9050024" y="609794"/>
-            <a:ext cx="742511" cy="276999"/>
-          </a:xfrm>
-          <a:prstGeom prst="rect">
-            <a:avLst/>
-          </a:prstGeom>
-          <a:noFill/>
-        </p:spPr>
-        <p:txBody>
-          <a:bodyPr wrap="none" rtlCol="0" anchor="ctr">
-            <a:spAutoFit/>
-          </a:bodyPr>
-          <a:lstStyle/>
-          <a:p>
-            <a:pPr algn="ctr"/>
-            <a:r>
-              <a:rPr lang="ko-KR" altLang="en-US" sz="1200" b="1" dirty="0">
-                <a:solidFill>
-                  <a:srgbClr val="404040"/>
-                </a:solidFill>
-                <a:latin typeface="나눔스퀘어 Bold" panose="020B0600000101010101" pitchFamily="50" charset="-127"/>
-                <a:ea typeface="나눔스퀘어 Bold" panose="020B0600000101010101" pitchFamily="50" charset="-127"/>
-              </a:rPr>
-              <a:t>수학객체</a:t>
-            </a:r>
-          </a:p>
-        </p:txBody>
-      </p:sp>
-      <p:sp>
-        <p:nvSpPr>
-          <p:cNvPr id="26" name="TextBox 25"/>
-          <p:cNvSpPr txBox="1"/>
-          <p:nvPr/>
-        </p:nvSpPr>
-        <p:spPr>
-          <a:xfrm>
-            <a:off x="9883758" y="609794"/>
-            <a:ext cx="742511" cy="276999"/>
-          </a:xfrm>
-          <a:prstGeom prst="rect">
-            <a:avLst/>
-          </a:prstGeom>
-          <a:noFill/>
-        </p:spPr>
-        <p:txBody>
-          <a:bodyPr wrap="none" rtlCol="0" anchor="ctr">
-            <a:spAutoFit/>
-          </a:bodyPr>
-          <a:lstStyle/>
-          <a:p>
-            <a:pPr algn="ctr"/>
-            <a:r>
-              <a:rPr lang="ko-KR" altLang="en-US" sz="1200" b="1">
-                <a:solidFill>
-                  <a:schemeClr val="tx1">
-                    <a:lumMod val="75000"/>
-                    <a:lumOff val="25000"/>
-                  </a:schemeClr>
-                </a:solidFill>
-                <a:latin typeface="나눔스퀘어 Bold" panose="020B0600000101010101" pitchFamily="50" charset="-127"/>
-                <a:ea typeface="나눔스퀘어 Bold" panose="020B0600000101010101" pitchFamily="50" charset="-127"/>
-              </a:rPr>
-              <a:t>배열객체</a:t>
-            </a:r>
-            <a:endParaRPr lang="ko-KR" altLang="en-US" sz="1200" b="1" dirty="0">
-              <a:solidFill>
-                <a:schemeClr val="tx1">
-                  <a:lumMod val="75000"/>
-                  <a:lumOff val="25000"/>
-                </a:schemeClr>
-              </a:solidFill>
-              <a:latin typeface="나눔스퀘어 Bold" panose="020B0600000101010101" pitchFamily="50" charset="-127"/>
-              <a:ea typeface="나눔스퀘어 Bold" panose="020B0600000101010101" pitchFamily="50" charset="-127"/>
-            </a:endParaRPr>
-          </a:p>
-        </p:txBody>
-      </p:sp>
-      <p:sp>
-        <p:nvSpPr>
-          <p:cNvPr id="17" name="TextBox 16"/>
-          <p:cNvSpPr txBox="1"/>
-          <p:nvPr/>
-        </p:nvSpPr>
-        <p:spPr>
-          <a:xfrm>
-            <a:off x="6550570" y="609794"/>
-            <a:ext cx="463589" cy="276999"/>
-          </a:xfrm>
-          <a:prstGeom prst="rect">
-            <a:avLst/>
-          </a:prstGeom>
-          <a:noFill/>
-        </p:spPr>
-        <p:txBody>
-          <a:bodyPr wrap="none" rtlCol="0" anchor="ctr">
-            <a:spAutoFit/>
-          </a:bodyPr>
-          <a:lstStyle/>
-          <a:p>
-            <a:pPr algn="ctr"/>
-            <a:r>
-              <a:rPr lang="ko-KR" altLang="en-US" sz="1200" dirty="0">
-                <a:solidFill>
-                  <a:srgbClr val="404040"/>
-                </a:solidFill>
-                <a:latin typeface="나눔스퀘어 Bold" panose="020B0600000101010101" pitchFamily="50" charset="-127"/>
-                <a:ea typeface="나눔스퀘어 Bold" panose="020B0600000101010101" pitchFamily="50" charset="-127"/>
-              </a:rPr>
-              <a:t>객체</a:t>
-            </a:r>
-          </a:p>
-        </p:txBody>
-      </p:sp>
-      <p:sp>
-        <p:nvSpPr>
-          <p:cNvPr id="12" name="TextBox 11">
-            <a:extLst>
-              <a:ext uri="{FF2B5EF4-FFF2-40B4-BE49-F238E27FC236}">
-                <a16:creationId xmlns:a16="http://schemas.microsoft.com/office/drawing/2014/main" id="{431B9121-5F84-4C60-B0B5-CB3540122CD1}"/>
-              </a:ext>
-            </a:extLst>
-          </p:cNvPr>
-          <p:cNvSpPr txBox="1"/>
-          <p:nvPr/>
-        </p:nvSpPr>
-        <p:spPr>
-          <a:xfrm>
-            <a:off x="10717492" y="609794"/>
-            <a:ext cx="881973" cy="276999"/>
-          </a:xfrm>
-          <a:prstGeom prst="rect">
-            <a:avLst/>
-          </a:prstGeom>
-          <a:noFill/>
-        </p:spPr>
-        <p:txBody>
-          <a:bodyPr wrap="none" rtlCol="0" anchor="ctr">
-            <a:spAutoFit/>
-          </a:bodyPr>
-          <a:lstStyle/>
-          <a:p>
-            <a:pPr algn="ctr"/>
-            <a:r>
-              <a:rPr lang="ko-KR" altLang="en-US" sz="1200" b="1" dirty="0">
-                <a:solidFill>
-                  <a:srgbClr val="0070C0"/>
-                </a:solidFill>
-                <a:latin typeface="나눔스퀘어 Bold" panose="020B0600000101010101" pitchFamily="50" charset="-127"/>
-                <a:ea typeface="나눔스퀘어 Bold" panose="020B0600000101010101" pitchFamily="50" charset="-127"/>
-              </a:rPr>
-              <a:t>문자열객체</a:t>
-            </a:r>
-          </a:p>
-        </p:txBody>
-      </p:sp>
-      <p:sp>
-        <p:nvSpPr>
-          <p:cNvPr id="2" name="TextBox 1">
-            <a:extLst>
-              <a:ext uri="{FF2B5EF4-FFF2-40B4-BE49-F238E27FC236}">
-                <a16:creationId xmlns:a16="http://schemas.microsoft.com/office/drawing/2014/main" id="{3AF81018-0136-494A-A7FA-291D51039CF8}"/>
-              </a:ext>
-            </a:extLst>
-          </p:cNvPr>
-          <p:cNvSpPr txBox="1"/>
-          <p:nvPr/>
-        </p:nvSpPr>
-        <p:spPr>
-          <a:xfrm>
-            <a:off x="1053784" y="1409078"/>
-            <a:ext cx="10272689" cy="707886"/>
-          </a:xfrm>
-          <a:prstGeom prst="rect">
-            <a:avLst/>
-          </a:prstGeom>
-          <a:noFill/>
-        </p:spPr>
-        <p:txBody>
-          <a:bodyPr wrap="square" rtlCol="0">
-            <a:spAutoFit/>
-          </a:bodyPr>
-          <a:lstStyle/>
-          <a:p>
-            <a:r>
-              <a:rPr lang="ko-KR" altLang="en-US" sz="2000" b="1" dirty="0"/>
-              <a:t>문자형 객체의 메서드 및 속성</a:t>
-            </a:r>
-            <a:endParaRPr lang="en-US" altLang="ko-KR" sz="2000" b="1" dirty="0"/>
-          </a:p>
-          <a:p>
-            <a:r>
-              <a:rPr lang="en-US" altLang="ko-KR" sz="2000" dirty="0"/>
-              <a:t>	105-106</a:t>
-            </a:r>
-            <a:r>
-              <a:rPr lang="ko-KR" altLang="en-US" sz="2000" dirty="0"/>
-              <a:t>쪽 표</a:t>
-            </a:r>
-            <a:endParaRPr lang="en-US" altLang="ko-KR" sz="2000" dirty="0"/>
-          </a:p>
-        </p:txBody>
-      </p:sp>
-      <p:sp>
-        <p:nvSpPr>
-          <p:cNvPr id="27" name="TextBox 26">
-            <a:extLst>
-              <a:ext uri="{FF2B5EF4-FFF2-40B4-BE49-F238E27FC236}">
-                <a16:creationId xmlns:a16="http://schemas.microsoft.com/office/drawing/2014/main" id="{AE5C639F-8AA2-42A9-B8B2-3147527BE7B3}"/>
-              </a:ext>
-            </a:extLst>
-          </p:cNvPr>
-          <p:cNvSpPr txBox="1"/>
-          <p:nvPr/>
-        </p:nvSpPr>
-        <p:spPr>
-          <a:xfrm>
-            <a:off x="1053784" y="2265541"/>
-            <a:ext cx="10272689" cy="400110"/>
-          </a:xfrm>
-          <a:prstGeom prst="rect">
-            <a:avLst/>
-          </a:prstGeom>
-          <a:noFill/>
-        </p:spPr>
-        <p:txBody>
-          <a:bodyPr wrap="square" rtlCol="0">
-            <a:spAutoFit/>
-          </a:bodyPr>
-          <a:lstStyle/>
-          <a:p>
-            <a:r>
-              <a:rPr lang="ko-KR" altLang="en-US" sz="2000" b="1" dirty="0">
-                <a:solidFill>
-                  <a:srgbClr val="0070C0"/>
-                </a:solidFill>
-              </a:rPr>
-              <a:t>문자형 객체 메서드 및 속성 예제 </a:t>
-            </a:r>
-            <a:r>
-              <a:rPr lang="en-US" altLang="ko-KR" sz="2000" b="1" dirty="0">
-                <a:solidFill>
-                  <a:srgbClr val="0070C0"/>
-                </a:solidFill>
-              </a:rPr>
-              <a:t>string_ob1_test.html</a:t>
-            </a:r>
-            <a:endParaRPr lang="en-US" altLang="ko-KR" b="1" dirty="0"/>
-          </a:p>
-        </p:txBody>
-      </p:sp>
-      <p:pic>
-        <p:nvPicPr>
-          <p:cNvPr id="5" name="그림 4">
-            <a:extLst>
-              <a:ext uri="{FF2B5EF4-FFF2-40B4-BE49-F238E27FC236}">
-                <a16:creationId xmlns:a16="http://schemas.microsoft.com/office/drawing/2014/main" id="{FD21BF6C-89AB-45C3-9D73-22A2E6898D76}"/>
-              </a:ext>
-            </a:extLst>
-          </p:cNvPr>
-          <p:cNvPicPr>
-            <a:picLocks noChangeAspect="1"/>
-          </p:cNvPicPr>
-          <p:nvPr/>
-        </p:nvPicPr>
-        <p:blipFill rotWithShape="1">
-          <a:blip r:embed="rId2"/>
-          <a:srcRect t="63375"/>
-          <a:stretch/>
-        </p:blipFill>
-        <p:spPr>
-          <a:xfrm>
-            <a:off x="1051731" y="2814884"/>
-            <a:ext cx="5138397" cy="1938565"/>
-          </a:xfrm>
-          <a:prstGeom prst="rect">
-            <a:avLst/>
-          </a:prstGeom>
-        </p:spPr>
-      </p:pic>
-      <p:grpSp>
-        <p:nvGrpSpPr>
-          <p:cNvPr id="18" name="그룹 17">
-            <a:extLst>
-              <a:ext uri="{FF2B5EF4-FFF2-40B4-BE49-F238E27FC236}">
-                <a16:creationId xmlns:a16="http://schemas.microsoft.com/office/drawing/2014/main" id="{26403DB9-AD45-4CB6-BD1C-C7C76CEF8ABF}"/>
-              </a:ext>
-            </a:extLst>
-          </p:cNvPr>
-          <p:cNvGrpSpPr/>
-          <p:nvPr/>
-        </p:nvGrpSpPr>
-        <p:grpSpPr>
-          <a:xfrm>
-            <a:off x="6336754" y="2807890"/>
-            <a:ext cx="5138397" cy="2648029"/>
-            <a:chOff x="1589940" y="4992914"/>
-            <a:chExt cx="10836126" cy="820665"/>
-          </a:xfrm>
-        </p:grpSpPr>
-        <p:sp>
-          <p:nvSpPr>
-            <p:cNvPr id="19" name="직사각형 18">
-              <a:extLst>
-                <a:ext uri="{FF2B5EF4-FFF2-40B4-BE49-F238E27FC236}">
-                  <a16:creationId xmlns:a16="http://schemas.microsoft.com/office/drawing/2014/main" id="{C528DCD3-63F3-457A-B620-01537A246D14}"/>
-                </a:ext>
-              </a:extLst>
-            </p:cNvPr>
-            <p:cNvSpPr/>
-            <p:nvPr/>
-          </p:nvSpPr>
-          <p:spPr>
-            <a:xfrm>
-              <a:off x="1589940" y="4992914"/>
-              <a:ext cx="10836126" cy="820665"/>
-            </a:xfrm>
-            <a:prstGeom prst="rect">
-              <a:avLst/>
-            </a:prstGeom>
-            <a:solidFill>
-              <a:schemeClr val="bg1">
-                <a:lumMod val="75000"/>
-              </a:schemeClr>
-            </a:solidFill>
-            <a:ln>
-              <a:noFill/>
-            </a:ln>
-          </p:spPr>
-          <p:style>
-            <a:lnRef idx="2">
-              <a:schemeClr val="accent1">
-                <a:shade val="50000"/>
-              </a:schemeClr>
-            </a:lnRef>
-            <a:fillRef idx="1">
-              <a:schemeClr val="accent1"/>
-            </a:fillRef>
-            <a:effectRef idx="0">
-              <a:schemeClr val="accent1"/>
-            </a:effectRef>
-            <a:fontRef idx="minor">
-              <a:schemeClr val="lt1"/>
-            </a:fontRef>
-          </p:style>
-          <p:txBody>
-            <a:bodyPr rtlCol="0" anchor="ctr"/>
-            <a:lstStyle/>
-            <a:p>
-              <a:pPr algn="ctr"/>
-              <a:endParaRPr lang="ko-KR" altLang="en-US" dirty="0"/>
-            </a:p>
-          </p:txBody>
-        </p:sp>
-        <p:sp>
-          <p:nvSpPr>
-            <p:cNvPr id="20" name="TextBox 19">
-              <a:extLst>
-                <a:ext uri="{FF2B5EF4-FFF2-40B4-BE49-F238E27FC236}">
-                  <a16:creationId xmlns:a16="http://schemas.microsoft.com/office/drawing/2014/main" id="{B90D07F3-5140-4E4D-9B92-F0EE3DF4006C}"/>
-                </a:ext>
-              </a:extLst>
-            </p:cNvPr>
-            <p:cNvSpPr txBox="1"/>
-            <p:nvPr/>
-          </p:nvSpPr>
-          <p:spPr>
-            <a:xfrm>
-              <a:off x="1810235" y="5050955"/>
-              <a:ext cx="10134945" cy="248000"/>
-            </a:xfrm>
-            <a:prstGeom prst="rect">
-              <a:avLst/>
-            </a:prstGeom>
-            <a:noFill/>
-          </p:spPr>
-          <p:txBody>
-            <a:bodyPr wrap="square" rtlCol="0">
-              <a:spAutoFit/>
-            </a:bodyPr>
-            <a:lstStyle/>
-            <a:p>
-              <a:r>
-                <a:rPr lang="en-US" altLang="ko-KR" b="1" dirty="0"/>
-                <a:t>.split(“</a:t>
-              </a:r>
-              <a:r>
-                <a:rPr lang="ko-KR" altLang="en-US" b="1" dirty="0"/>
-                <a:t>문자</a:t>
-              </a:r>
-              <a:r>
-                <a:rPr lang="en-US" altLang="ko-KR" b="1" dirty="0"/>
-                <a:t>”)</a:t>
-              </a:r>
-              <a:endParaRPr lang="en-US" altLang="ko-KR" dirty="0"/>
-            </a:p>
-            <a:p>
-              <a:pPr lvl="1"/>
-              <a:r>
-                <a:rPr lang="ko-KR" altLang="en-US" sz="1400" dirty="0"/>
-                <a:t>지정한 문자 기준으로 문자 데이터를 나누어 배열에 저장</a:t>
-              </a:r>
-              <a:endParaRPr lang="en-US" altLang="ko-KR" sz="1400" dirty="0"/>
-            </a:p>
-            <a:p>
-              <a:pPr lvl="1"/>
-              <a:r>
-                <a:rPr lang="en-US" altLang="ko-KR" sz="1400" dirty="0"/>
-                <a:t>106</a:t>
-              </a:r>
-              <a:r>
-                <a:rPr lang="ko-KR" altLang="en-US" sz="1400" dirty="0"/>
-                <a:t>쪽 두번째</a:t>
-              </a:r>
-              <a:endParaRPr lang="en-US" altLang="ko-KR" sz="1400" dirty="0"/>
-            </a:p>
-          </p:txBody>
-        </p:sp>
-        <p:sp>
-          <p:nvSpPr>
-            <p:cNvPr id="30" name="TextBox 29">
-              <a:extLst>
-                <a:ext uri="{FF2B5EF4-FFF2-40B4-BE49-F238E27FC236}">
-                  <a16:creationId xmlns:a16="http://schemas.microsoft.com/office/drawing/2014/main" id="{475316FE-6188-4455-9B35-93A39BB6E8A6}"/>
-                </a:ext>
-              </a:extLst>
-            </p:cNvPr>
-            <p:cNvSpPr txBox="1"/>
-            <p:nvPr/>
-          </p:nvSpPr>
-          <p:spPr>
-            <a:xfrm>
-              <a:off x="1810235" y="5335712"/>
-              <a:ext cx="10134945" cy="181231"/>
-            </a:xfrm>
-            <a:prstGeom prst="rect">
-              <a:avLst/>
-            </a:prstGeom>
-            <a:noFill/>
-          </p:spPr>
-          <p:txBody>
-            <a:bodyPr wrap="square" rtlCol="0">
-              <a:spAutoFit/>
-            </a:bodyPr>
-            <a:lstStyle/>
-            <a:p>
-              <a:r>
-                <a:rPr lang="en-US" altLang="ko-KR" b="1" dirty="0"/>
-                <a:t>.</a:t>
-              </a:r>
-              <a:r>
-                <a:rPr lang="en-US" altLang="ko-KR" b="1" dirty="0" err="1"/>
-                <a:t>charCodeAt</a:t>
-              </a:r>
-              <a:r>
-                <a:rPr lang="en-US" altLang="ko-KR" b="1" dirty="0"/>
-                <a:t>(</a:t>
-              </a:r>
-              <a:r>
-                <a:rPr lang="ko-KR" altLang="en-US" b="1" dirty="0"/>
-                <a:t>인덱스번호</a:t>
-              </a:r>
-              <a:r>
-                <a:rPr lang="en-US" altLang="ko-KR" b="1" dirty="0"/>
-                <a:t>)</a:t>
-              </a:r>
-              <a:endParaRPr lang="en-US" altLang="ko-KR" dirty="0"/>
-            </a:p>
-            <a:p>
-              <a:pPr lvl="1"/>
-              <a:r>
-                <a:rPr lang="ko-KR" altLang="en-US" sz="1400" dirty="0"/>
-                <a:t>해당 문자의 아스키 코드 값을 반환</a:t>
-              </a:r>
-              <a:endParaRPr lang="en-US" altLang="ko-KR" sz="1400" dirty="0"/>
-            </a:p>
-          </p:txBody>
-        </p:sp>
-        <p:sp>
-          <p:nvSpPr>
-            <p:cNvPr id="31" name="TextBox 30">
-              <a:extLst>
-                <a:ext uri="{FF2B5EF4-FFF2-40B4-BE49-F238E27FC236}">
-                  <a16:creationId xmlns:a16="http://schemas.microsoft.com/office/drawing/2014/main" id="{08E8A9E0-9E6A-4688-BF93-FEEEE5F64420}"/>
-                </a:ext>
-              </a:extLst>
-            </p:cNvPr>
-            <p:cNvSpPr txBox="1"/>
-            <p:nvPr/>
-          </p:nvSpPr>
-          <p:spPr>
-            <a:xfrm>
-              <a:off x="1810235" y="5545493"/>
-              <a:ext cx="10134945" cy="181231"/>
-            </a:xfrm>
-            <a:prstGeom prst="rect">
-              <a:avLst/>
-            </a:prstGeom>
-            <a:noFill/>
-          </p:spPr>
-          <p:txBody>
-            <a:bodyPr wrap="square" rtlCol="0">
-              <a:spAutoFit/>
-            </a:bodyPr>
-            <a:lstStyle/>
-            <a:p>
-              <a:r>
-                <a:rPr lang="en-US" altLang="ko-KR" b="1" dirty="0"/>
-                <a:t>.</a:t>
-              </a:r>
-              <a:r>
-                <a:rPr lang="en-US" altLang="ko-KR" b="1" dirty="0" err="1"/>
-                <a:t>fromCharCode</a:t>
-              </a:r>
-              <a:r>
-                <a:rPr lang="en-US" altLang="ko-KR" b="1" dirty="0"/>
-                <a:t> (</a:t>
-              </a:r>
-              <a:r>
-                <a:rPr lang="ko-KR" altLang="en-US" b="1" dirty="0"/>
-                <a:t>아스키코드 값</a:t>
-              </a:r>
-              <a:r>
-                <a:rPr lang="en-US" altLang="ko-KR" b="1" dirty="0"/>
-                <a:t>)</a:t>
-              </a:r>
-              <a:endParaRPr lang="en-US" altLang="ko-KR" dirty="0"/>
-            </a:p>
-            <a:p>
-              <a:pPr lvl="1"/>
-              <a:r>
-                <a:rPr lang="ko-KR" altLang="en-US" sz="1400" dirty="0"/>
-                <a:t>아스키 코드 값을 문자로 반환</a:t>
-              </a:r>
-              <a:endParaRPr lang="en-US" altLang="ko-KR" sz="1400" dirty="0"/>
-            </a:p>
-          </p:txBody>
-        </p:sp>
-      </p:grpSp>
-      <p:pic>
-        <p:nvPicPr>
-          <p:cNvPr id="6" name="그림 5">
-            <a:extLst>
-              <a:ext uri="{FF2B5EF4-FFF2-40B4-BE49-F238E27FC236}">
-                <a16:creationId xmlns:a16="http://schemas.microsoft.com/office/drawing/2014/main" id="{D21C9035-E469-49C5-A0CF-FD32176ADD83}"/>
-              </a:ext>
-            </a:extLst>
-          </p:cNvPr>
-          <p:cNvPicPr>
-            <a:picLocks noChangeAspect="1"/>
-          </p:cNvPicPr>
-          <p:nvPr/>
-        </p:nvPicPr>
-        <p:blipFill rotWithShape="1">
-          <a:blip r:embed="rId3"/>
-          <a:srcRect b="46785"/>
-          <a:stretch/>
-        </p:blipFill>
-        <p:spPr>
-          <a:xfrm>
-            <a:off x="1076381" y="4883277"/>
-            <a:ext cx="2174329" cy="1345165"/>
-          </a:xfrm>
-          <a:prstGeom prst="rect">
-            <a:avLst/>
-          </a:prstGeom>
-          <a:ln>
-            <a:solidFill>
-              <a:srgbClr val="404040"/>
-            </a:solidFill>
-          </a:ln>
-        </p:spPr>
-      </p:pic>
-      <p:pic>
-        <p:nvPicPr>
-          <p:cNvPr id="32" name="그림 31">
-            <a:extLst>
-              <a:ext uri="{FF2B5EF4-FFF2-40B4-BE49-F238E27FC236}">
-                <a16:creationId xmlns:a16="http://schemas.microsoft.com/office/drawing/2014/main" id="{CBDF6BEF-9348-4A47-9837-9A3D604D0F00}"/>
-              </a:ext>
-            </a:extLst>
-          </p:cNvPr>
-          <p:cNvPicPr>
-            <a:picLocks noChangeAspect="1"/>
-          </p:cNvPicPr>
-          <p:nvPr/>
-        </p:nvPicPr>
-        <p:blipFill rotWithShape="1">
-          <a:blip r:embed="rId3"/>
-          <a:srcRect t="53215"/>
-          <a:stretch/>
-        </p:blipFill>
-        <p:spPr>
-          <a:xfrm>
-            <a:off x="3397336" y="4964546"/>
-            <a:ext cx="2174329" cy="1182625"/>
-          </a:xfrm>
-          <a:prstGeom prst="rect">
-            <a:avLst/>
-          </a:prstGeom>
-          <a:ln>
-            <a:solidFill>
-              <a:srgbClr val="404040"/>
-            </a:solidFill>
-          </a:ln>
-        </p:spPr>
-      </p:pic>
-    </p:spTree>
-    <p:extLst>
-      <p:ext uri="{BB962C8B-B14F-4D97-AF65-F5344CB8AC3E}">
-        <p14:creationId xmlns:p14="http://schemas.microsoft.com/office/powerpoint/2010/main" val="2674554284"/>
       </p:ext>
     </p:extLst>
   </p:cSld>
@@ -11865,7 +12215,7 @@
         </p:nvSpPr>
         <p:spPr>
           <a:xfrm>
-            <a:off x="4175929" y="3621974"/>
+            <a:off x="4175929" y="3685066"/>
             <a:ext cx="1720343" cy="276999"/>
           </a:xfrm>
           <a:prstGeom prst="rect">
@@ -11929,7 +12279,7 @@
         </p:nvSpPr>
         <p:spPr>
           <a:xfrm>
-            <a:off x="4175929" y="4256973"/>
+            <a:off x="4175929" y="4320065"/>
             <a:ext cx="1441420" cy="276999"/>
           </a:xfrm>
           <a:prstGeom prst="rect">
@@ -12133,7 +12483,7 @@
         </p:nvCxnSpPr>
         <p:spPr>
           <a:xfrm>
-            <a:off x="4253418" y="3474890"/>
+            <a:off x="4253418" y="3537984"/>
             <a:ext cx="3776648" cy="0"/>
           </a:xfrm>
           <a:prstGeom prst="line">
@@ -12285,8 +12635,8 @@
         </p:nvSpPr>
         <p:spPr>
           <a:xfrm>
-            <a:off x="7693612" y="2416546"/>
-            <a:ext cx="377027" cy="276999"/>
+            <a:off x="7602241" y="2416546"/>
+            <a:ext cx="468398" cy="276999"/>
           </a:xfrm>
           <a:prstGeom prst="rect">
             <a:avLst/>
@@ -12308,7 +12658,7 @@
                 <a:latin typeface="나눔스퀘어 Bold" panose="020B0600000101010101" pitchFamily="50" charset="-127"/>
                 <a:ea typeface="나눔스퀘어 Bold" panose="020B0600000101010101" pitchFamily="50" charset="-127"/>
               </a:rPr>
-              <a:t>01</a:t>
+              <a:t>087</a:t>
             </a:r>
             <a:endParaRPr lang="ko-KR" altLang="en-US" sz="1200" b="1" dirty="0">
               <a:solidFill>
@@ -12328,8 +12678,8 @@
         </p:nvSpPr>
         <p:spPr>
           <a:xfrm>
-            <a:off x="7696819" y="3050806"/>
-            <a:ext cx="373820" cy="276999"/>
+            <a:off x="7602241" y="3050806"/>
+            <a:ext cx="468398" cy="276999"/>
           </a:xfrm>
           <a:prstGeom prst="rect">
             <a:avLst/>
@@ -12354,7 +12704,7 @@
                 <a:latin typeface="나눔스퀘어 Bold" panose="020B0600000101010101" pitchFamily="50" charset="-127"/>
                 <a:ea typeface="나눔스퀘어 Bold" panose="020B0600000101010101" pitchFamily="50" charset="-127"/>
               </a:rPr>
-              <a:t>00</a:t>
+              <a:t>090</a:t>
             </a:r>
             <a:endParaRPr lang="ko-KR" altLang="en-US" sz="1200" b="1" dirty="0">
               <a:solidFill>
@@ -12377,8 +12727,8 @@
         </p:nvSpPr>
         <p:spPr>
           <a:xfrm>
-            <a:off x="7696819" y="3621974"/>
-            <a:ext cx="373820" cy="276999"/>
+            <a:off x="7602241" y="3685066"/>
+            <a:ext cx="468398" cy="276999"/>
           </a:xfrm>
           <a:prstGeom prst="rect">
             <a:avLst/>
@@ -12403,7 +12753,7 @@
                 <a:latin typeface="나눔스퀘어 Bold" panose="020B0600000101010101" pitchFamily="50" charset="-127"/>
                 <a:ea typeface="나눔스퀘어 Bold" panose="020B0600000101010101" pitchFamily="50" charset="-127"/>
               </a:rPr>
-              <a:t>00</a:t>
+              <a:t>091</a:t>
             </a:r>
             <a:endParaRPr lang="ko-KR" altLang="en-US" sz="1200" b="1" dirty="0">
               <a:solidFill>
@@ -12426,8 +12776,8 @@
         </p:nvSpPr>
         <p:spPr>
           <a:xfrm>
-            <a:off x="7696819" y="4256973"/>
-            <a:ext cx="373820" cy="276999"/>
+            <a:off x="7602241" y="4320065"/>
+            <a:ext cx="468398" cy="276999"/>
           </a:xfrm>
           <a:prstGeom prst="rect">
             <a:avLst/>
@@ -12452,7 +12802,7 @@
                 <a:latin typeface="나눔스퀘어 Bold" panose="020B0600000101010101" pitchFamily="50" charset="-127"/>
                 <a:ea typeface="나눔스퀘어 Bold" panose="020B0600000101010101" pitchFamily="50" charset="-127"/>
               </a:rPr>
-              <a:t>00</a:t>
+              <a:t>094</a:t>
             </a:r>
             <a:endParaRPr lang="ko-KR" altLang="en-US" sz="1200" b="1" dirty="0">
               <a:solidFill>
@@ -12475,8 +12825,8 @@
         </p:nvSpPr>
         <p:spPr>
           <a:xfrm>
-            <a:off x="7696819" y="4891972"/>
-            <a:ext cx="373820" cy="276999"/>
+            <a:off x="7602241" y="4891972"/>
+            <a:ext cx="468398" cy="276999"/>
           </a:xfrm>
           <a:prstGeom prst="rect">
             <a:avLst/>
@@ -12501,7 +12851,7 @@
                 <a:latin typeface="나눔스퀘어 Bold" panose="020B0600000101010101" pitchFamily="50" charset="-127"/>
                 <a:ea typeface="나눔스퀘어 Bold" panose="020B0600000101010101" pitchFamily="50" charset="-127"/>
               </a:rPr>
-              <a:t>00</a:t>
+              <a:t>098</a:t>
             </a:r>
             <a:endParaRPr lang="ko-KR" altLang="en-US" sz="1200" b="1" dirty="0">
               <a:solidFill>
@@ -12644,8 +12994,8 @@
         </p:nvSpPr>
         <p:spPr>
           <a:xfrm>
-            <a:off x="7696819" y="5526972"/>
-            <a:ext cx="373820" cy="276999"/>
+            <a:off x="7602241" y="5526972"/>
+            <a:ext cx="468398" cy="276999"/>
           </a:xfrm>
           <a:prstGeom prst="rect">
             <a:avLst/>
@@ -12670,7 +13020,7 @@
                 <a:latin typeface="나눔스퀘어 Bold" panose="020B0600000101010101" pitchFamily="50" charset="-127"/>
                 <a:ea typeface="나눔스퀘어 Bold" panose="020B0600000101010101" pitchFamily="50" charset="-127"/>
               </a:rPr>
-              <a:t>00</a:t>
+              <a:t>104</a:t>
             </a:r>
             <a:endParaRPr lang="ko-KR" altLang="en-US" sz="1200" b="1" dirty="0">
               <a:solidFill>
@@ -12699,6 +13049,1954 @@
 </file>
 
 <file path=ppt/slides/slide20.xml><?xml version="1.0" encoding="utf-8"?>
+<p:sld xmlns:a="http://schemas.openxmlformats.org/drawingml/2006/main" xmlns:r="http://schemas.openxmlformats.org/officeDocument/2006/relationships" xmlns:p="http://schemas.openxmlformats.org/presentationml/2006/main">
+  <p:cSld>
+    <p:spTree>
+      <p:nvGrpSpPr>
+        <p:cNvPr id="1" name=""/>
+        <p:cNvGrpSpPr/>
+        <p:nvPr/>
+      </p:nvGrpSpPr>
+      <p:grpSpPr>
+        <a:xfrm>
+          <a:off x="0" y="0"/>
+          <a:ext cx="0" cy="0"/>
+          <a:chOff x="0" y="0"/>
+          <a:chExt cx="0" cy="0"/>
+        </a:xfrm>
+      </p:grpSpPr>
+      <p:sp>
+        <p:nvSpPr>
+          <p:cNvPr id="4" name="TextBox 3"/>
+          <p:cNvSpPr txBox="1"/>
+          <p:nvPr/>
+        </p:nvSpPr>
+        <p:spPr>
+          <a:xfrm>
+            <a:off x="449943" y="629558"/>
+            <a:ext cx="2800767" cy="400110"/>
+          </a:xfrm>
+          <a:prstGeom prst="rect">
+            <a:avLst/>
+          </a:prstGeom>
+          <a:noFill/>
+        </p:spPr>
+        <p:txBody>
+          <a:bodyPr wrap="none" rtlCol="0">
+            <a:spAutoFit/>
+          </a:bodyPr>
+          <a:lstStyle/>
+          <a:p>
+            <a:r>
+              <a:rPr lang="en-US" altLang="ko-KR" sz="2000" b="1" dirty="0"/>
+              <a:t>04-2. </a:t>
+            </a:r>
+            <a:r>
+              <a:rPr lang="ko-KR" altLang="en-US" sz="2000" b="1" dirty="0"/>
+              <a:t>내장 객체 </a:t>
+            </a:r>
+            <a:r>
+              <a:rPr lang="ko-KR" altLang="en-US" sz="1400" b="1" dirty="0"/>
+              <a:t>교재 </a:t>
+            </a:r>
+            <a:r>
+              <a:rPr lang="en-US" altLang="ko-KR" sz="1400" b="1" dirty="0"/>
+              <a:t>106</a:t>
+            </a:r>
+            <a:r>
+              <a:rPr lang="ko-KR" altLang="en-US" sz="1400" b="1" dirty="0"/>
+              <a:t>쪽</a:t>
+            </a:r>
+            <a:endParaRPr lang="ko-KR" altLang="en-US" sz="2000" b="1" dirty="0"/>
+          </a:p>
+        </p:txBody>
+      </p:sp>
+      <p:sp>
+        <p:nvSpPr>
+          <p:cNvPr id="11" name="직사각형 10"/>
+          <p:cNvSpPr/>
+          <p:nvPr/>
+        </p:nvSpPr>
+        <p:spPr>
+          <a:xfrm>
+            <a:off x="11872686" y="536576"/>
+            <a:ext cx="319314" cy="508000"/>
+          </a:xfrm>
+          <a:prstGeom prst="rect">
+            <a:avLst/>
+          </a:prstGeom>
+          <a:solidFill>
+            <a:srgbClr val="0070C0"/>
+          </a:solidFill>
+          <a:ln>
+            <a:noFill/>
+          </a:ln>
+        </p:spPr>
+        <p:style>
+          <a:lnRef idx="2">
+            <a:schemeClr val="accent1">
+              <a:shade val="50000"/>
+            </a:schemeClr>
+          </a:lnRef>
+          <a:fillRef idx="1">
+            <a:schemeClr val="accent1"/>
+          </a:fillRef>
+          <a:effectRef idx="0">
+            <a:schemeClr val="accent1"/>
+          </a:effectRef>
+          <a:fontRef idx="minor">
+            <a:schemeClr val="lt1"/>
+          </a:fontRef>
+        </p:style>
+        <p:txBody>
+          <a:bodyPr rtlCol="0" anchor="ctr"/>
+          <a:lstStyle/>
+          <a:p>
+            <a:pPr algn="ctr"/>
+            <a:endParaRPr lang="ko-KR" altLang="en-US"/>
+          </a:p>
+        </p:txBody>
+      </p:sp>
+      <p:sp>
+        <p:nvSpPr>
+          <p:cNvPr id="14" name="타원 13"/>
+          <p:cNvSpPr/>
+          <p:nvPr/>
+        </p:nvSpPr>
+        <p:spPr>
+          <a:xfrm>
+            <a:off x="561638" y="1064986"/>
+            <a:ext cx="72000" cy="72000"/>
+          </a:xfrm>
+          <a:prstGeom prst="ellipse">
+            <a:avLst/>
+          </a:prstGeom>
+          <a:solidFill>
+            <a:srgbClr val="002060"/>
+          </a:solidFill>
+          <a:ln>
+            <a:noFill/>
+          </a:ln>
+        </p:spPr>
+        <p:style>
+          <a:lnRef idx="2">
+            <a:schemeClr val="accent1">
+              <a:shade val="50000"/>
+            </a:schemeClr>
+          </a:lnRef>
+          <a:fillRef idx="1">
+            <a:schemeClr val="accent1"/>
+          </a:fillRef>
+          <a:effectRef idx="0">
+            <a:schemeClr val="accent1"/>
+          </a:effectRef>
+          <a:fontRef idx="minor">
+            <a:schemeClr val="lt1"/>
+          </a:fontRef>
+        </p:style>
+        <p:txBody>
+          <a:bodyPr rtlCol="0" anchor="ctr"/>
+          <a:lstStyle/>
+          <a:p>
+            <a:pPr algn="ctr"/>
+            <a:endParaRPr lang="ko-KR" altLang="en-US" sz="1600"/>
+          </a:p>
+        </p:txBody>
+      </p:sp>
+      <p:sp>
+        <p:nvSpPr>
+          <p:cNvPr id="15" name="타원 14"/>
+          <p:cNvSpPr/>
+          <p:nvPr/>
+        </p:nvSpPr>
+        <p:spPr>
+          <a:xfrm>
+            <a:off x="723122" y="1064986"/>
+            <a:ext cx="72000" cy="72000"/>
+          </a:xfrm>
+          <a:prstGeom prst="ellipse">
+            <a:avLst/>
+          </a:prstGeom>
+          <a:solidFill>
+            <a:srgbClr val="0070C0"/>
+          </a:solidFill>
+          <a:ln>
+            <a:noFill/>
+          </a:ln>
+        </p:spPr>
+        <p:style>
+          <a:lnRef idx="2">
+            <a:schemeClr val="accent1">
+              <a:shade val="50000"/>
+            </a:schemeClr>
+          </a:lnRef>
+          <a:fillRef idx="1">
+            <a:schemeClr val="accent1"/>
+          </a:fillRef>
+          <a:effectRef idx="0">
+            <a:schemeClr val="accent1"/>
+          </a:effectRef>
+          <a:fontRef idx="minor">
+            <a:schemeClr val="lt1"/>
+          </a:fontRef>
+        </p:style>
+        <p:txBody>
+          <a:bodyPr rtlCol="0" anchor="ctr"/>
+          <a:lstStyle/>
+          <a:p>
+            <a:pPr algn="ctr"/>
+            <a:endParaRPr lang="ko-KR" altLang="en-US" sz="1600"/>
+          </a:p>
+        </p:txBody>
+      </p:sp>
+      <p:sp>
+        <p:nvSpPr>
+          <p:cNvPr id="16" name="타원 15"/>
+          <p:cNvSpPr/>
+          <p:nvPr/>
+        </p:nvSpPr>
+        <p:spPr>
+          <a:xfrm>
+            <a:off x="884606" y="1064986"/>
+            <a:ext cx="72000" cy="72000"/>
+          </a:xfrm>
+          <a:prstGeom prst="ellipse">
+            <a:avLst/>
+          </a:prstGeom>
+          <a:solidFill>
+            <a:srgbClr val="00B0F0"/>
+          </a:solidFill>
+          <a:ln>
+            <a:noFill/>
+          </a:ln>
+        </p:spPr>
+        <p:style>
+          <a:lnRef idx="2">
+            <a:schemeClr val="accent1">
+              <a:shade val="50000"/>
+            </a:schemeClr>
+          </a:lnRef>
+          <a:fillRef idx="1">
+            <a:schemeClr val="accent1"/>
+          </a:fillRef>
+          <a:effectRef idx="0">
+            <a:schemeClr val="accent1"/>
+          </a:effectRef>
+          <a:fontRef idx="minor">
+            <a:schemeClr val="lt1"/>
+          </a:fontRef>
+        </p:style>
+        <p:txBody>
+          <a:bodyPr rtlCol="0" anchor="ctr"/>
+          <a:lstStyle/>
+          <a:p>
+            <a:pPr algn="ctr"/>
+            <a:endParaRPr lang="ko-KR" altLang="en-US" sz="1600"/>
+          </a:p>
+        </p:txBody>
+      </p:sp>
+      <p:sp>
+        <p:nvSpPr>
+          <p:cNvPr id="23" name="TextBox 22"/>
+          <p:cNvSpPr txBox="1"/>
+          <p:nvPr/>
+        </p:nvSpPr>
+        <p:spPr>
+          <a:xfrm>
+            <a:off x="7105382" y="609794"/>
+            <a:ext cx="742511" cy="276999"/>
+          </a:xfrm>
+          <a:prstGeom prst="rect">
+            <a:avLst/>
+          </a:prstGeom>
+          <a:noFill/>
+        </p:spPr>
+        <p:txBody>
+          <a:bodyPr wrap="none" rtlCol="0" anchor="ctr">
+            <a:spAutoFit/>
+          </a:bodyPr>
+          <a:lstStyle/>
+          <a:p>
+            <a:pPr algn="ctr"/>
+            <a:r>
+              <a:rPr lang="ko-KR" altLang="en-US" sz="1200" b="1" dirty="0">
+                <a:solidFill>
+                  <a:srgbClr val="404040"/>
+                </a:solidFill>
+                <a:latin typeface="나눔스퀘어 Bold" panose="020B0600000101010101" pitchFamily="50" charset="-127"/>
+                <a:ea typeface="나눔스퀘어 Bold" panose="020B0600000101010101" pitchFamily="50" charset="-127"/>
+              </a:rPr>
+              <a:t>내장객체</a:t>
+            </a:r>
+          </a:p>
+        </p:txBody>
+      </p:sp>
+      <p:sp>
+        <p:nvSpPr>
+          <p:cNvPr id="24" name="TextBox 23"/>
+          <p:cNvSpPr txBox="1"/>
+          <p:nvPr/>
+        </p:nvSpPr>
+        <p:spPr>
+          <a:xfrm>
+            <a:off x="7937367" y="609794"/>
+            <a:ext cx="1021434" cy="276999"/>
+          </a:xfrm>
+          <a:prstGeom prst="rect">
+            <a:avLst/>
+          </a:prstGeom>
+          <a:noFill/>
+        </p:spPr>
+        <p:txBody>
+          <a:bodyPr wrap="none" rtlCol="0" anchor="ctr">
+            <a:spAutoFit/>
+          </a:bodyPr>
+          <a:lstStyle/>
+          <a:p>
+            <a:pPr algn="ctr"/>
+            <a:r>
+              <a:rPr lang="ko-KR" altLang="en-US" sz="1200" b="1" dirty="0">
+                <a:solidFill>
+                  <a:srgbClr val="404040"/>
+                </a:solidFill>
+                <a:latin typeface="나눔스퀘어 Bold" panose="020B0600000101010101" pitchFamily="50" charset="-127"/>
+                <a:ea typeface="나눔스퀘어 Bold" panose="020B0600000101010101" pitchFamily="50" charset="-127"/>
+              </a:rPr>
+              <a:t>날짜정보객체</a:t>
+            </a:r>
+          </a:p>
+        </p:txBody>
+      </p:sp>
+      <p:sp>
+        <p:nvSpPr>
+          <p:cNvPr id="25" name="TextBox 24"/>
+          <p:cNvSpPr txBox="1"/>
+          <p:nvPr/>
+        </p:nvSpPr>
+        <p:spPr>
+          <a:xfrm>
+            <a:off x="9050024" y="609794"/>
+            <a:ext cx="742511" cy="276999"/>
+          </a:xfrm>
+          <a:prstGeom prst="rect">
+            <a:avLst/>
+          </a:prstGeom>
+          <a:noFill/>
+        </p:spPr>
+        <p:txBody>
+          <a:bodyPr wrap="none" rtlCol="0" anchor="ctr">
+            <a:spAutoFit/>
+          </a:bodyPr>
+          <a:lstStyle/>
+          <a:p>
+            <a:pPr algn="ctr"/>
+            <a:r>
+              <a:rPr lang="ko-KR" altLang="en-US" sz="1200" b="1" dirty="0">
+                <a:solidFill>
+                  <a:srgbClr val="404040"/>
+                </a:solidFill>
+                <a:latin typeface="나눔스퀘어 Bold" panose="020B0600000101010101" pitchFamily="50" charset="-127"/>
+                <a:ea typeface="나눔스퀘어 Bold" panose="020B0600000101010101" pitchFamily="50" charset="-127"/>
+              </a:rPr>
+              <a:t>수학객체</a:t>
+            </a:r>
+          </a:p>
+        </p:txBody>
+      </p:sp>
+      <p:sp>
+        <p:nvSpPr>
+          <p:cNvPr id="26" name="TextBox 25"/>
+          <p:cNvSpPr txBox="1"/>
+          <p:nvPr/>
+        </p:nvSpPr>
+        <p:spPr>
+          <a:xfrm>
+            <a:off x="9883758" y="609794"/>
+            <a:ext cx="742511" cy="276999"/>
+          </a:xfrm>
+          <a:prstGeom prst="rect">
+            <a:avLst/>
+          </a:prstGeom>
+          <a:noFill/>
+        </p:spPr>
+        <p:txBody>
+          <a:bodyPr wrap="none" rtlCol="0" anchor="ctr">
+            <a:spAutoFit/>
+          </a:bodyPr>
+          <a:lstStyle/>
+          <a:p>
+            <a:pPr algn="ctr"/>
+            <a:r>
+              <a:rPr lang="ko-KR" altLang="en-US" sz="1200" b="1">
+                <a:solidFill>
+                  <a:schemeClr val="tx1">
+                    <a:lumMod val="75000"/>
+                    <a:lumOff val="25000"/>
+                  </a:schemeClr>
+                </a:solidFill>
+                <a:latin typeface="나눔스퀘어 Bold" panose="020B0600000101010101" pitchFamily="50" charset="-127"/>
+                <a:ea typeface="나눔스퀘어 Bold" panose="020B0600000101010101" pitchFamily="50" charset="-127"/>
+              </a:rPr>
+              <a:t>배열객체</a:t>
+            </a:r>
+            <a:endParaRPr lang="ko-KR" altLang="en-US" sz="1200" b="1" dirty="0">
+              <a:solidFill>
+                <a:schemeClr val="tx1">
+                  <a:lumMod val="75000"/>
+                  <a:lumOff val="25000"/>
+                </a:schemeClr>
+              </a:solidFill>
+              <a:latin typeface="나눔스퀘어 Bold" panose="020B0600000101010101" pitchFamily="50" charset="-127"/>
+              <a:ea typeface="나눔스퀘어 Bold" panose="020B0600000101010101" pitchFamily="50" charset="-127"/>
+            </a:endParaRPr>
+          </a:p>
+        </p:txBody>
+      </p:sp>
+      <p:sp>
+        <p:nvSpPr>
+          <p:cNvPr id="17" name="TextBox 16"/>
+          <p:cNvSpPr txBox="1"/>
+          <p:nvPr/>
+        </p:nvSpPr>
+        <p:spPr>
+          <a:xfrm>
+            <a:off x="6550570" y="609794"/>
+            <a:ext cx="463589" cy="276999"/>
+          </a:xfrm>
+          <a:prstGeom prst="rect">
+            <a:avLst/>
+          </a:prstGeom>
+          <a:noFill/>
+        </p:spPr>
+        <p:txBody>
+          <a:bodyPr wrap="none" rtlCol="0" anchor="ctr">
+            <a:spAutoFit/>
+          </a:bodyPr>
+          <a:lstStyle/>
+          <a:p>
+            <a:pPr algn="ctr"/>
+            <a:r>
+              <a:rPr lang="ko-KR" altLang="en-US" sz="1200" dirty="0">
+                <a:solidFill>
+                  <a:srgbClr val="404040"/>
+                </a:solidFill>
+                <a:latin typeface="나눔스퀘어 Bold" panose="020B0600000101010101" pitchFamily="50" charset="-127"/>
+                <a:ea typeface="나눔스퀘어 Bold" panose="020B0600000101010101" pitchFamily="50" charset="-127"/>
+              </a:rPr>
+              <a:t>객체</a:t>
+            </a:r>
+          </a:p>
+        </p:txBody>
+      </p:sp>
+      <p:sp>
+        <p:nvSpPr>
+          <p:cNvPr id="12" name="TextBox 11">
+            <a:extLst>
+              <a:ext uri="{FF2B5EF4-FFF2-40B4-BE49-F238E27FC236}">
+                <a16:creationId xmlns:a16="http://schemas.microsoft.com/office/drawing/2014/main" id="{431B9121-5F84-4C60-B0B5-CB3540122CD1}"/>
+              </a:ext>
+            </a:extLst>
+          </p:cNvPr>
+          <p:cNvSpPr txBox="1"/>
+          <p:nvPr/>
+        </p:nvSpPr>
+        <p:spPr>
+          <a:xfrm>
+            <a:off x="10717492" y="609794"/>
+            <a:ext cx="881973" cy="276999"/>
+          </a:xfrm>
+          <a:prstGeom prst="rect">
+            <a:avLst/>
+          </a:prstGeom>
+          <a:noFill/>
+        </p:spPr>
+        <p:txBody>
+          <a:bodyPr wrap="none" rtlCol="0" anchor="ctr">
+            <a:spAutoFit/>
+          </a:bodyPr>
+          <a:lstStyle/>
+          <a:p>
+            <a:pPr algn="ctr"/>
+            <a:r>
+              <a:rPr lang="ko-KR" altLang="en-US" sz="1200" b="1" dirty="0">
+                <a:solidFill>
+                  <a:srgbClr val="0070C0"/>
+                </a:solidFill>
+                <a:latin typeface="나눔스퀘어 Bold" panose="020B0600000101010101" pitchFamily="50" charset="-127"/>
+                <a:ea typeface="나눔스퀘어 Bold" panose="020B0600000101010101" pitchFamily="50" charset="-127"/>
+              </a:rPr>
+              <a:t>문자열객체</a:t>
+            </a:r>
+          </a:p>
+        </p:txBody>
+      </p:sp>
+      <p:sp>
+        <p:nvSpPr>
+          <p:cNvPr id="2" name="TextBox 1">
+            <a:extLst>
+              <a:ext uri="{FF2B5EF4-FFF2-40B4-BE49-F238E27FC236}">
+                <a16:creationId xmlns:a16="http://schemas.microsoft.com/office/drawing/2014/main" id="{3AF81018-0136-494A-A7FA-291D51039CF8}"/>
+              </a:ext>
+            </a:extLst>
+          </p:cNvPr>
+          <p:cNvSpPr txBox="1"/>
+          <p:nvPr/>
+        </p:nvSpPr>
+        <p:spPr>
+          <a:xfrm>
+            <a:off x="1053784" y="1409078"/>
+            <a:ext cx="10272689" cy="707886"/>
+          </a:xfrm>
+          <a:prstGeom prst="rect">
+            <a:avLst/>
+          </a:prstGeom>
+          <a:noFill/>
+        </p:spPr>
+        <p:txBody>
+          <a:bodyPr wrap="square" rtlCol="0">
+            <a:spAutoFit/>
+          </a:bodyPr>
+          <a:lstStyle/>
+          <a:p>
+            <a:r>
+              <a:rPr lang="ko-KR" altLang="en-US" sz="2000" b="1" dirty="0"/>
+              <a:t>문자형 객체의 메서드 및 속성</a:t>
+            </a:r>
+            <a:endParaRPr lang="en-US" altLang="ko-KR" sz="2000" b="1" dirty="0"/>
+          </a:p>
+          <a:p>
+            <a:r>
+              <a:rPr lang="en-US" altLang="ko-KR" sz="2000" dirty="0"/>
+              <a:t>	105-106</a:t>
+            </a:r>
+            <a:r>
+              <a:rPr lang="ko-KR" altLang="en-US" sz="2000" dirty="0"/>
+              <a:t>쪽 표</a:t>
+            </a:r>
+            <a:endParaRPr lang="en-US" altLang="ko-KR" sz="2000" dirty="0"/>
+          </a:p>
+        </p:txBody>
+      </p:sp>
+      <p:sp>
+        <p:nvSpPr>
+          <p:cNvPr id="27" name="TextBox 26">
+            <a:extLst>
+              <a:ext uri="{FF2B5EF4-FFF2-40B4-BE49-F238E27FC236}">
+                <a16:creationId xmlns:a16="http://schemas.microsoft.com/office/drawing/2014/main" id="{AE5C639F-8AA2-42A9-B8B2-3147527BE7B3}"/>
+              </a:ext>
+            </a:extLst>
+          </p:cNvPr>
+          <p:cNvSpPr txBox="1"/>
+          <p:nvPr/>
+        </p:nvSpPr>
+        <p:spPr>
+          <a:xfrm>
+            <a:off x="1053784" y="2265541"/>
+            <a:ext cx="10272689" cy="400110"/>
+          </a:xfrm>
+          <a:prstGeom prst="rect">
+            <a:avLst/>
+          </a:prstGeom>
+          <a:noFill/>
+        </p:spPr>
+        <p:txBody>
+          <a:bodyPr wrap="square" rtlCol="0">
+            <a:spAutoFit/>
+          </a:bodyPr>
+          <a:lstStyle/>
+          <a:p>
+            <a:r>
+              <a:rPr lang="ko-KR" altLang="en-US" sz="2000" b="1" dirty="0">
+                <a:solidFill>
+                  <a:srgbClr val="0070C0"/>
+                </a:solidFill>
+              </a:rPr>
+              <a:t>문자형 객체 메서드 및 속성 예제 </a:t>
+            </a:r>
+            <a:r>
+              <a:rPr lang="en-US" altLang="ko-KR" sz="2000" b="1" dirty="0">
+                <a:solidFill>
+                  <a:srgbClr val="0070C0"/>
+                </a:solidFill>
+              </a:rPr>
+              <a:t>string_ob1_test.html</a:t>
+            </a:r>
+            <a:endParaRPr lang="en-US" altLang="ko-KR" b="1" dirty="0"/>
+          </a:p>
+        </p:txBody>
+      </p:sp>
+      <p:pic>
+        <p:nvPicPr>
+          <p:cNvPr id="3" name="그림 2">
+            <a:extLst>
+              <a:ext uri="{FF2B5EF4-FFF2-40B4-BE49-F238E27FC236}">
+                <a16:creationId xmlns:a16="http://schemas.microsoft.com/office/drawing/2014/main" id="{F2DF20C1-A940-4521-B271-F4F8FB4675E6}"/>
+              </a:ext>
+            </a:extLst>
+          </p:cNvPr>
+          <p:cNvPicPr>
+            <a:picLocks noChangeAspect="1"/>
+          </p:cNvPicPr>
+          <p:nvPr/>
+        </p:nvPicPr>
+        <p:blipFill rotWithShape="1">
+          <a:blip r:embed="rId2"/>
+          <a:srcRect b="38358"/>
+          <a:stretch/>
+        </p:blipFill>
+        <p:spPr>
+          <a:xfrm>
+            <a:off x="795122" y="2665651"/>
+            <a:ext cx="5210514" cy="3308429"/>
+          </a:xfrm>
+          <a:prstGeom prst="rect">
+            <a:avLst/>
+          </a:prstGeom>
+        </p:spPr>
+      </p:pic>
+      <p:grpSp>
+        <p:nvGrpSpPr>
+          <p:cNvPr id="33" name="그룹 32">
+            <a:extLst>
+              <a:ext uri="{FF2B5EF4-FFF2-40B4-BE49-F238E27FC236}">
+                <a16:creationId xmlns:a16="http://schemas.microsoft.com/office/drawing/2014/main" id="{13B4271B-3CAD-45A9-9B8E-1159B8B4B50A}"/>
+              </a:ext>
+            </a:extLst>
+          </p:cNvPr>
+          <p:cNvGrpSpPr/>
+          <p:nvPr/>
+        </p:nvGrpSpPr>
+        <p:grpSpPr>
+          <a:xfrm>
+            <a:off x="6336755" y="2665651"/>
+            <a:ext cx="4689748" cy="3494060"/>
+            <a:chOff x="1589942" y="4992914"/>
+            <a:chExt cx="9889991" cy="1082863"/>
+          </a:xfrm>
+        </p:grpSpPr>
+        <p:sp>
+          <p:nvSpPr>
+            <p:cNvPr id="34" name="직사각형 33">
+              <a:extLst>
+                <a:ext uri="{FF2B5EF4-FFF2-40B4-BE49-F238E27FC236}">
+                  <a16:creationId xmlns:a16="http://schemas.microsoft.com/office/drawing/2014/main" id="{70CFEDD6-49DA-4668-8497-910F146F170C}"/>
+                </a:ext>
+              </a:extLst>
+            </p:cNvPr>
+            <p:cNvSpPr/>
+            <p:nvPr/>
+          </p:nvSpPr>
+          <p:spPr>
+            <a:xfrm>
+              <a:off x="1589942" y="4992914"/>
+              <a:ext cx="9386047" cy="1082863"/>
+            </a:xfrm>
+            <a:prstGeom prst="rect">
+              <a:avLst/>
+            </a:prstGeom>
+            <a:solidFill>
+              <a:schemeClr val="bg1">
+                <a:lumMod val="75000"/>
+              </a:schemeClr>
+            </a:solidFill>
+            <a:ln>
+              <a:noFill/>
+            </a:ln>
+          </p:spPr>
+          <p:style>
+            <a:lnRef idx="2">
+              <a:schemeClr val="accent1">
+                <a:shade val="50000"/>
+              </a:schemeClr>
+            </a:lnRef>
+            <a:fillRef idx="1">
+              <a:schemeClr val="accent1"/>
+            </a:fillRef>
+            <a:effectRef idx="0">
+              <a:schemeClr val="accent1"/>
+            </a:effectRef>
+            <a:fontRef idx="minor">
+              <a:schemeClr val="lt1"/>
+            </a:fontRef>
+          </p:style>
+          <p:txBody>
+            <a:bodyPr rtlCol="0" anchor="ctr"/>
+            <a:lstStyle/>
+            <a:p>
+              <a:pPr algn="ctr"/>
+              <a:endParaRPr lang="ko-KR" altLang="en-US" dirty="0"/>
+            </a:p>
+          </p:txBody>
+        </p:sp>
+        <p:sp>
+          <p:nvSpPr>
+            <p:cNvPr id="35" name="TextBox 34">
+              <a:extLst>
+                <a:ext uri="{FF2B5EF4-FFF2-40B4-BE49-F238E27FC236}">
+                  <a16:creationId xmlns:a16="http://schemas.microsoft.com/office/drawing/2014/main" id="{161A28B1-DC4F-4309-B363-23A88D685370}"/>
+                </a:ext>
+              </a:extLst>
+            </p:cNvPr>
+            <p:cNvSpPr txBox="1"/>
+            <p:nvPr/>
+          </p:nvSpPr>
+          <p:spPr>
+            <a:xfrm>
+              <a:off x="1810237" y="5050955"/>
+              <a:ext cx="9669696" cy="181231"/>
+            </a:xfrm>
+            <a:prstGeom prst="rect">
+              <a:avLst/>
+            </a:prstGeom>
+            <a:noFill/>
+          </p:spPr>
+          <p:txBody>
+            <a:bodyPr wrap="square" rtlCol="0">
+              <a:spAutoFit/>
+            </a:bodyPr>
+            <a:lstStyle/>
+            <a:p>
+              <a:r>
+                <a:rPr lang="en-US" altLang="ko-KR" b="1" dirty="0"/>
+                <a:t>.</a:t>
+              </a:r>
+              <a:r>
+                <a:rPr lang="en-US" altLang="ko-KR" b="1" dirty="0" err="1"/>
+                <a:t>charAt</a:t>
+              </a:r>
+              <a:r>
+                <a:rPr lang="en-US" altLang="ko-KR" b="1" dirty="0"/>
+                <a:t>(</a:t>
+              </a:r>
+              <a:r>
+                <a:rPr lang="ko-KR" altLang="en-US" b="1" dirty="0"/>
+                <a:t>인덱스 번호</a:t>
+              </a:r>
+              <a:r>
+                <a:rPr lang="en-US" altLang="ko-KR" b="1" dirty="0"/>
+                <a:t>)</a:t>
+              </a:r>
+              <a:endParaRPr lang="en-US" altLang="ko-KR" dirty="0"/>
+            </a:p>
+            <a:p>
+              <a:pPr lvl="1"/>
+              <a:r>
+                <a:rPr lang="ko-KR" altLang="en-US" sz="1400" dirty="0"/>
+                <a:t>인덱스 번호에 지정된 문자를 불러온다</a:t>
+              </a:r>
+              <a:endParaRPr lang="en-US" altLang="ko-KR" sz="1400" dirty="0"/>
+            </a:p>
+          </p:txBody>
+        </p:sp>
+        <p:sp>
+          <p:nvSpPr>
+            <p:cNvPr id="40" name="TextBox 39">
+              <a:extLst>
+                <a:ext uri="{FF2B5EF4-FFF2-40B4-BE49-F238E27FC236}">
+                  <a16:creationId xmlns:a16="http://schemas.microsoft.com/office/drawing/2014/main" id="{549F6EF3-B11A-4689-8E21-7DA3B43D7A41}"/>
+                </a:ext>
+              </a:extLst>
+            </p:cNvPr>
+            <p:cNvSpPr txBox="1"/>
+            <p:nvPr/>
+          </p:nvSpPr>
+          <p:spPr>
+            <a:xfrm>
+              <a:off x="1810237" y="5237359"/>
+              <a:ext cx="9669696" cy="248000"/>
+            </a:xfrm>
+            <a:prstGeom prst="rect">
+              <a:avLst/>
+            </a:prstGeom>
+            <a:noFill/>
+          </p:spPr>
+          <p:txBody>
+            <a:bodyPr wrap="square" rtlCol="0">
+              <a:spAutoFit/>
+            </a:bodyPr>
+            <a:lstStyle/>
+            <a:p>
+              <a:r>
+                <a:rPr lang="en-US" altLang="ko-KR" b="1" dirty="0"/>
+                <a:t>.match(“</a:t>
+              </a:r>
+              <a:r>
+                <a:rPr lang="ko-KR" altLang="en-US" b="1" dirty="0"/>
+                <a:t>문자열</a:t>
+              </a:r>
+              <a:r>
+                <a:rPr lang="en-US" altLang="ko-KR" b="1" dirty="0"/>
+                <a:t>”)</a:t>
+              </a:r>
+              <a:endParaRPr lang="en-US" altLang="ko-KR" dirty="0"/>
+            </a:p>
+            <a:p>
+              <a:pPr lvl="1"/>
+              <a:r>
+                <a:rPr lang="ko-KR" altLang="en-US" sz="1400" dirty="0"/>
+                <a:t>일치하는 문자열 맨 왼쪽부터 찾아서 반환</a:t>
+              </a:r>
+              <a:endParaRPr lang="en-US" altLang="ko-KR" sz="1400" dirty="0"/>
+            </a:p>
+            <a:p>
+              <a:pPr lvl="1"/>
+              <a:r>
+                <a:rPr lang="ko-KR" altLang="en-US" sz="1400" dirty="0"/>
+                <a:t>일치하는 문자 열 없을 때 </a:t>
+              </a:r>
+              <a:r>
+                <a:rPr lang="en-US" altLang="ko-KR" sz="1400" dirty="0"/>
+                <a:t>null</a:t>
+              </a:r>
+              <a:r>
+                <a:rPr lang="ko-KR" altLang="en-US" sz="1400" dirty="0"/>
+                <a:t>반환</a:t>
+              </a:r>
+              <a:endParaRPr lang="en-US" altLang="ko-KR" sz="1400" dirty="0"/>
+            </a:p>
+          </p:txBody>
+        </p:sp>
+        <p:sp>
+          <p:nvSpPr>
+            <p:cNvPr id="41" name="TextBox 40">
+              <a:extLst>
+                <a:ext uri="{FF2B5EF4-FFF2-40B4-BE49-F238E27FC236}">
+                  <a16:creationId xmlns:a16="http://schemas.microsoft.com/office/drawing/2014/main" id="{F469BB15-2BDE-4ED9-87FC-CD0A7475363F}"/>
+                </a:ext>
+              </a:extLst>
+            </p:cNvPr>
+            <p:cNvSpPr txBox="1"/>
+            <p:nvPr/>
+          </p:nvSpPr>
+          <p:spPr>
+            <a:xfrm>
+              <a:off x="1810237" y="5505580"/>
+              <a:ext cx="9669696" cy="181231"/>
+            </a:xfrm>
+            <a:prstGeom prst="rect">
+              <a:avLst/>
+            </a:prstGeom>
+            <a:noFill/>
+          </p:spPr>
+          <p:txBody>
+            <a:bodyPr wrap="square" rtlCol="0">
+              <a:spAutoFit/>
+            </a:bodyPr>
+            <a:lstStyle/>
+            <a:p>
+              <a:r>
+                <a:rPr lang="en-US" altLang="ko-KR" b="1" dirty="0"/>
+                <a:t>.</a:t>
+              </a:r>
+              <a:r>
+                <a:rPr lang="en-US" altLang="ko-KR" b="1" dirty="0" err="1"/>
+                <a:t>substr</a:t>
+              </a:r>
+              <a:r>
+                <a:rPr lang="en-US" altLang="ko-KR" b="1" dirty="0"/>
+                <a:t>(</a:t>
+              </a:r>
+              <a:r>
+                <a:rPr lang="ko-KR" altLang="en-US" b="1" dirty="0"/>
+                <a:t>인덱스번호</a:t>
+              </a:r>
+              <a:r>
+                <a:rPr lang="en-US" altLang="ko-KR" b="1" dirty="0"/>
+                <a:t>, </a:t>
+              </a:r>
+              <a:r>
+                <a:rPr lang="ko-KR" altLang="en-US" b="1" dirty="0"/>
+                <a:t>문자개수</a:t>
+              </a:r>
+              <a:r>
+                <a:rPr lang="en-US" altLang="ko-KR" b="1" dirty="0"/>
+                <a:t>)</a:t>
+              </a:r>
+              <a:endParaRPr lang="en-US" altLang="ko-KR" dirty="0"/>
+            </a:p>
+            <a:p>
+              <a:pPr lvl="1"/>
+              <a:r>
+                <a:rPr lang="ko-KR" altLang="en-US" sz="1400" dirty="0"/>
+                <a:t>인덱스번호부터 지정한 문자 개수만큼 문자열 반환</a:t>
+              </a:r>
+              <a:endParaRPr lang="en-US" altLang="ko-KR" sz="1400" dirty="0"/>
+            </a:p>
+          </p:txBody>
+        </p:sp>
+        <p:sp>
+          <p:nvSpPr>
+            <p:cNvPr id="42" name="TextBox 41">
+              <a:extLst>
+                <a:ext uri="{FF2B5EF4-FFF2-40B4-BE49-F238E27FC236}">
+                  <a16:creationId xmlns:a16="http://schemas.microsoft.com/office/drawing/2014/main" id="{A56C8842-C6AD-4704-9A19-640213F96C43}"/>
+                </a:ext>
+              </a:extLst>
+            </p:cNvPr>
+            <p:cNvSpPr txBox="1"/>
+            <p:nvPr/>
+          </p:nvSpPr>
+          <p:spPr>
+            <a:xfrm>
+              <a:off x="1810237" y="5689180"/>
+              <a:ext cx="9669696" cy="181231"/>
+            </a:xfrm>
+            <a:prstGeom prst="rect">
+              <a:avLst/>
+            </a:prstGeom>
+            <a:noFill/>
+          </p:spPr>
+          <p:txBody>
+            <a:bodyPr wrap="square" rtlCol="0">
+              <a:spAutoFit/>
+            </a:bodyPr>
+            <a:lstStyle/>
+            <a:p>
+              <a:r>
+                <a:rPr lang="en-US" altLang="ko-KR" b="1" dirty="0"/>
+                <a:t>.substring(</a:t>
+              </a:r>
+              <a:r>
+                <a:rPr lang="ko-KR" altLang="en-US" b="1" dirty="0"/>
+                <a:t>인덱스번호</a:t>
+              </a:r>
+              <a:r>
+                <a:rPr lang="en-US" altLang="ko-KR" b="1" dirty="0"/>
+                <a:t>, </a:t>
+              </a:r>
+              <a:r>
+                <a:rPr lang="ko-KR" altLang="en-US" b="1" dirty="0"/>
+                <a:t>인덱스번호</a:t>
+              </a:r>
+              <a:r>
+                <a:rPr lang="en-US" altLang="ko-KR" b="1" dirty="0"/>
+                <a:t>)</a:t>
+              </a:r>
+              <a:endParaRPr lang="en-US" altLang="ko-KR" dirty="0"/>
+            </a:p>
+            <a:p>
+              <a:pPr lvl="1"/>
+              <a:r>
+                <a:rPr lang="ko-KR" altLang="en-US" sz="1400" dirty="0"/>
+                <a:t>두 인덱스번호 사이의 문자열 반환</a:t>
+              </a:r>
+              <a:endParaRPr lang="en-US" altLang="ko-KR" sz="1400" dirty="0"/>
+            </a:p>
+          </p:txBody>
+        </p:sp>
+        <p:sp>
+          <p:nvSpPr>
+            <p:cNvPr id="45" name="TextBox 44">
+              <a:extLst>
+                <a:ext uri="{FF2B5EF4-FFF2-40B4-BE49-F238E27FC236}">
+                  <a16:creationId xmlns:a16="http://schemas.microsoft.com/office/drawing/2014/main" id="{4C188605-DA79-4134-ACE3-4E7CB7C88306}"/>
+                </a:ext>
+              </a:extLst>
+            </p:cNvPr>
+            <p:cNvSpPr txBox="1"/>
+            <p:nvPr/>
+          </p:nvSpPr>
+          <p:spPr>
+            <a:xfrm>
+              <a:off x="1810237" y="5855493"/>
+              <a:ext cx="9669696" cy="181231"/>
+            </a:xfrm>
+            <a:prstGeom prst="rect">
+              <a:avLst/>
+            </a:prstGeom>
+            <a:noFill/>
+          </p:spPr>
+          <p:txBody>
+            <a:bodyPr wrap="square" rtlCol="0">
+              <a:spAutoFit/>
+            </a:bodyPr>
+            <a:lstStyle/>
+            <a:p>
+              <a:r>
+                <a:rPr lang="en-US" altLang="ko-KR" b="1" dirty="0"/>
+                <a:t>.</a:t>
+              </a:r>
+              <a:r>
+                <a:rPr lang="en-US" altLang="ko-KR" b="1" dirty="0" err="1"/>
+                <a:t>toLowerCase</a:t>
+              </a:r>
+              <a:r>
+                <a:rPr lang="en-US" altLang="ko-KR" b="1" dirty="0"/>
+                <a:t>()</a:t>
+              </a:r>
+              <a:endParaRPr lang="en-US" altLang="ko-KR" dirty="0"/>
+            </a:p>
+            <a:p>
+              <a:pPr lvl="1"/>
+              <a:r>
+                <a:rPr lang="ko-KR" altLang="en-US" sz="1400" dirty="0"/>
+                <a:t>소문자 문자열로 반환</a:t>
+              </a:r>
+              <a:endParaRPr lang="en-US" altLang="ko-KR" sz="1400" dirty="0"/>
+            </a:p>
+          </p:txBody>
+        </p:sp>
+      </p:grpSp>
+    </p:spTree>
+    <p:extLst>
+      <p:ext uri="{BB962C8B-B14F-4D97-AF65-F5344CB8AC3E}">
+        <p14:creationId xmlns:p14="http://schemas.microsoft.com/office/powerpoint/2010/main" val="1643996743"/>
+      </p:ext>
+    </p:extLst>
+  </p:cSld>
+  <p:clrMapOvr>
+    <a:masterClrMapping/>
+  </p:clrMapOvr>
+</p:sld>
+</file>
+
+<file path=ppt/slides/slide21.xml><?xml version="1.0" encoding="utf-8"?>
+<p:sld xmlns:a="http://schemas.openxmlformats.org/drawingml/2006/main" xmlns:r="http://schemas.openxmlformats.org/officeDocument/2006/relationships" xmlns:p="http://schemas.openxmlformats.org/presentationml/2006/main">
+  <p:cSld>
+    <p:spTree>
+      <p:nvGrpSpPr>
+        <p:cNvPr id="1" name=""/>
+        <p:cNvGrpSpPr/>
+        <p:nvPr/>
+      </p:nvGrpSpPr>
+      <p:grpSpPr>
+        <a:xfrm>
+          <a:off x="0" y="0"/>
+          <a:ext cx="0" cy="0"/>
+          <a:chOff x="0" y="0"/>
+          <a:chExt cx="0" cy="0"/>
+        </a:xfrm>
+      </p:grpSpPr>
+      <p:sp>
+        <p:nvSpPr>
+          <p:cNvPr id="4" name="TextBox 3"/>
+          <p:cNvSpPr txBox="1"/>
+          <p:nvPr/>
+        </p:nvSpPr>
+        <p:spPr>
+          <a:xfrm>
+            <a:off x="449943" y="629558"/>
+            <a:ext cx="2800767" cy="400110"/>
+          </a:xfrm>
+          <a:prstGeom prst="rect">
+            <a:avLst/>
+          </a:prstGeom>
+          <a:noFill/>
+        </p:spPr>
+        <p:txBody>
+          <a:bodyPr wrap="none" rtlCol="0">
+            <a:spAutoFit/>
+          </a:bodyPr>
+          <a:lstStyle/>
+          <a:p>
+            <a:r>
+              <a:rPr lang="en-US" altLang="ko-KR" sz="2000" b="1" dirty="0"/>
+              <a:t>04-2. </a:t>
+            </a:r>
+            <a:r>
+              <a:rPr lang="ko-KR" altLang="en-US" sz="2000" b="1" dirty="0"/>
+              <a:t>내장 객체 </a:t>
+            </a:r>
+            <a:r>
+              <a:rPr lang="ko-KR" altLang="en-US" sz="1400" b="1" dirty="0"/>
+              <a:t>교재 </a:t>
+            </a:r>
+            <a:r>
+              <a:rPr lang="en-US" altLang="ko-KR" sz="1400" b="1" dirty="0"/>
+              <a:t>106</a:t>
+            </a:r>
+            <a:r>
+              <a:rPr lang="ko-KR" altLang="en-US" sz="1400" b="1" dirty="0"/>
+              <a:t>쪽</a:t>
+            </a:r>
+            <a:endParaRPr lang="ko-KR" altLang="en-US" sz="2000" b="1" dirty="0"/>
+          </a:p>
+        </p:txBody>
+      </p:sp>
+      <p:sp>
+        <p:nvSpPr>
+          <p:cNvPr id="11" name="직사각형 10"/>
+          <p:cNvSpPr/>
+          <p:nvPr/>
+        </p:nvSpPr>
+        <p:spPr>
+          <a:xfrm>
+            <a:off x="11872686" y="536576"/>
+            <a:ext cx="319314" cy="508000"/>
+          </a:xfrm>
+          <a:prstGeom prst="rect">
+            <a:avLst/>
+          </a:prstGeom>
+          <a:solidFill>
+            <a:srgbClr val="0070C0"/>
+          </a:solidFill>
+          <a:ln>
+            <a:noFill/>
+          </a:ln>
+        </p:spPr>
+        <p:style>
+          <a:lnRef idx="2">
+            <a:schemeClr val="accent1">
+              <a:shade val="50000"/>
+            </a:schemeClr>
+          </a:lnRef>
+          <a:fillRef idx="1">
+            <a:schemeClr val="accent1"/>
+          </a:fillRef>
+          <a:effectRef idx="0">
+            <a:schemeClr val="accent1"/>
+          </a:effectRef>
+          <a:fontRef idx="minor">
+            <a:schemeClr val="lt1"/>
+          </a:fontRef>
+        </p:style>
+        <p:txBody>
+          <a:bodyPr rtlCol="0" anchor="ctr"/>
+          <a:lstStyle/>
+          <a:p>
+            <a:pPr algn="ctr"/>
+            <a:endParaRPr lang="ko-KR" altLang="en-US"/>
+          </a:p>
+        </p:txBody>
+      </p:sp>
+      <p:sp>
+        <p:nvSpPr>
+          <p:cNvPr id="14" name="타원 13"/>
+          <p:cNvSpPr/>
+          <p:nvPr/>
+        </p:nvSpPr>
+        <p:spPr>
+          <a:xfrm>
+            <a:off x="561638" y="1064986"/>
+            <a:ext cx="72000" cy="72000"/>
+          </a:xfrm>
+          <a:prstGeom prst="ellipse">
+            <a:avLst/>
+          </a:prstGeom>
+          <a:solidFill>
+            <a:srgbClr val="002060"/>
+          </a:solidFill>
+          <a:ln>
+            <a:noFill/>
+          </a:ln>
+        </p:spPr>
+        <p:style>
+          <a:lnRef idx="2">
+            <a:schemeClr val="accent1">
+              <a:shade val="50000"/>
+            </a:schemeClr>
+          </a:lnRef>
+          <a:fillRef idx="1">
+            <a:schemeClr val="accent1"/>
+          </a:fillRef>
+          <a:effectRef idx="0">
+            <a:schemeClr val="accent1"/>
+          </a:effectRef>
+          <a:fontRef idx="minor">
+            <a:schemeClr val="lt1"/>
+          </a:fontRef>
+        </p:style>
+        <p:txBody>
+          <a:bodyPr rtlCol="0" anchor="ctr"/>
+          <a:lstStyle/>
+          <a:p>
+            <a:pPr algn="ctr"/>
+            <a:endParaRPr lang="ko-KR" altLang="en-US" sz="1600"/>
+          </a:p>
+        </p:txBody>
+      </p:sp>
+      <p:sp>
+        <p:nvSpPr>
+          <p:cNvPr id="15" name="타원 14"/>
+          <p:cNvSpPr/>
+          <p:nvPr/>
+        </p:nvSpPr>
+        <p:spPr>
+          <a:xfrm>
+            <a:off x="723122" y="1064986"/>
+            <a:ext cx="72000" cy="72000"/>
+          </a:xfrm>
+          <a:prstGeom prst="ellipse">
+            <a:avLst/>
+          </a:prstGeom>
+          <a:solidFill>
+            <a:srgbClr val="0070C0"/>
+          </a:solidFill>
+          <a:ln>
+            <a:noFill/>
+          </a:ln>
+        </p:spPr>
+        <p:style>
+          <a:lnRef idx="2">
+            <a:schemeClr val="accent1">
+              <a:shade val="50000"/>
+            </a:schemeClr>
+          </a:lnRef>
+          <a:fillRef idx="1">
+            <a:schemeClr val="accent1"/>
+          </a:fillRef>
+          <a:effectRef idx="0">
+            <a:schemeClr val="accent1"/>
+          </a:effectRef>
+          <a:fontRef idx="minor">
+            <a:schemeClr val="lt1"/>
+          </a:fontRef>
+        </p:style>
+        <p:txBody>
+          <a:bodyPr rtlCol="0" anchor="ctr"/>
+          <a:lstStyle/>
+          <a:p>
+            <a:pPr algn="ctr"/>
+            <a:endParaRPr lang="ko-KR" altLang="en-US" sz="1600"/>
+          </a:p>
+        </p:txBody>
+      </p:sp>
+      <p:sp>
+        <p:nvSpPr>
+          <p:cNvPr id="16" name="타원 15"/>
+          <p:cNvSpPr/>
+          <p:nvPr/>
+        </p:nvSpPr>
+        <p:spPr>
+          <a:xfrm>
+            <a:off x="884606" y="1064986"/>
+            <a:ext cx="72000" cy="72000"/>
+          </a:xfrm>
+          <a:prstGeom prst="ellipse">
+            <a:avLst/>
+          </a:prstGeom>
+          <a:solidFill>
+            <a:srgbClr val="00B0F0"/>
+          </a:solidFill>
+          <a:ln>
+            <a:noFill/>
+          </a:ln>
+        </p:spPr>
+        <p:style>
+          <a:lnRef idx="2">
+            <a:schemeClr val="accent1">
+              <a:shade val="50000"/>
+            </a:schemeClr>
+          </a:lnRef>
+          <a:fillRef idx="1">
+            <a:schemeClr val="accent1"/>
+          </a:fillRef>
+          <a:effectRef idx="0">
+            <a:schemeClr val="accent1"/>
+          </a:effectRef>
+          <a:fontRef idx="minor">
+            <a:schemeClr val="lt1"/>
+          </a:fontRef>
+        </p:style>
+        <p:txBody>
+          <a:bodyPr rtlCol="0" anchor="ctr"/>
+          <a:lstStyle/>
+          <a:p>
+            <a:pPr algn="ctr"/>
+            <a:endParaRPr lang="ko-KR" altLang="en-US" sz="1600"/>
+          </a:p>
+        </p:txBody>
+      </p:sp>
+      <p:sp>
+        <p:nvSpPr>
+          <p:cNvPr id="23" name="TextBox 22"/>
+          <p:cNvSpPr txBox="1"/>
+          <p:nvPr/>
+        </p:nvSpPr>
+        <p:spPr>
+          <a:xfrm>
+            <a:off x="7105382" y="609794"/>
+            <a:ext cx="742511" cy="276999"/>
+          </a:xfrm>
+          <a:prstGeom prst="rect">
+            <a:avLst/>
+          </a:prstGeom>
+          <a:noFill/>
+        </p:spPr>
+        <p:txBody>
+          <a:bodyPr wrap="none" rtlCol="0" anchor="ctr">
+            <a:spAutoFit/>
+          </a:bodyPr>
+          <a:lstStyle/>
+          <a:p>
+            <a:pPr algn="ctr"/>
+            <a:r>
+              <a:rPr lang="ko-KR" altLang="en-US" sz="1200" b="1" dirty="0">
+                <a:solidFill>
+                  <a:srgbClr val="404040"/>
+                </a:solidFill>
+                <a:latin typeface="나눔스퀘어 Bold" panose="020B0600000101010101" pitchFamily="50" charset="-127"/>
+                <a:ea typeface="나눔스퀘어 Bold" panose="020B0600000101010101" pitchFamily="50" charset="-127"/>
+              </a:rPr>
+              <a:t>내장객체</a:t>
+            </a:r>
+          </a:p>
+        </p:txBody>
+      </p:sp>
+      <p:sp>
+        <p:nvSpPr>
+          <p:cNvPr id="24" name="TextBox 23"/>
+          <p:cNvSpPr txBox="1"/>
+          <p:nvPr/>
+        </p:nvSpPr>
+        <p:spPr>
+          <a:xfrm>
+            <a:off x="7937367" y="609794"/>
+            <a:ext cx="1021434" cy="276999"/>
+          </a:xfrm>
+          <a:prstGeom prst="rect">
+            <a:avLst/>
+          </a:prstGeom>
+          <a:noFill/>
+        </p:spPr>
+        <p:txBody>
+          <a:bodyPr wrap="none" rtlCol="0" anchor="ctr">
+            <a:spAutoFit/>
+          </a:bodyPr>
+          <a:lstStyle/>
+          <a:p>
+            <a:pPr algn="ctr"/>
+            <a:r>
+              <a:rPr lang="ko-KR" altLang="en-US" sz="1200" b="1" dirty="0">
+                <a:solidFill>
+                  <a:srgbClr val="404040"/>
+                </a:solidFill>
+                <a:latin typeface="나눔스퀘어 Bold" panose="020B0600000101010101" pitchFamily="50" charset="-127"/>
+                <a:ea typeface="나눔스퀘어 Bold" panose="020B0600000101010101" pitchFamily="50" charset="-127"/>
+              </a:rPr>
+              <a:t>날짜정보객체</a:t>
+            </a:r>
+          </a:p>
+        </p:txBody>
+      </p:sp>
+      <p:sp>
+        <p:nvSpPr>
+          <p:cNvPr id="25" name="TextBox 24"/>
+          <p:cNvSpPr txBox="1"/>
+          <p:nvPr/>
+        </p:nvSpPr>
+        <p:spPr>
+          <a:xfrm>
+            <a:off x="9050024" y="609794"/>
+            <a:ext cx="742511" cy="276999"/>
+          </a:xfrm>
+          <a:prstGeom prst="rect">
+            <a:avLst/>
+          </a:prstGeom>
+          <a:noFill/>
+        </p:spPr>
+        <p:txBody>
+          <a:bodyPr wrap="none" rtlCol="0" anchor="ctr">
+            <a:spAutoFit/>
+          </a:bodyPr>
+          <a:lstStyle/>
+          <a:p>
+            <a:pPr algn="ctr"/>
+            <a:r>
+              <a:rPr lang="ko-KR" altLang="en-US" sz="1200" b="1" dirty="0">
+                <a:solidFill>
+                  <a:srgbClr val="404040"/>
+                </a:solidFill>
+                <a:latin typeface="나눔스퀘어 Bold" panose="020B0600000101010101" pitchFamily="50" charset="-127"/>
+                <a:ea typeface="나눔스퀘어 Bold" panose="020B0600000101010101" pitchFamily="50" charset="-127"/>
+              </a:rPr>
+              <a:t>수학객체</a:t>
+            </a:r>
+          </a:p>
+        </p:txBody>
+      </p:sp>
+      <p:sp>
+        <p:nvSpPr>
+          <p:cNvPr id="26" name="TextBox 25"/>
+          <p:cNvSpPr txBox="1"/>
+          <p:nvPr/>
+        </p:nvSpPr>
+        <p:spPr>
+          <a:xfrm>
+            <a:off x="9883758" y="609794"/>
+            <a:ext cx="742511" cy="276999"/>
+          </a:xfrm>
+          <a:prstGeom prst="rect">
+            <a:avLst/>
+          </a:prstGeom>
+          <a:noFill/>
+        </p:spPr>
+        <p:txBody>
+          <a:bodyPr wrap="none" rtlCol="0" anchor="ctr">
+            <a:spAutoFit/>
+          </a:bodyPr>
+          <a:lstStyle/>
+          <a:p>
+            <a:pPr algn="ctr"/>
+            <a:r>
+              <a:rPr lang="ko-KR" altLang="en-US" sz="1200" b="1">
+                <a:solidFill>
+                  <a:schemeClr val="tx1">
+                    <a:lumMod val="75000"/>
+                    <a:lumOff val="25000"/>
+                  </a:schemeClr>
+                </a:solidFill>
+                <a:latin typeface="나눔스퀘어 Bold" panose="020B0600000101010101" pitchFamily="50" charset="-127"/>
+                <a:ea typeface="나눔스퀘어 Bold" panose="020B0600000101010101" pitchFamily="50" charset="-127"/>
+              </a:rPr>
+              <a:t>배열객체</a:t>
+            </a:r>
+            <a:endParaRPr lang="ko-KR" altLang="en-US" sz="1200" b="1" dirty="0">
+              <a:solidFill>
+                <a:schemeClr val="tx1">
+                  <a:lumMod val="75000"/>
+                  <a:lumOff val="25000"/>
+                </a:schemeClr>
+              </a:solidFill>
+              <a:latin typeface="나눔스퀘어 Bold" panose="020B0600000101010101" pitchFamily="50" charset="-127"/>
+              <a:ea typeface="나눔스퀘어 Bold" panose="020B0600000101010101" pitchFamily="50" charset="-127"/>
+            </a:endParaRPr>
+          </a:p>
+        </p:txBody>
+      </p:sp>
+      <p:sp>
+        <p:nvSpPr>
+          <p:cNvPr id="17" name="TextBox 16"/>
+          <p:cNvSpPr txBox="1"/>
+          <p:nvPr/>
+        </p:nvSpPr>
+        <p:spPr>
+          <a:xfrm>
+            <a:off x="6550570" y="609794"/>
+            <a:ext cx="463589" cy="276999"/>
+          </a:xfrm>
+          <a:prstGeom prst="rect">
+            <a:avLst/>
+          </a:prstGeom>
+          <a:noFill/>
+        </p:spPr>
+        <p:txBody>
+          <a:bodyPr wrap="none" rtlCol="0" anchor="ctr">
+            <a:spAutoFit/>
+          </a:bodyPr>
+          <a:lstStyle/>
+          <a:p>
+            <a:pPr algn="ctr"/>
+            <a:r>
+              <a:rPr lang="ko-KR" altLang="en-US" sz="1200" dirty="0">
+                <a:solidFill>
+                  <a:srgbClr val="404040"/>
+                </a:solidFill>
+                <a:latin typeface="나눔스퀘어 Bold" panose="020B0600000101010101" pitchFamily="50" charset="-127"/>
+                <a:ea typeface="나눔스퀘어 Bold" panose="020B0600000101010101" pitchFamily="50" charset="-127"/>
+              </a:rPr>
+              <a:t>객체</a:t>
+            </a:r>
+          </a:p>
+        </p:txBody>
+      </p:sp>
+      <p:sp>
+        <p:nvSpPr>
+          <p:cNvPr id="12" name="TextBox 11">
+            <a:extLst>
+              <a:ext uri="{FF2B5EF4-FFF2-40B4-BE49-F238E27FC236}">
+                <a16:creationId xmlns:a16="http://schemas.microsoft.com/office/drawing/2014/main" id="{431B9121-5F84-4C60-B0B5-CB3540122CD1}"/>
+              </a:ext>
+            </a:extLst>
+          </p:cNvPr>
+          <p:cNvSpPr txBox="1"/>
+          <p:nvPr/>
+        </p:nvSpPr>
+        <p:spPr>
+          <a:xfrm>
+            <a:off x="10717492" y="609794"/>
+            <a:ext cx="881973" cy="276999"/>
+          </a:xfrm>
+          <a:prstGeom prst="rect">
+            <a:avLst/>
+          </a:prstGeom>
+          <a:noFill/>
+        </p:spPr>
+        <p:txBody>
+          <a:bodyPr wrap="none" rtlCol="0" anchor="ctr">
+            <a:spAutoFit/>
+          </a:bodyPr>
+          <a:lstStyle/>
+          <a:p>
+            <a:pPr algn="ctr"/>
+            <a:r>
+              <a:rPr lang="ko-KR" altLang="en-US" sz="1200" b="1" dirty="0">
+                <a:solidFill>
+                  <a:srgbClr val="0070C0"/>
+                </a:solidFill>
+                <a:latin typeface="나눔스퀘어 Bold" panose="020B0600000101010101" pitchFamily="50" charset="-127"/>
+                <a:ea typeface="나눔스퀘어 Bold" panose="020B0600000101010101" pitchFamily="50" charset="-127"/>
+              </a:rPr>
+              <a:t>문자열객체</a:t>
+            </a:r>
+          </a:p>
+        </p:txBody>
+      </p:sp>
+      <p:sp>
+        <p:nvSpPr>
+          <p:cNvPr id="2" name="TextBox 1">
+            <a:extLst>
+              <a:ext uri="{FF2B5EF4-FFF2-40B4-BE49-F238E27FC236}">
+                <a16:creationId xmlns:a16="http://schemas.microsoft.com/office/drawing/2014/main" id="{3AF81018-0136-494A-A7FA-291D51039CF8}"/>
+              </a:ext>
+            </a:extLst>
+          </p:cNvPr>
+          <p:cNvSpPr txBox="1"/>
+          <p:nvPr/>
+        </p:nvSpPr>
+        <p:spPr>
+          <a:xfrm>
+            <a:off x="1053784" y="1409078"/>
+            <a:ext cx="10272689" cy="707886"/>
+          </a:xfrm>
+          <a:prstGeom prst="rect">
+            <a:avLst/>
+          </a:prstGeom>
+          <a:noFill/>
+        </p:spPr>
+        <p:txBody>
+          <a:bodyPr wrap="square" rtlCol="0">
+            <a:spAutoFit/>
+          </a:bodyPr>
+          <a:lstStyle/>
+          <a:p>
+            <a:r>
+              <a:rPr lang="ko-KR" altLang="en-US" sz="2000" b="1" dirty="0"/>
+              <a:t>문자형 객체의 메서드 및 속성</a:t>
+            </a:r>
+            <a:endParaRPr lang="en-US" altLang="ko-KR" sz="2000" b="1" dirty="0"/>
+          </a:p>
+          <a:p>
+            <a:r>
+              <a:rPr lang="en-US" altLang="ko-KR" sz="2000" dirty="0"/>
+              <a:t>	105-106</a:t>
+            </a:r>
+            <a:r>
+              <a:rPr lang="ko-KR" altLang="en-US" sz="2000" dirty="0"/>
+              <a:t>쪽 표</a:t>
+            </a:r>
+            <a:endParaRPr lang="en-US" altLang="ko-KR" sz="2000" dirty="0"/>
+          </a:p>
+        </p:txBody>
+      </p:sp>
+      <p:sp>
+        <p:nvSpPr>
+          <p:cNvPr id="27" name="TextBox 26">
+            <a:extLst>
+              <a:ext uri="{FF2B5EF4-FFF2-40B4-BE49-F238E27FC236}">
+                <a16:creationId xmlns:a16="http://schemas.microsoft.com/office/drawing/2014/main" id="{AE5C639F-8AA2-42A9-B8B2-3147527BE7B3}"/>
+              </a:ext>
+            </a:extLst>
+          </p:cNvPr>
+          <p:cNvSpPr txBox="1"/>
+          <p:nvPr/>
+        </p:nvSpPr>
+        <p:spPr>
+          <a:xfrm>
+            <a:off x="1053784" y="2265541"/>
+            <a:ext cx="10272689" cy="400110"/>
+          </a:xfrm>
+          <a:prstGeom prst="rect">
+            <a:avLst/>
+          </a:prstGeom>
+          <a:noFill/>
+        </p:spPr>
+        <p:txBody>
+          <a:bodyPr wrap="square" rtlCol="0">
+            <a:spAutoFit/>
+          </a:bodyPr>
+          <a:lstStyle/>
+          <a:p>
+            <a:r>
+              <a:rPr lang="ko-KR" altLang="en-US" sz="2000" b="1" dirty="0">
+                <a:solidFill>
+                  <a:srgbClr val="0070C0"/>
+                </a:solidFill>
+              </a:rPr>
+              <a:t>문자형 객체 메서드 및 속성 예제 </a:t>
+            </a:r>
+            <a:r>
+              <a:rPr lang="en-US" altLang="ko-KR" sz="2000" b="1" dirty="0">
+                <a:solidFill>
+                  <a:srgbClr val="0070C0"/>
+                </a:solidFill>
+              </a:rPr>
+              <a:t>string_ob1_test.html</a:t>
+            </a:r>
+            <a:endParaRPr lang="en-US" altLang="ko-KR" b="1" dirty="0"/>
+          </a:p>
+        </p:txBody>
+      </p:sp>
+      <p:pic>
+        <p:nvPicPr>
+          <p:cNvPr id="5" name="그림 4">
+            <a:extLst>
+              <a:ext uri="{FF2B5EF4-FFF2-40B4-BE49-F238E27FC236}">
+                <a16:creationId xmlns:a16="http://schemas.microsoft.com/office/drawing/2014/main" id="{FD21BF6C-89AB-45C3-9D73-22A2E6898D76}"/>
+              </a:ext>
+            </a:extLst>
+          </p:cNvPr>
+          <p:cNvPicPr>
+            <a:picLocks noChangeAspect="1"/>
+          </p:cNvPicPr>
+          <p:nvPr/>
+        </p:nvPicPr>
+        <p:blipFill rotWithShape="1">
+          <a:blip r:embed="rId2"/>
+          <a:srcRect t="63375"/>
+          <a:stretch/>
+        </p:blipFill>
+        <p:spPr>
+          <a:xfrm>
+            <a:off x="1051731" y="2814884"/>
+            <a:ext cx="5138397" cy="1938565"/>
+          </a:xfrm>
+          <a:prstGeom prst="rect">
+            <a:avLst/>
+          </a:prstGeom>
+        </p:spPr>
+      </p:pic>
+      <p:grpSp>
+        <p:nvGrpSpPr>
+          <p:cNvPr id="18" name="그룹 17">
+            <a:extLst>
+              <a:ext uri="{FF2B5EF4-FFF2-40B4-BE49-F238E27FC236}">
+                <a16:creationId xmlns:a16="http://schemas.microsoft.com/office/drawing/2014/main" id="{26403DB9-AD45-4CB6-BD1C-C7C76CEF8ABF}"/>
+              </a:ext>
+            </a:extLst>
+          </p:cNvPr>
+          <p:cNvGrpSpPr/>
+          <p:nvPr/>
+        </p:nvGrpSpPr>
+        <p:grpSpPr>
+          <a:xfrm>
+            <a:off x="6336754" y="2807890"/>
+            <a:ext cx="5138397" cy="2648029"/>
+            <a:chOff x="1589940" y="4992914"/>
+            <a:chExt cx="10836126" cy="820665"/>
+          </a:xfrm>
+        </p:grpSpPr>
+        <p:sp>
+          <p:nvSpPr>
+            <p:cNvPr id="19" name="직사각형 18">
+              <a:extLst>
+                <a:ext uri="{FF2B5EF4-FFF2-40B4-BE49-F238E27FC236}">
+                  <a16:creationId xmlns:a16="http://schemas.microsoft.com/office/drawing/2014/main" id="{C528DCD3-63F3-457A-B620-01537A246D14}"/>
+                </a:ext>
+              </a:extLst>
+            </p:cNvPr>
+            <p:cNvSpPr/>
+            <p:nvPr/>
+          </p:nvSpPr>
+          <p:spPr>
+            <a:xfrm>
+              <a:off x="1589940" y="4992914"/>
+              <a:ext cx="10836126" cy="820665"/>
+            </a:xfrm>
+            <a:prstGeom prst="rect">
+              <a:avLst/>
+            </a:prstGeom>
+            <a:solidFill>
+              <a:schemeClr val="bg1">
+                <a:lumMod val="75000"/>
+              </a:schemeClr>
+            </a:solidFill>
+            <a:ln>
+              <a:noFill/>
+            </a:ln>
+          </p:spPr>
+          <p:style>
+            <a:lnRef idx="2">
+              <a:schemeClr val="accent1">
+                <a:shade val="50000"/>
+              </a:schemeClr>
+            </a:lnRef>
+            <a:fillRef idx="1">
+              <a:schemeClr val="accent1"/>
+            </a:fillRef>
+            <a:effectRef idx="0">
+              <a:schemeClr val="accent1"/>
+            </a:effectRef>
+            <a:fontRef idx="minor">
+              <a:schemeClr val="lt1"/>
+            </a:fontRef>
+          </p:style>
+          <p:txBody>
+            <a:bodyPr rtlCol="0" anchor="ctr"/>
+            <a:lstStyle/>
+            <a:p>
+              <a:pPr algn="ctr"/>
+              <a:endParaRPr lang="ko-KR" altLang="en-US" dirty="0"/>
+            </a:p>
+          </p:txBody>
+        </p:sp>
+        <p:sp>
+          <p:nvSpPr>
+            <p:cNvPr id="20" name="TextBox 19">
+              <a:extLst>
+                <a:ext uri="{FF2B5EF4-FFF2-40B4-BE49-F238E27FC236}">
+                  <a16:creationId xmlns:a16="http://schemas.microsoft.com/office/drawing/2014/main" id="{B90D07F3-5140-4E4D-9B92-F0EE3DF4006C}"/>
+                </a:ext>
+              </a:extLst>
+            </p:cNvPr>
+            <p:cNvSpPr txBox="1"/>
+            <p:nvPr/>
+          </p:nvSpPr>
+          <p:spPr>
+            <a:xfrm>
+              <a:off x="1810235" y="5050955"/>
+              <a:ext cx="10134945" cy="248000"/>
+            </a:xfrm>
+            <a:prstGeom prst="rect">
+              <a:avLst/>
+            </a:prstGeom>
+            <a:noFill/>
+          </p:spPr>
+          <p:txBody>
+            <a:bodyPr wrap="square" rtlCol="0">
+              <a:spAutoFit/>
+            </a:bodyPr>
+            <a:lstStyle/>
+            <a:p>
+              <a:r>
+                <a:rPr lang="en-US" altLang="ko-KR" b="1" dirty="0"/>
+                <a:t>.split(“</a:t>
+              </a:r>
+              <a:r>
+                <a:rPr lang="ko-KR" altLang="en-US" b="1" dirty="0"/>
+                <a:t>문자</a:t>
+              </a:r>
+              <a:r>
+                <a:rPr lang="en-US" altLang="ko-KR" b="1" dirty="0"/>
+                <a:t>”)</a:t>
+              </a:r>
+              <a:endParaRPr lang="en-US" altLang="ko-KR" dirty="0"/>
+            </a:p>
+            <a:p>
+              <a:pPr lvl="1"/>
+              <a:r>
+                <a:rPr lang="ko-KR" altLang="en-US" sz="1400" dirty="0"/>
+                <a:t>지정한 문자 기준으로 문자 데이터를 나누어 배열에 저장</a:t>
+              </a:r>
+              <a:endParaRPr lang="en-US" altLang="ko-KR" sz="1400" dirty="0"/>
+            </a:p>
+            <a:p>
+              <a:pPr lvl="1"/>
+              <a:r>
+                <a:rPr lang="en-US" altLang="ko-KR" sz="1400" dirty="0"/>
+                <a:t>106</a:t>
+              </a:r>
+              <a:r>
+                <a:rPr lang="ko-KR" altLang="en-US" sz="1400" dirty="0"/>
+                <a:t>쪽 두번째</a:t>
+              </a:r>
+              <a:endParaRPr lang="en-US" altLang="ko-KR" sz="1400" dirty="0"/>
+            </a:p>
+          </p:txBody>
+        </p:sp>
+        <p:sp>
+          <p:nvSpPr>
+            <p:cNvPr id="30" name="TextBox 29">
+              <a:extLst>
+                <a:ext uri="{FF2B5EF4-FFF2-40B4-BE49-F238E27FC236}">
+                  <a16:creationId xmlns:a16="http://schemas.microsoft.com/office/drawing/2014/main" id="{475316FE-6188-4455-9B35-93A39BB6E8A6}"/>
+                </a:ext>
+              </a:extLst>
+            </p:cNvPr>
+            <p:cNvSpPr txBox="1"/>
+            <p:nvPr/>
+          </p:nvSpPr>
+          <p:spPr>
+            <a:xfrm>
+              <a:off x="1810235" y="5335712"/>
+              <a:ext cx="10134945" cy="181231"/>
+            </a:xfrm>
+            <a:prstGeom prst="rect">
+              <a:avLst/>
+            </a:prstGeom>
+            <a:noFill/>
+          </p:spPr>
+          <p:txBody>
+            <a:bodyPr wrap="square" rtlCol="0">
+              <a:spAutoFit/>
+            </a:bodyPr>
+            <a:lstStyle/>
+            <a:p>
+              <a:r>
+                <a:rPr lang="en-US" altLang="ko-KR" b="1" dirty="0"/>
+                <a:t>.</a:t>
+              </a:r>
+              <a:r>
+                <a:rPr lang="en-US" altLang="ko-KR" b="1" dirty="0" err="1"/>
+                <a:t>charCodeAt</a:t>
+              </a:r>
+              <a:r>
+                <a:rPr lang="en-US" altLang="ko-KR" b="1" dirty="0"/>
+                <a:t>(</a:t>
+              </a:r>
+              <a:r>
+                <a:rPr lang="ko-KR" altLang="en-US" b="1" dirty="0"/>
+                <a:t>인덱스번호</a:t>
+              </a:r>
+              <a:r>
+                <a:rPr lang="en-US" altLang="ko-KR" b="1" dirty="0"/>
+                <a:t>)</a:t>
+              </a:r>
+              <a:endParaRPr lang="en-US" altLang="ko-KR" dirty="0"/>
+            </a:p>
+            <a:p>
+              <a:pPr lvl="1"/>
+              <a:r>
+                <a:rPr lang="ko-KR" altLang="en-US" sz="1400" dirty="0"/>
+                <a:t>해당 문자의 아스키 코드 값을 반환</a:t>
+              </a:r>
+              <a:endParaRPr lang="en-US" altLang="ko-KR" sz="1400" dirty="0"/>
+            </a:p>
+          </p:txBody>
+        </p:sp>
+        <p:sp>
+          <p:nvSpPr>
+            <p:cNvPr id="31" name="TextBox 30">
+              <a:extLst>
+                <a:ext uri="{FF2B5EF4-FFF2-40B4-BE49-F238E27FC236}">
+                  <a16:creationId xmlns:a16="http://schemas.microsoft.com/office/drawing/2014/main" id="{08E8A9E0-9E6A-4688-BF93-FEEEE5F64420}"/>
+                </a:ext>
+              </a:extLst>
+            </p:cNvPr>
+            <p:cNvSpPr txBox="1"/>
+            <p:nvPr/>
+          </p:nvSpPr>
+          <p:spPr>
+            <a:xfrm>
+              <a:off x="1810235" y="5545493"/>
+              <a:ext cx="10134945" cy="181231"/>
+            </a:xfrm>
+            <a:prstGeom prst="rect">
+              <a:avLst/>
+            </a:prstGeom>
+            <a:noFill/>
+          </p:spPr>
+          <p:txBody>
+            <a:bodyPr wrap="square" rtlCol="0">
+              <a:spAutoFit/>
+            </a:bodyPr>
+            <a:lstStyle/>
+            <a:p>
+              <a:r>
+                <a:rPr lang="en-US" altLang="ko-KR" b="1" dirty="0"/>
+                <a:t>.</a:t>
+              </a:r>
+              <a:r>
+                <a:rPr lang="en-US" altLang="ko-KR" b="1" dirty="0" err="1"/>
+                <a:t>fromCharCode</a:t>
+              </a:r>
+              <a:r>
+                <a:rPr lang="en-US" altLang="ko-KR" b="1" dirty="0"/>
+                <a:t> (</a:t>
+              </a:r>
+              <a:r>
+                <a:rPr lang="ko-KR" altLang="en-US" b="1" dirty="0"/>
+                <a:t>아스키코드 값</a:t>
+              </a:r>
+              <a:r>
+                <a:rPr lang="en-US" altLang="ko-KR" b="1" dirty="0"/>
+                <a:t>)</a:t>
+              </a:r>
+              <a:endParaRPr lang="en-US" altLang="ko-KR" dirty="0"/>
+            </a:p>
+            <a:p>
+              <a:pPr lvl="1"/>
+              <a:r>
+                <a:rPr lang="ko-KR" altLang="en-US" sz="1400" dirty="0"/>
+                <a:t>아스키 코드 값을 문자로 반환</a:t>
+              </a:r>
+              <a:endParaRPr lang="en-US" altLang="ko-KR" sz="1400" dirty="0"/>
+            </a:p>
+          </p:txBody>
+        </p:sp>
+      </p:grpSp>
+      <p:pic>
+        <p:nvPicPr>
+          <p:cNvPr id="6" name="그림 5">
+            <a:extLst>
+              <a:ext uri="{FF2B5EF4-FFF2-40B4-BE49-F238E27FC236}">
+                <a16:creationId xmlns:a16="http://schemas.microsoft.com/office/drawing/2014/main" id="{D21C9035-E469-49C5-A0CF-FD32176ADD83}"/>
+              </a:ext>
+            </a:extLst>
+          </p:cNvPr>
+          <p:cNvPicPr>
+            <a:picLocks noChangeAspect="1"/>
+          </p:cNvPicPr>
+          <p:nvPr/>
+        </p:nvPicPr>
+        <p:blipFill rotWithShape="1">
+          <a:blip r:embed="rId3"/>
+          <a:srcRect b="46785"/>
+          <a:stretch/>
+        </p:blipFill>
+        <p:spPr>
+          <a:xfrm>
+            <a:off x="1076381" y="4883277"/>
+            <a:ext cx="2174329" cy="1345165"/>
+          </a:xfrm>
+          <a:prstGeom prst="rect">
+            <a:avLst/>
+          </a:prstGeom>
+          <a:ln>
+            <a:solidFill>
+              <a:srgbClr val="404040"/>
+            </a:solidFill>
+          </a:ln>
+        </p:spPr>
+      </p:pic>
+      <p:pic>
+        <p:nvPicPr>
+          <p:cNvPr id="32" name="그림 31">
+            <a:extLst>
+              <a:ext uri="{FF2B5EF4-FFF2-40B4-BE49-F238E27FC236}">
+                <a16:creationId xmlns:a16="http://schemas.microsoft.com/office/drawing/2014/main" id="{CBDF6BEF-9348-4A47-9837-9A3D604D0F00}"/>
+              </a:ext>
+            </a:extLst>
+          </p:cNvPr>
+          <p:cNvPicPr>
+            <a:picLocks noChangeAspect="1"/>
+          </p:cNvPicPr>
+          <p:nvPr/>
+        </p:nvPicPr>
+        <p:blipFill rotWithShape="1">
+          <a:blip r:embed="rId3"/>
+          <a:srcRect t="53215"/>
+          <a:stretch/>
+        </p:blipFill>
+        <p:spPr>
+          <a:xfrm>
+            <a:off x="3397336" y="4964546"/>
+            <a:ext cx="2174329" cy="1182625"/>
+          </a:xfrm>
+          <a:prstGeom prst="rect">
+            <a:avLst/>
+          </a:prstGeom>
+          <a:ln>
+            <a:solidFill>
+              <a:srgbClr val="404040"/>
+            </a:solidFill>
+          </a:ln>
+        </p:spPr>
+      </p:pic>
+    </p:spTree>
+    <p:extLst>
+      <p:ext uri="{BB962C8B-B14F-4D97-AF65-F5344CB8AC3E}">
+        <p14:creationId xmlns:p14="http://schemas.microsoft.com/office/powerpoint/2010/main" val="2674554284"/>
+      </p:ext>
+    </p:extLst>
+  </p:cSld>
+  <p:clrMapOvr>
+    <a:masterClrMapping/>
+  </p:clrMapOvr>
+</p:sld>
+</file>
+
+<file path=ppt/slides/slide22.xml><?xml version="1.0" encoding="utf-8"?>
 <p:sld xmlns:a="http://schemas.openxmlformats.org/drawingml/2006/main" xmlns:r="http://schemas.openxmlformats.org/officeDocument/2006/relationships" xmlns:p="http://schemas.openxmlformats.org/presentationml/2006/main">
   <p:cSld>
     <p:spTree>
@@ -13489,7 +15787,7 @@
 </p:sld>
 </file>
 
-<file path=ppt/slides/slide21.xml><?xml version="1.0" encoding="utf-8"?>
+<file path=ppt/slides/slide23.xml><?xml version="1.0" encoding="utf-8"?>
 <p:sld xmlns:a="http://schemas.openxmlformats.org/drawingml/2006/main" xmlns:r="http://schemas.openxmlformats.org/officeDocument/2006/relationships" xmlns:p="http://schemas.openxmlformats.org/presentationml/2006/main">
   <p:cSld>
     <p:spTree>
@@ -14306,7 +16604,7 @@
         <p:spPr>
           <a:xfrm>
             <a:off x="1326776" y="1603948"/>
-            <a:ext cx="9556377" cy="2308324"/>
+            <a:ext cx="9556377" cy="3231654"/>
           </a:xfrm>
           <a:prstGeom prst="rect">
             <a:avLst/>
@@ -14373,6 +16671,19 @@
           </a:p>
           <a:p>
             <a:endParaRPr lang="en-US" altLang="ko-KR" sz="2000" dirty="0"/>
+          </a:p>
+          <a:p>
+            <a:endParaRPr lang="en-US" altLang="ko-KR" sz="2000" dirty="0"/>
+          </a:p>
+          <a:p>
+            <a:endParaRPr lang="en-US" altLang="ko-KR" sz="2000" dirty="0"/>
+          </a:p>
+          <a:p>
+            <a:r>
+              <a:rPr lang="ko-KR" altLang="en-US" sz="2000" b="1" dirty="0"/>
+              <a:t>객체의 메서드와 속성을 사용하는 기본형</a:t>
+            </a:r>
+            <a:endParaRPr lang="en-US" altLang="ko-KR" sz="2000" b="1" dirty="0"/>
           </a:p>
         </p:txBody>
       </p:sp>
@@ -14518,7 +16829,7 @@
         </p:nvGrpSpPr>
         <p:grpSpPr>
           <a:xfrm>
-            <a:off x="1497106" y="4401242"/>
+            <a:off x="1291956" y="4859385"/>
             <a:ext cx="9386047" cy="1100993"/>
             <a:chOff x="1497106" y="4992914"/>
             <a:chExt cx="9386047" cy="1100993"/>
@@ -16181,36 +18492,72 @@
           </a:p>
           <a:p>
             <a:r>
-              <a:rPr lang="ko-KR" altLang="en-US" sz="2000" dirty="0"/>
+              <a:rPr lang="ko-KR" altLang="en-US" sz="2000" b="1" dirty="0">
+                <a:solidFill>
+                  <a:srgbClr val="0070C0"/>
+                </a:solidFill>
+              </a:rPr>
               <a:t>문자</a:t>
             </a:r>
             <a:r>
-              <a:rPr lang="en-US" altLang="ko-KR" sz="2000" dirty="0"/>
+              <a:rPr lang="en-US" altLang="ko-KR" sz="2000" b="1" dirty="0">
+                <a:solidFill>
+                  <a:srgbClr val="0070C0"/>
+                </a:solidFill>
+              </a:rPr>
               <a:t>(String), </a:t>
             </a:r>
             <a:r>
-              <a:rPr lang="ko-KR" altLang="en-US" sz="2000" dirty="0"/>
+              <a:rPr lang="ko-KR" altLang="en-US" sz="2000" b="1" dirty="0">
+                <a:solidFill>
+                  <a:srgbClr val="0070C0"/>
+                </a:solidFill>
+              </a:rPr>
               <a:t>날짜</a:t>
             </a:r>
             <a:r>
-              <a:rPr lang="en-US" altLang="ko-KR" sz="2000" dirty="0"/>
+              <a:rPr lang="en-US" altLang="ko-KR" sz="2000" b="1" dirty="0">
+                <a:solidFill>
+                  <a:srgbClr val="0070C0"/>
+                </a:solidFill>
+              </a:rPr>
               <a:t>(Date), </a:t>
             </a:r>
             <a:r>
-              <a:rPr lang="ko-KR" altLang="en-US" sz="2000" dirty="0"/>
+              <a:rPr lang="ko-KR" altLang="en-US" sz="2000" b="1" dirty="0">
+                <a:solidFill>
+                  <a:srgbClr val="0070C0"/>
+                </a:solidFill>
+              </a:rPr>
               <a:t>배열</a:t>
             </a:r>
             <a:r>
-              <a:rPr lang="en-US" altLang="ko-KR" sz="2000" dirty="0"/>
+              <a:rPr lang="en-US" altLang="ko-KR" sz="2000" b="1" dirty="0">
+                <a:solidFill>
+                  <a:srgbClr val="0070C0"/>
+                </a:solidFill>
+              </a:rPr>
               <a:t>(Array), </a:t>
             </a:r>
             <a:r>
-              <a:rPr lang="ko-KR" altLang="en-US" sz="2000" dirty="0"/>
+              <a:rPr lang="ko-KR" altLang="en-US" sz="2000" b="1" dirty="0">
+                <a:solidFill>
+                  <a:srgbClr val="0070C0"/>
+                </a:solidFill>
+              </a:rPr>
               <a:t>수학</a:t>
             </a:r>
             <a:r>
-              <a:rPr lang="en-US" altLang="ko-KR" sz="2000" dirty="0"/>
-              <a:t>(Math), </a:t>
+              <a:rPr lang="en-US" altLang="ko-KR" sz="2000" b="1" dirty="0">
+                <a:solidFill>
+                  <a:srgbClr val="0070C0"/>
+                </a:solidFill>
+              </a:rPr>
+              <a:t>(Math)</a:t>
+            </a:r>
+            <a:r>
+              <a:rPr lang="en-US" altLang="ko-KR" sz="2000" b="1" dirty="0"/>
+              <a:t>, </a:t>
             </a:r>
             <a:r>
               <a:rPr lang="ko-KR" altLang="en-US" sz="2000" dirty="0"/>
@@ -19594,6 +21941,287 @@
               <a:srgbClr val="404040"/>
             </a:solidFill>
           </a:ln>
+        </p:spPr>
+      </p:pic>
+      <p:sp>
+        <p:nvSpPr>
+          <p:cNvPr id="9" name="직사각형 8">
+            <a:extLst>
+              <a:ext uri="{FF2B5EF4-FFF2-40B4-BE49-F238E27FC236}">
+                <a16:creationId xmlns:a16="http://schemas.microsoft.com/office/drawing/2014/main" id="{41A21181-8DA8-4ED4-83A5-EB44A38970E7}"/>
+              </a:ext>
+            </a:extLst>
+          </p:cNvPr>
+          <p:cNvSpPr/>
+          <p:nvPr/>
+        </p:nvSpPr>
+        <p:spPr>
+          <a:xfrm>
+            <a:off x="4672573" y="4257253"/>
+            <a:ext cx="1917327" cy="1184054"/>
+          </a:xfrm>
+          <a:prstGeom prst="rect">
+            <a:avLst/>
+          </a:prstGeom>
+          <a:solidFill>
+            <a:schemeClr val="accent1">
+              <a:lumMod val="40000"/>
+              <a:lumOff val="60000"/>
+            </a:schemeClr>
+          </a:solidFill>
+        </p:spPr>
+        <p:style>
+          <a:lnRef idx="2">
+            <a:schemeClr val="accent1">
+              <a:shade val="50000"/>
+            </a:schemeClr>
+          </a:lnRef>
+          <a:fillRef idx="1">
+            <a:schemeClr val="accent1"/>
+          </a:fillRef>
+          <a:effectRef idx="0">
+            <a:schemeClr val="accent1"/>
+          </a:effectRef>
+          <a:fontRef idx="minor">
+            <a:schemeClr val="lt1"/>
+          </a:fontRef>
+        </p:style>
+        <p:txBody>
+          <a:bodyPr rtlCol="0" anchor="ctr"/>
+          <a:lstStyle/>
+          <a:p>
+            <a:pPr algn="ctr"/>
+            <a:r>
+              <a:rPr lang="ko-KR" altLang="en-US" sz="1200" dirty="0">
+                <a:solidFill>
+                  <a:srgbClr val="404040"/>
+                </a:solidFill>
+              </a:rPr>
+              <a:t>오늘 날짜</a:t>
+            </a:r>
+            <a:endParaRPr lang="en-US" altLang="ko-KR" sz="1200" dirty="0">
+              <a:solidFill>
+                <a:srgbClr val="404040"/>
+              </a:solidFill>
+            </a:endParaRPr>
+          </a:p>
+          <a:p>
+            <a:pPr algn="ctr"/>
+            <a:r>
+              <a:rPr lang="en-US" altLang="ko-KR" sz="1200" dirty="0">
+                <a:solidFill>
+                  <a:srgbClr val="404040"/>
+                </a:solidFill>
+              </a:rPr>
+              <a:t>9</a:t>
+            </a:r>
+            <a:r>
+              <a:rPr lang="ko-KR" altLang="en-US" sz="1200" dirty="0">
+                <a:solidFill>
+                  <a:srgbClr val="404040"/>
+                </a:solidFill>
+              </a:rPr>
+              <a:t>월 </a:t>
+            </a:r>
+            <a:r>
+              <a:rPr lang="en-US" altLang="ko-KR" sz="1200" dirty="0">
+                <a:solidFill>
+                  <a:srgbClr val="404040"/>
+                </a:solidFill>
+              </a:rPr>
+              <a:t>15</a:t>
+            </a:r>
+            <a:r>
+              <a:rPr lang="ko-KR" altLang="en-US" sz="1200" dirty="0">
+                <a:solidFill>
+                  <a:srgbClr val="404040"/>
+                </a:solidFill>
+              </a:rPr>
+              <a:t>일 일요일</a:t>
+            </a:r>
+            <a:endParaRPr lang="en-US" altLang="ko-KR" sz="1200" dirty="0">
+              <a:solidFill>
+                <a:srgbClr val="404040"/>
+              </a:solidFill>
+            </a:endParaRPr>
+          </a:p>
+          <a:p>
+            <a:pPr algn="ctr"/>
+            <a:endParaRPr lang="en-US" altLang="ko-KR" sz="1200" dirty="0">
+              <a:solidFill>
+                <a:srgbClr val="404040"/>
+              </a:solidFill>
+            </a:endParaRPr>
+          </a:p>
+          <a:p>
+            <a:pPr algn="ctr"/>
+            <a:r>
+              <a:rPr lang="ko-KR" altLang="en-US" sz="1200" dirty="0">
+                <a:solidFill>
+                  <a:srgbClr val="404040"/>
+                </a:solidFill>
+              </a:rPr>
+              <a:t>내 생일</a:t>
+            </a:r>
+            <a:endParaRPr lang="en-US" altLang="ko-KR" sz="1200" dirty="0">
+              <a:solidFill>
+                <a:srgbClr val="404040"/>
+              </a:solidFill>
+            </a:endParaRPr>
+          </a:p>
+          <a:p>
+            <a:pPr algn="ctr"/>
+            <a:r>
+              <a:rPr lang="en-US" altLang="ko-KR" sz="1200" dirty="0">
+                <a:solidFill>
+                  <a:srgbClr val="404040"/>
+                </a:solidFill>
+              </a:rPr>
+              <a:t>6</a:t>
+            </a:r>
+            <a:r>
+              <a:rPr lang="ko-KR" altLang="en-US" sz="1200" dirty="0">
+                <a:solidFill>
+                  <a:srgbClr val="404040"/>
+                </a:solidFill>
+              </a:rPr>
+              <a:t>월 </a:t>
+            </a:r>
+            <a:r>
+              <a:rPr lang="en-US" altLang="ko-KR" sz="1200" dirty="0">
+                <a:solidFill>
+                  <a:srgbClr val="404040"/>
+                </a:solidFill>
+              </a:rPr>
+              <a:t>10</a:t>
+            </a:r>
+            <a:r>
+              <a:rPr lang="ko-KR" altLang="en-US" sz="1200" dirty="0">
+                <a:solidFill>
+                  <a:srgbClr val="404040"/>
+                </a:solidFill>
+              </a:rPr>
+              <a:t>일 월요일</a:t>
+            </a:r>
+          </a:p>
+        </p:txBody>
+      </p:sp>
+      <p:pic>
+        <p:nvPicPr>
+          <p:cNvPr id="8" name="그림 7">
+            <a:extLst>
+              <a:ext uri="{FF2B5EF4-FFF2-40B4-BE49-F238E27FC236}">
+                <a16:creationId xmlns:a16="http://schemas.microsoft.com/office/drawing/2014/main" id="{E8AF4F24-51D4-4737-B1AE-A50507492C8B}"/>
+              </a:ext>
+            </a:extLst>
+          </p:cNvPr>
+          <p:cNvPicPr>
+            <a:picLocks noChangeAspect="1"/>
+          </p:cNvPicPr>
+          <p:nvPr/>
+        </p:nvPicPr>
+        <p:blipFill rotWithShape="1">
+          <a:blip r:embed="rId6"/>
+          <a:srcRect t="35961" b="11808"/>
+          <a:stretch/>
+        </p:blipFill>
+        <p:spPr>
+          <a:xfrm>
+            <a:off x="1221020" y="4534677"/>
+            <a:ext cx="2890071" cy="543291"/>
+          </a:xfrm>
+          <a:prstGeom prst="rect">
+            <a:avLst/>
+          </a:prstGeom>
+        </p:spPr>
+      </p:pic>
+      <p:pic>
+        <p:nvPicPr>
+          <p:cNvPr id="10" name="그림 9">
+            <a:extLst>
+              <a:ext uri="{FF2B5EF4-FFF2-40B4-BE49-F238E27FC236}">
+                <a16:creationId xmlns:a16="http://schemas.microsoft.com/office/drawing/2014/main" id="{7A237EB1-1A7A-482C-9732-187798BD4F6F}"/>
+              </a:ext>
+            </a:extLst>
+          </p:cNvPr>
+          <p:cNvPicPr>
+            <a:picLocks noChangeAspect="1"/>
+          </p:cNvPicPr>
+          <p:nvPr/>
+        </p:nvPicPr>
+        <p:blipFill>
+          <a:blip r:embed="rId7"/>
+          <a:stretch>
+            <a:fillRect/>
+          </a:stretch>
+        </p:blipFill>
+        <p:spPr>
+          <a:xfrm>
+            <a:off x="1452461" y="5441307"/>
+            <a:ext cx="3849188" cy="920890"/>
+          </a:xfrm>
+          <a:prstGeom prst="rect">
+            <a:avLst/>
+          </a:prstGeom>
+        </p:spPr>
+      </p:pic>
+      <p:pic>
+        <p:nvPicPr>
+          <p:cNvPr id="12" name="그림 11">
+            <a:extLst>
+              <a:ext uri="{FF2B5EF4-FFF2-40B4-BE49-F238E27FC236}">
+                <a16:creationId xmlns:a16="http://schemas.microsoft.com/office/drawing/2014/main" id="{283DCAFA-7FD3-4DA9-8316-78C5B5C15C2D}"/>
+              </a:ext>
+            </a:extLst>
+          </p:cNvPr>
+          <p:cNvPicPr>
+            <a:picLocks noChangeAspect="1"/>
+          </p:cNvPicPr>
+          <p:nvPr/>
+        </p:nvPicPr>
+        <p:blipFill>
+          <a:blip r:embed="rId8"/>
+          <a:stretch>
+            <a:fillRect/>
+          </a:stretch>
+        </p:blipFill>
+        <p:spPr>
+          <a:xfrm>
+            <a:off x="8791363" y="5516553"/>
+            <a:ext cx="3240980" cy="770397"/>
+          </a:xfrm>
+          <a:prstGeom prst="rect">
+            <a:avLst/>
+          </a:prstGeom>
+        </p:spPr>
+      </p:pic>
+      <p:pic>
+        <p:nvPicPr>
+          <p:cNvPr id="32" name="그림 31">
+            <a:extLst>
+              <a:ext uri="{FF2B5EF4-FFF2-40B4-BE49-F238E27FC236}">
+                <a16:creationId xmlns:a16="http://schemas.microsoft.com/office/drawing/2014/main" id="{20A4BBE9-CF36-4DD2-B97D-936B6C43CFB4}"/>
+              </a:ext>
+            </a:extLst>
+          </p:cNvPr>
+          <p:cNvPicPr>
+            <a:picLocks noChangeAspect="1"/>
+          </p:cNvPicPr>
+          <p:nvPr/>
+        </p:nvPicPr>
+        <p:blipFill rotWithShape="1">
+          <a:blip r:embed="rId6"/>
+          <a:srcRect b="81647"/>
+          <a:stretch/>
+        </p:blipFill>
+        <p:spPr>
+          <a:xfrm>
+            <a:off x="1221019" y="4329954"/>
+            <a:ext cx="2890071" cy="190897"/>
+          </a:xfrm>
+          <a:prstGeom prst="rect">
+            <a:avLst/>
+          </a:prstGeom>
         </p:spPr>
       </p:pic>
     </p:spTree>
@@ -19761,6 +22389,33 @@
                                   </p:childTnLst>
                                 </p:cTn>
                               </p:par>
+                              <p:par>
+                                <p:cTn id="15" presetID="1" presetClass="entr" presetSubtype="0" fill="hold" nodeType="withEffect">
+                                  <p:stCondLst>
+                                    <p:cond delay="0"/>
+                                  </p:stCondLst>
+                                  <p:childTnLst>
+                                    <p:set>
+                                      <p:cBhvr>
+                                        <p:cTn id="16" dur="1" fill="hold">
+                                          <p:stCondLst>
+                                            <p:cond delay="0"/>
+                                          </p:stCondLst>
+                                        </p:cTn>
+                                        <p:tgtEl>
+                                          <p:spTgt spid="12"/>
+                                        </p:tgtEl>
+                                        <p:attrNameLst>
+                                          <p:attrName>style.visibility</p:attrName>
+                                        </p:attrNameLst>
+                                      </p:cBhvr>
+                                      <p:to>
+                                        <p:strVal val="visible"/>
+                                      </p:to>
+                                    </p:set>
+                                  </p:childTnLst>
+                                </p:cTn>
+                              </p:par>
                             </p:childTnLst>
                           </p:cTn>
                         </p:par>
@@ -19850,7 +22505,7 @@
             </a:r>
             <a:r>
               <a:rPr lang="en-US" altLang="ko-KR" sz="1400" b="1" dirty="0"/>
-              <a:t>94</a:t>
+              <a:t>95</a:t>
             </a:r>
             <a:r>
               <a:rPr lang="ko-KR" altLang="en-US" sz="1400" b="1" dirty="0"/>
@@ -20297,7 +22952,7 @@
         <p:spPr>
           <a:xfrm>
             <a:off x="1053784" y="1409078"/>
-            <a:ext cx="10272689" cy="2923877"/>
+            <a:ext cx="10272689" cy="4154984"/>
           </a:xfrm>
           <a:prstGeom prst="rect">
             <a:avLst/>
@@ -20341,28 +22996,56 @@
               <a:t>	</a:t>
             </a:r>
             <a:r>
+              <a:rPr lang="ko-KR" altLang="en-US" sz="2000" b="1" dirty="0">
+                <a:solidFill>
+                  <a:srgbClr val="0070C0"/>
+                </a:solidFill>
+              </a:rPr>
+              <a:t>최댓값</a:t>
+            </a:r>
+            <a:r>
+              <a:rPr lang="en-US" altLang="ko-KR" sz="2000" b="1" dirty="0">
+                <a:solidFill>
+                  <a:srgbClr val="0070C0"/>
+                </a:solidFill>
+              </a:rPr>
+              <a:t>, </a:t>
+            </a:r>
+            <a:r>
+              <a:rPr lang="ko-KR" altLang="en-US" sz="2000" b="1" dirty="0">
+                <a:solidFill>
+                  <a:srgbClr val="0070C0"/>
+                </a:solidFill>
+              </a:rPr>
+              <a:t>최솟값</a:t>
+            </a:r>
+            <a:r>
+              <a:rPr lang="en-US" altLang="ko-KR" sz="2000" b="1" dirty="0">
+                <a:solidFill>
+                  <a:srgbClr val="0070C0"/>
+                </a:solidFill>
+              </a:rPr>
+              <a:t>, </a:t>
+            </a:r>
+            <a:r>
+              <a:rPr lang="ko-KR" altLang="en-US" sz="2000" b="1" dirty="0" err="1">
+                <a:solidFill>
+                  <a:srgbClr val="0070C0"/>
+                </a:solidFill>
+              </a:rPr>
+              <a:t>반올림값</a:t>
+            </a:r>
+            <a:r>
+              <a:rPr lang="ko-KR" altLang="en-US" sz="2000" b="1" dirty="0">
+                <a:solidFill>
+                  <a:srgbClr val="0070C0"/>
+                </a:solidFill>
+              </a:rPr>
+              <a:t> </a:t>
+            </a:r>
+            <a:r>
               <a:rPr lang="ko-KR" altLang="en-US" sz="2000" dirty="0"/>
-              <a:t>최댓값</a:t>
-            </a:r>
-            <a:r>
-              <a:rPr lang="en-US" altLang="ko-KR" sz="2000" dirty="0"/>
-              <a:t>, </a:t>
-            </a:r>
-            <a:r>
-              <a:rPr lang="ko-KR" altLang="en-US" sz="2000" dirty="0"/>
-              <a:t>최솟값</a:t>
-            </a:r>
-            <a:r>
-              <a:rPr lang="en-US" altLang="ko-KR" sz="2000" dirty="0"/>
-              <a:t>, </a:t>
-            </a:r>
-            <a:r>
-              <a:rPr lang="ko-KR" altLang="en-US" sz="2000" dirty="0" err="1"/>
-              <a:t>반올림값</a:t>
-            </a:r>
-            <a:r>
-              <a:rPr lang="ko-KR" altLang="en-US" sz="2000" dirty="0"/>
-              <a:t> 등등</a:t>
+              <a:t>등등</a:t>
             </a:r>
             <a:r>
               <a:rPr lang="en-US" altLang="ko-KR" sz="2000" dirty="0"/>
@@ -20373,6 +23056,12 @@
             <a:endParaRPr lang="en-US" altLang="ko-KR" sz="2000" dirty="0"/>
           </a:p>
           <a:p>
+            <a:endParaRPr lang="en-US" altLang="ko-KR" sz="2000" dirty="0"/>
+          </a:p>
+          <a:p>
+            <a:endParaRPr lang="en-US" altLang="ko-KR" sz="2000" dirty="0"/>
+          </a:p>
+          <a:p>
             <a:r>
               <a:rPr lang="ko-KR" altLang="en-US" sz="2000" b="1" dirty="0"/>
               <a:t>수학 객체의 메서드 및 상수</a:t>
@@ -20394,6 +23083,12 @@
             <a:endParaRPr lang="en-US" altLang="ko-KR" sz="2000" b="1" dirty="0"/>
           </a:p>
           <a:p>
+            <a:endParaRPr lang="en-US" altLang="ko-KR" sz="2000" b="1" dirty="0"/>
+          </a:p>
+          <a:p>
+            <a:endParaRPr lang="en-US" altLang="ko-KR" sz="2000" b="1" dirty="0"/>
+          </a:p>
+          <a:p>
             <a:r>
               <a:rPr lang="en-US" altLang="ko-KR" sz="2000" b="1" dirty="0" err="1"/>
               <a:t>Math.random</a:t>
@@ -20417,176 +23112,6 @@
           </a:p>
         </p:txBody>
       </p:sp>
-      <p:grpSp>
-        <p:nvGrpSpPr>
-          <p:cNvPr id="19" name="그룹 18">
-            <a:extLst>
-              <a:ext uri="{FF2B5EF4-FFF2-40B4-BE49-F238E27FC236}">
-                <a16:creationId xmlns:a16="http://schemas.microsoft.com/office/drawing/2014/main" id="{E1562561-6F59-4871-93CD-9A163C8FB352}"/>
-              </a:ext>
-            </a:extLst>
-          </p:cNvPr>
-          <p:cNvGrpSpPr/>
-          <p:nvPr/>
-        </p:nvGrpSpPr>
-        <p:grpSpPr>
-          <a:xfrm>
-            <a:off x="1497104" y="4229793"/>
-            <a:ext cx="9386047" cy="1100993"/>
-            <a:chOff x="1497106" y="4992914"/>
-            <a:chExt cx="9386047" cy="1100993"/>
-          </a:xfrm>
-        </p:grpSpPr>
-        <p:sp>
-          <p:nvSpPr>
-            <p:cNvPr id="20" name="직사각형 19">
-              <a:extLst>
-                <a:ext uri="{FF2B5EF4-FFF2-40B4-BE49-F238E27FC236}">
-                  <a16:creationId xmlns:a16="http://schemas.microsoft.com/office/drawing/2014/main" id="{CD4E8757-9DF1-4B5E-84FE-6576FEA3E1D9}"/>
-                </a:ext>
-              </a:extLst>
-            </p:cNvPr>
-            <p:cNvSpPr/>
-            <p:nvPr/>
-          </p:nvSpPr>
-          <p:spPr>
-            <a:xfrm>
-              <a:off x="1497106" y="4992914"/>
-              <a:ext cx="9386047" cy="1100993"/>
-            </a:xfrm>
-            <a:prstGeom prst="rect">
-              <a:avLst/>
-            </a:prstGeom>
-            <a:solidFill>
-              <a:schemeClr val="bg1">
-                <a:lumMod val="75000"/>
-              </a:schemeClr>
-            </a:solidFill>
-            <a:ln>
-              <a:noFill/>
-            </a:ln>
-          </p:spPr>
-          <p:style>
-            <a:lnRef idx="2">
-              <a:schemeClr val="accent1">
-                <a:shade val="50000"/>
-              </a:schemeClr>
-            </a:lnRef>
-            <a:fillRef idx="1">
-              <a:schemeClr val="accent1"/>
-            </a:fillRef>
-            <a:effectRef idx="0">
-              <a:schemeClr val="accent1"/>
-            </a:effectRef>
-            <a:fontRef idx="minor">
-              <a:schemeClr val="lt1"/>
-            </a:fontRef>
-          </p:style>
-          <p:txBody>
-            <a:bodyPr rtlCol="0" anchor="ctr"/>
-            <a:lstStyle/>
-            <a:p>
-              <a:pPr algn="ctr"/>
-              <a:endParaRPr lang="ko-KR" altLang="en-US" dirty="0"/>
-            </a:p>
-          </p:txBody>
-        </p:sp>
-        <p:sp>
-          <p:nvSpPr>
-            <p:cNvPr id="27" name="TextBox 26">
-              <a:extLst>
-                <a:ext uri="{FF2B5EF4-FFF2-40B4-BE49-F238E27FC236}">
-                  <a16:creationId xmlns:a16="http://schemas.microsoft.com/office/drawing/2014/main" id="{2F589230-883F-4C96-B8F2-EDA715DC7744}"/>
-                </a:ext>
-              </a:extLst>
-            </p:cNvPr>
-            <p:cNvSpPr txBox="1"/>
-            <p:nvPr/>
-          </p:nvSpPr>
-          <p:spPr>
-            <a:xfrm>
-              <a:off x="1497107" y="5189467"/>
-              <a:ext cx="9386046" cy="707886"/>
-            </a:xfrm>
-            <a:prstGeom prst="rect">
-              <a:avLst/>
-            </a:prstGeom>
-            <a:noFill/>
-          </p:spPr>
-          <p:txBody>
-            <a:bodyPr wrap="square" rtlCol="0">
-              <a:spAutoFit/>
-            </a:bodyPr>
-            <a:lstStyle/>
-            <a:p>
-              <a:r>
-                <a:rPr lang="en-US" altLang="ko-KR" sz="2000" b="1" dirty="0" err="1"/>
-                <a:t>Math.random</a:t>
-              </a:r>
-              <a:r>
-                <a:rPr lang="en-US" altLang="ko-KR" sz="2000" b="1" dirty="0"/>
-                <a:t>()*10; 	</a:t>
-              </a:r>
-              <a:r>
-                <a:rPr lang="en-US" altLang="ko-KR" dirty="0"/>
-                <a:t>//0</a:t>
-              </a:r>
-              <a:r>
-                <a:rPr lang="ko-KR" altLang="en-US" dirty="0"/>
-                <a:t>부터 </a:t>
-              </a:r>
-              <a:r>
-                <a:rPr lang="en-US" altLang="ko-KR" dirty="0"/>
-                <a:t>10</a:t>
-              </a:r>
-              <a:r>
-                <a:rPr lang="ko-KR" altLang="en-US" dirty="0"/>
-                <a:t>까지 실수로 난수를 반환</a:t>
-              </a:r>
-              <a:endParaRPr lang="en-US" altLang="ko-KR" dirty="0"/>
-            </a:p>
-            <a:p>
-              <a:r>
-                <a:rPr lang="en-US" altLang="ko-KR" sz="2000" b="1" dirty="0" err="1"/>
-                <a:t>Math.floor</a:t>
-              </a:r>
-              <a:r>
-                <a:rPr lang="en-US" altLang="ko-KR" sz="2000" b="1" dirty="0"/>
-                <a:t>(</a:t>
-              </a:r>
-              <a:r>
-                <a:rPr lang="en-US" altLang="ko-KR" sz="2000" b="1" dirty="0" err="1"/>
-                <a:t>Math.random</a:t>
-              </a:r>
-              <a:r>
-                <a:rPr lang="en-US" altLang="ko-KR" sz="2000" b="1" dirty="0"/>
-                <a:t>()*11);		</a:t>
-              </a:r>
-              <a:r>
-                <a:rPr lang="ko-KR" altLang="en-US" sz="2000" b="1" dirty="0"/>
-                <a:t> </a:t>
-              </a:r>
-              <a:r>
-                <a:rPr lang="en-US" altLang="ko-KR" dirty="0"/>
-                <a:t>//0</a:t>
-              </a:r>
-              <a:r>
-                <a:rPr lang="ko-KR" altLang="en-US" dirty="0"/>
-                <a:t>부터 </a:t>
-              </a:r>
-              <a:r>
-                <a:rPr lang="en-US" altLang="ko-KR" dirty="0"/>
-                <a:t>10</a:t>
-              </a:r>
-              <a:r>
-                <a:rPr lang="ko-KR" altLang="en-US" dirty="0"/>
-                <a:t>까지 난수를 발생하여 소수점 값 제거</a:t>
-              </a:r>
-              <a:endParaRPr lang="ko-KR" altLang="en-US" sz="1600" dirty="0"/>
-            </a:p>
-          </p:txBody>
-        </p:sp>
-      </p:grpSp>
     </p:spTree>
     <p:extLst>
       <p:ext uri="{BB962C8B-B14F-4D97-AF65-F5344CB8AC3E}">
